--- a/Präsentation/Semantische Beziehungen_169.pptx
+++ b/Präsentation/Semantische Beziehungen_169.pptx
@@ -4,6 +4,9 @@
   <p:sldMasterIdLst>
     <p:sldMasterId id="2147483672" r:id="rId1"/>
   </p:sldMasterIdLst>
+  <p:notesMasterIdLst>
+    <p:notesMasterId r:id="rId27"/>
+  </p:notesMasterIdLst>
   <p:sldIdLst>
     <p:sldId id="256" r:id="rId2"/>
     <p:sldId id="257" r:id="rId3"/>
@@ -8463,6 +8466,445 @@
 </cs:chartStyle>
 </file>
 
+<file path=ppt/notesMasters/notesMaster1.xml><?xml version="1.0" encoding="utf-8"?>
+<p:notesMaster xmlns:a="http://schemas.openxmlformats.org/drawingml/2006/main" xmlns:r="http://schemas.openxmlformats.org/officeDocument/2006/relationships" xmlns:p="http://schemas.openxmlformats.org/presentationml/2006/main">
+  <p:cSld>
+    <p:bg>
+      <p:bgRef idx="1001">
+        <a:schemeClr val="bg1"/>
+      </p:bgRef>
+    </p:bg>
+    <p:spTree>
+      <p:nvGrpSpPr>
+        <p:cNvPr id="1" name=""/>
+        <p:cNvGrpSpPr/>
+        <p:nvPr/>
+      </p:nvGrpSpPr>
+      <p:grpSpPr>
+        <a:xfrm>
+          <a:off x="0" y="0"/>
+          <a:ext cx="0" cy="0"/>
+          <a:chOff x="0" y="0"/>
+          <a:chExt cx="0" cy="0"/>
+        </a:xfrm>
+      </p:grpSpPr>
+      <p:sp>
+        <p:nvSpPr>
+          <p:cNvPr id="2" name="Kopfzeilenplatzhalter 1"/>
+          <p:cNvSpPr>
+            <a:spLocks noGrp="1"/>
+          </p:cNvSpPr>
+          <p:nvPr>
+            <p:ph type="hdr" sz="quarter"/>
+          </p:nvPr>
+        </p:nvSpPr>
+        <p:spPr>
+          <a:xfrm>
+            <a:off x="0" y="0"/>
+            <a:ext cx="2971800" cy="458788"/>
+          </a:xfrm>
+          <a:prstGeom prst="rect">
+            <a:avLst/>
+          </a:prstGeom>
+        </p:spPr>
+        <p:txBody>
+          <a:bodyPr vert="horz" lIns="91440" tIns="45720" rIns="91440" bIns="45720" rtlCol="0"/>
+          <a:lstStyle>
+            <a:lvl1pPr algn="l">
+              <a:defRPr sz="1200"/>
+            </a:lvl1pPr>
+          </a:lstStyle>
+          <a:p>
+            <a:endParaRPr lang="de-DE"/>
+          </a:p>
+        </p:txBody>
+      </p:sp>
+      <p:sp>
+        <p:nvSpPr>
+          <p:cNvPr id="3" name="Datumsplatzhalter 2"/>
+          <p:cNvSpPr>
+            <a:spLocks noGrp="1"/>
+          </p:cNvSpPr>
+          <p:nvPr>
+            <p:ph type="dt" idx="1"/>
+          </p:nvPr>
+        </p:nvSpPr>
+        <p:spPr>
+          <a:xfrm>
+            <a:off x="3884613" y="0"/>
+            <a:ext cx="2971800" cy="458788"/>
+          </a:xfrm>
+          <a:prstGeom prst="rect">
+            <a:avLst/>
+          </a:prstGeom>
+        </p:spPr>
+        <p:txBody>
+          <a:bodyPr vert="horz" lIns="91440" tIns="45720" rIns="91440" bIns="45720" rtlCol="0"/>
+          <a:lstStyle>
+            <a:lvl1pPr algn="r">
+              <a:defRPr sz="1200"/>
+            </a:lvl1pPr>
+          </a:lstStyle>
+          <a:p>
+            <a:fld id="{44D1C4EA-7653-4A93-AD9D-2B430ADEFB52}" type="datetimeFigureOut">
+              <a:rPr lang="de-DE" smtClean="0"/>
+              <a:t>10.09.2015</a:t>
+            </a:fld>
+            <a:endParaRPr lang="de-DE"/>
+          </a:p>
+        </p:txBody>
+      </p:sp>
+      <p:sp>
+        <p:nvSpPr>
+          <p:cNvPr id="4" name="Folienbildplatzhalter 3"/>
+          <p:cNvSpPr>
+            <a:spLocks noGrp="1" noRot="1" noChangeAspect="1"/>
+          </p:cNvSpPr>
+          <p:nvPr>
+            <p:ph type="sldImg" idx="2"/>
+          </p:nvPr>
+        </p:nvSpPr>
+        <p:spPr>
+          <a:xfrm>
+            <a:off x="685800" y="1143000"/>
+            <a:ext cx="5486400" cy="3086100"/>
+          </a:xfrm>
+          <a:prstGeom prst="rect">
+            <a:avLst/>
+          </a:prstGeom>
+          <a:noFill/>
+          <a:ln w="12700">
+            <a:solidFill>
+              <a:prstClr val="black"/>
+            </a:solidFill>
+          </a:ln>
+        </p:spPr>
+        <p:txBody>
+          <a:bodyPr vert="horz" lIns="91440" tIns="45720" rIns="91440" bIns="45720" rtlCol="0" anchor="ctr"/>
+          <a:lstStyle/>
+          <a:p>
+            <a:endParaRPr lang="de-DE"/>
+          </a:p>
+        </p:txBody>
+      </p:sp>
+      <p:sp>
+        <p:nvSpPr>
+          <p:cNvPr id="5" name="Notizenplatzhalter 4"/>
+          <p:cNvSpPr>
+            <a:spLocks noGrp="1"/>
+          </p:cNvSpPr>
+          <p:nvPr>
+            <p:ph type="body" sz="quarter" idx="3"/>
+          </p:nvPr>
+        </p:nvSpPr>
+        <p:spPr>
+          <a:xfrm>
+            <a:off x="685800" y="4400550"/>
+            <a:ext cx="5486400" cy="3600450"/>
+          </a:xfrm>
+          <a:prstGeom prst="rect">
+            <a:avLst/>
+          </a:prstGeom>
+        </p:spPr>
+        <p:txBody>
+          <a:bodyPr vert="horz" lIns="91440" tIns="45720" rIns="91440" bIns="45720" rtlCol="0"/>
+          <a:lstStyle/>
+          <a:p>
+            <a:pPr lvl="0"/>
+            <a:r>
+              <a:rPr lang="de-DE" smtClean="0"/>
+              <a:t>Textmasterformat bearbeiten</a:t>
+            </a:r>
+          </a:p>
+          <a:p>
+            <a:pPr lvl="1"/>
+            <a:r>
+              <a:rPr lang="de-DE" smtClean="0"/>
+              <a:t>Zweite Ebene</a:t>
+            </a:r>
+          </a:p>
+          <a:p>
+            <a:pPr lvl="2"/>
+            <a:r>
+              <a:rPr lang="de-DE" smtClean="0"/>
+              <a:t>Dritte Ebene</a:t>
+            </a:r>
+          </a:p>
+          <a:p>
+            <a:pPr lvl="3"/>
+            <a:r>
+              <a:rPr lang="de-DE" smtClean="0"/>
+              <a:t>Vierte Ebene</a:t>
+            </a:r>
+          </a:p>
+          <a:p>
+            <a:pPr lvl="4"/>
+            <a:r>
+              <a:rPr lang="de-DE" smtClean="0"/>
+              <a:t>Fünfte Ebene</a:t>
+            </a:r>
+            <a:endParaRPr lang="de-DE"/>
+          </a:p>
+        </p:txBody>
+      </p:sp>
+      <p:sp>
+        <p:nvSpPr>
+          <p:cNvPr id="6" name="Fußzeilenplatzhalter 5"/>
+          <p:cNvSpPr>
+            <a:spLocks noGrp="1"/>
+          </p:cNvSpPr>
+          <p:nvPr>
+            <p:ph type="ftr" sz="quarter" idx="4"/>
+          </p:nvPr>
+        </p:nvSpPr>
+        <p:spPr>
+          <a:xfrm>
+            <a:off x="0" y="8685213"/>
+            <a:ext cx="2971800" cy="458787"/>
+          </a:xfrm>
+          <a:prstGeom prst="rect">
+            <a:avLst/>
+          </a:prstGeom>
+        </p:spPr>
+        <p:txBody>
+          <a:bodyPr vert="horz" lIns="91440" tIns="45720" rIns="91440" bIns="45720" rtlCol="0" anchor="b"/>
+          <a:lstStyle>
+            <a:lvl1pPr algn="l">
+              <a:defRPr sz="1200"/>
+            </a:lvl1pPr>
+          </a:lstStyle>
+          <a:p>
+            <a:endParaRPr lang="de-DE"/>
+          </a:p>
+        </p:txBody>
+      </p:sp>
+      <p:sp>
+        <p:nvSpPr>
+          <p:cNvPr id="7" name="Foliennummernplatzhalter 6"/>
+          <p:cNvSpPr>
+            <a:spLocks noGrp="1"/>
+          </p:cNvSpPr>
+          <p:nvPr>
+            <p:ph type="sldNum" sz="quarter" idx="5"/>
+          </p:nvPr>
+        </p:nvSpPr>
+        <p:spPr>
+          <a:xfrm>
+            <a:off x="3884613" y="8685213"/>
+            <a:ext cx="2971800" cy="458787"/>
+          </a:xfrm>
+          <a:prstGeom prst="rect">
+            <a:avLst/>
+          </a:prstGeom>
+        </p:spPr>
+        <p:txBody>
+          <a:bodyPr vert="horz" lIns="91440" tIns="45720" rIns="91440" bIns="45720" rtlCol="0" anchor="b"/>
+          <a:lstStyle>
+            <a:lvl1pPr algn="r">
+              <a:defRPr sz="1200"/>
+            </a:lvl1pPr>
+          </a:lstStyle>
+          <a:p>
+            <a:fld id="{001E990D-84F6-475E-9970-1A28C313984E}" type="slidenum">
+              <a:rPr lang="de-DE" smtClean="0"/>
+              <a:t>‹Nr.›</a:t>
+            </a:fld>
+            <a:endParaRPr lang="de-DE"/>
+          </a:p>
+        </p:txBody>
+      </p:sp>
+    </p:spTree>
+    <p:extLst>
+      <p:ext uri="{BB962C8B-B14F-4D97-AF65-F5344CB8AC3E}">
+        <p14:creationId xmlns:p14="http://schemas.microsoft.com/office/powerpoint/2010/main" val="412752102"/>
+      </p:ext>
+    </p:extLst>
+  </p:cSld>
+  <p:clrMap bg1="lt1" tx1="dk1" bg2="lt2" tx2="dk2" accent1="accent1" accent2="accent2" accent3="accent3" accent4="accent4" accent5="accent5" accent6="accent6" hlink="hlink" folHlink="folHlink"/>
+  <p:notesStyle>
+    <a:lvl1pPr marL="0" algn="l" defTabSz="914400" rtl="0" eaLnBrk="1" latinLnBrk="0" hangingPunct="1">
+      <a:defRPr sz="1200" kern="1200">
+        <a:solidFill>
+          <a:schemeClr val="tx1"/>
+        </a:solidFill>
+        <a:latin typeface="+mn-lt"/>
+        <a:ea typeface="+mn-ea"/>
+        <a:cs typeface="+mn-cs"/>
+      </a:defRPr>
+    </a:lvl1pPr>
+    <a:lvl2pPr marL="457200" algn="l" defTabSz="914400" rtl="0" eaLnBrk="1" latinLnBrk="0" hangingPunct="1">
+      <a:defRPr sz="1200" kern="1200">
+        <a:solidFill>
+          <a:schemeClr val="tx1"/>
+        </a:solidFill>
+        <a:latin typeface="+mn-lt"/>
+        <a:ea typeface="+mn-ea"/>
+        <a:cs typeface="+mn-cs"/>
+      </a:defRPr>
+    </a:lvl2pPr>
+    <a:lvl3pPr marL="914400" algn="l" defTabSz="914400" rtl="0" eaLnBrk="1" latinLnBrk="0" hangingPunct="1">
+      <a:defRPr sz="1200" kern="1200">
+        <a:solidFill>
+          <a:schemeClr val="tx1"/>
+        </a:solidFill>
+        <a:latin typeface="+mn-lt"/>
+        <a:ea typeface="+mn-ea"/>
+        <a:cs typeface="+mn-cs"/>
+      </a:defRPr>
+    </a:lvl3pPr>
+    <a:lvl4pPr marL="1371600" algn="l" defTabSz="914400" rtl="0" eaLnBrk="1" latinLnBrk="0" hangingPunct="1">
+      <a:defRPr sz="1200" kern="1200">
+        <a:solidFill>
+          <a:schemeClr val="tx1"/>
+        </a:solidFill>
+        <a:latin typeface="+mn-lt"/>
+        <a:ea typeface="+mn-ea"/>
+        <a:cs typeface="+mn-cs"/>
+      </a:defRPr>
+    </a:lvl4pPr>
+    <a:lvl5pPr marL="1828800" algn="l" defTabSz="914400" rtl="0" eaLnBrk="1" latinLnBrk="0" hangingPunct="1">
+      <a:defRPr sz="1200" kern="1200">
+        <a:solidFill>
+          <a:schemeClr val="tx1"/>
+        </a:solidFill>
+        <a:latin typeface="+mn-lt"/>
+        <a:ea typeface="+mn-ea"/>
+        <a:cs typeface="+mn-cs"/>
+      </a:defRPr>
+    </a:lvl5pPr>
+    <a:lvl6pPr marL="2286000" algn="l" defTabSz="914400" rtl="0" eaLnBrk="1" latinLnBrk="0" hangingPunct="1">
+      <a:defRPr sz="1200" kern="1200">
+        <a:solidFill>
+          <a:schemeClr val="tx1"/>
+        </a:solidFill>
+        <a:latin typeface="+mn-lt"/>
+        <a:ea typeface="+mn-ea"/>
+        <a:cs typeface="+mn-cs"/>
+      </a:defRPr>
+    </a:lvl6pPr>
+    <a:lvl7pPr marL="2743200" algn="l" defTabSz="914400" rtl="0" eaLnBrk="1" latinLnBrk="0" hangingPunct="1">
+      <a:defRPr sz="1200" kern="1200">
+        <a:solidFill>
+          <a:schemeClr val="tx1"/>
+        </a:solidFill>
+        <a:latin typeface="+mn-lt"/>
+        <a:ea typeface="+mn-ea"/>
+        <a:cs typeface="+mn-cs"/>
+      </a:defRPr>
+    </a:lvl7pPr>
+    <a:lvl8pPr marL="3200400" algn="l" defTabSz="914400" rtl="0" eaLnBrk="1" latinLnBrk="0" hangingPunct="1">
+      <a:defRPr sz="1200" kern="1200">
+        <a:solidFill>
+          <a:schemeClr val="tx1"/>
+        </a:solidFill>
+        <a:latin typeface="+mn-lt"/>
+        <a:ea typeface="+mn-ea"/>
+        <a:cs typeface="+mn-cs"/>
+      </a:defRPr>
+    </a:lvl8pPr>
+    <a:lvl9pPr marL="3657600" algn="l" defTabSz="914400" rtl="0" eaLnBrk="1" latinLnBrk="0" hangingPunct="1">
+      <a:defRPr sz="1200" kern="1200">
+        <a:solidFill>
+          <a:schemeClr val="tx1"/>
+        </a:solidFill>
+        <a:latin typeface="+mn-lt"/>
+        <a:ea typeface="+mn-ea"/>
+        <a:cs typeface="+mn-cs"/>
+      </a:defRPr>
+    </a:lvl9pPr>
+  </p:notesStyle>
+</p:notesMaster>
+</file>
+
+<file path=ppt/notesSlides/notesSlide1.xml><?xml version="1.0" encoding="utf-8"?>
+<p:notes xmlns:a="http://schemas.openxmlformats.org/drawingml/2006/main" xmlns:r="http://schemas.openxmlformats.org/officeDocument/2006/relationships" xmlns:p="http://schemas.openxmlformats.org/presentationml/2006/main">
+  <p:cSld>
+    <p:spTree>
+      <p:nvGrpSpPr>
+        <p:cNvPr id="1" name=""/>
+        <p:cNvGrpSpPr/>
+        <p:nvPr/>
+      </p:nvGrpSpPr>
+      <p:grpSpPr>
+        <a:xfrm>
+          <a:off x="0" y="0"/>
+          <a:ext cx="0" cy="0"/>
+          <a:chOff x="0" y="0"/>
+          <a:chExt cx="0" cy="0"/>
+        </a:xfrm>
+      </p:grpSpPr>
+      <p:sp>
+        <p:nvSpPr>
+          <p:cNvPr id="2" name="Folienbildplatzhalter 1"/>
+          <p:cNvSpPr>
+            <a:spLocks noGrp="1" noRot="1" noChangeAspect="1"/>
+          </p:cNvSpPr>
+          <p:nvPr>
+            <p:ph type="sldImg"/>
+          </p:nvPr>
+        </p:nvSpPr>
+        <p:spPr>
+          <a:xfrm>
+            <a:off x="685800" y="1143000"/>
+            <a:ext cx="5486400" cy="3086100"/>
+          </a:xfrm>
+        </p:spPr>
+      </p:sp>
+      <p:sp>
+        <p:nvSpPr>
+          <p:cNvPr id="3" name="Notizenplatzhalter 2"/>
+          <p:cNvSpPr>
+            <a:spLocks noGrp="1"/>
+          </p:cNvSpPr>
+          <p:nvPr>
+            <p:ph type="body" idx="1"/>
+          </p:nvPr>
+        </p:nvSpPr>
+        <p:spPr/>
+        <p:txBody>
+          <a:bodyPr/>
+          <a:lstStyle/>
+          <a:p>
+            <a:endParaRPr lang="de-DE"/>
+          </a:p>
+        </p:txBody>
+      </p:sp>
+      <p:sp>
+        <p:nvSpPr>
+          <p:cNvPr id="4" name="Foliennummernplatzhalter 3"/>
+          <p:cNvSpPr>
+            <a:spLocks noGrp="1"/>
+          </p:cNvSpPr>
+          <p:nvPr>
+            <p:ph type="sldNum" sz="quarter" idx="10"/>
+          </p:nvPr>
+        </p:nvSpPr>
+        <p:spPr/>
+        <p:txBody>
+          <a:bodyPr/>
+          <a:lstStyle/>
+          <a:p>
+            <a:fld id="{001E990D-84F6-475E-9970-1A28C313984E}" type="slidenum">
+              <a:rPr lang="de-DE" smtClean="0"/>
+              <a:t>1</a:t>
+            </a:fld>
+            <a:endParaRPr lang="de-DE"/>
+          </a:p>
+        </p:txBody>
+      </p:sp>
+    </p:spTree>
+    <p:extLst>
+      <p:ext uri="{BB962C8B-B14F-4D97-AF65-F5344CB8AC3E}">
+        <p14:creationId xmlns:p14="http://schemas.microsoft.com/office/powerpoint/2010/main" val="10389271"/>
+      </p:ext>
+    </p:extLst>
+  </p:cSld>
+  <p:clrMapOvr>
+    <a:masterClrMapping/>
+  </p:clrMapOvr>
+</p:notes>
+</file>
+
 <file path=ppt/slideLayouts/slideLayout1.xml><?xml version="1.0" encoding="utf-8"?>
 <p:sldLayout xmlns:a="http://schemas.openxmlformats.org/drawingml/2006/main" xmlns:r="http://schemas.openxmlformats.org/officeDocument/2006/relationships" xmlns:p="http://schemas.openxmlformats.org/presentationml/2006/main" type="title" preserve="1">
   <p:cSld name="Titelfolie">
@@ -8592,11 +9034,11 @@
           <a:bodyPr/>
           <a:lstStyle/>
           <a:p>
-            <a:fld id="{C92AD096-6E55-4EEF-BA58-4033A04C26A2}" type="datetimeFigureOut">
+            <a:r>
               <a:rPr lang="de-DE" smtClean="0"/>
-              <a:t>10.09.2015</a:t>
-            </a:fld>
-            <a:endParaRPr lang="de-DE"/>
+              <a:t>11.09.2015</a:t>
+            </a:r>
+            <a:endParaRPr lang="de-DE" dirty="0"/>
           </a:p>
         </p:txBody>
       </p:sp>
@@ -8615,6 +9057,10 @@
           <a:bodyPr/>
           <a:lstStyle/>
           <a:p>
+            <a:r>
+              <a:rPr lang="de-DE" smtClean="0"/>
+              <a:t>Ruben Müller</a:t>
+            </a:r>
             <a:endParaRPr lang="de-DE"/>
           </a:p>
         </p:txBody>
@@ -8642,16 +9088,83 @@
           </a:p>
         </p:txBody>
       </p:sp>
+      <p:cxnSp>
+        <p:nvCxnSpPr>
+          <p:cNvPr id="7" name="Gerader Verbinder 6"/>
+          <p:cNvCxnSpPr/>
+          <p:nvPr userDrawn="1"/>
+        </p:nvCxnSpPr>
+        <p:spPr>
+          <a:xfrm>
+            <a:off x="914400" y="3509963"/>
+            <a:ext cx="10363200" cy="0"/>
+          </a:xfrm>
+          <a:prstGeom prst="line">
+            <a:avLst/>
+          </a:prstGeom>
+        </p:spPr>
+        <p:style>
+          <a:lnRef idx="1">
+            <a:schemeClr val="accent1"/>
+          </a:lnRef>
+          <a:fillRef idx="0">
+            <a:schemeClr val="accent1"/>
+          </a:fillRef>
+          <a:effectRef idx="0">
+            <a:schemeClr val="accent1"/>
+          </a:effectRef>
+          <a:fontRef idx="minor">
+            <a:schemeClr val="tx1"/>
+          </a:fontRef>
+        </p:style>
+      </p:cxnSp>
+      <p:cxnSp>
+        <p:nvCxnSpPr>
+          <p:cNvPr id="8" name="Gerader Verbinder 7"/>
+          <p:cNvCxnSpPr/>
+          <p:nvPr userDrawn="1"/>
+        </p:nvCxnSpPr>
+        <p:spPr>
+          <a:xfrm>
+            <a:off x="912416" y="3542048"/>
+            <a:ext cx="10363200" cy="0"/>
+          </a:xfrm>
+          <a:prstGeom prst="line">
+            <a:avLst/>
+          </a:prstGeom>
+        </p:spPr>
+        <p:style>
+          <a:lnRef idx="1">
+            <a:schemeClr val="accent1"/>
+          </a:lnRef>
+          <a:fillRef idx="0">
+            <a:schemeClr val="accent1"/>
+          </a:fillRef>
+          <a:effectRef idx="0">
+            <a:schemeClr val="accent1"/>
+          </a:effectRef>
+          <a:fontRef idx="minor">
+            <a:schemeClr val="tx1"/>
+          </a:fontRef>
+        </p:style>
+      </p:cxnSp>
     </p:spTree>
     <p:extLst>
       <p:ext uri="{BB962C8B-B14F-4D97-AF65-F5344CB8AC3E}">
-        <p14:creationId xmlns:p14="http://schemas.microsoft.com/office/powerpoint/2010/main" val="980076833"/>
+        <p14:creationId xmlns:p14="http://schemas.microsoft.com/office/powerpoint/2010/main" val="3172013453"/>
       </p:ext>
     </p:extLst>
   </p:cSld>
   <p:clrMapOvr>
     <a:masterClrMapping/>
   </p:clrMapOvr>
+  <p:timing>
+    <p:tnLst>
+      <p:par>
+        <p:cTn id="1" dur="indefinite" restart="never" nodeType="tmRoot"/>
+      </p:par>
+    </p:tnLst>
+  </p:timing>
 </p:sldLayout>
 </file>
 
@@ -8762,10 +9275,10 @@
           <a:bodyPr/>
           <a:lstStyle/>
           <a:p>
-            <a:fld id="{C92AD096-6E55-4EEF-BA58-4033A04C26A2}" type="datetimeFigureOut">
+            <a:r>
               <a:rPr lang="de-DE" smtClean="0"/>
-              <a:t>10.09.2015</a:t>
-            </a:fld>
+              <a:t>11.09.2015</a:t>
+            </a:r>
             <a:endParaRPr lang="de-DE"/>
           </a:p>
         </p:txBody>
@@ -8785,6 +9298,10 @@
           <a:bodyPr/>
           <a:lstStyle/>
           <a:p>
+            <a:r>
+              <a:rPr lang="de-DE" smtClean="0"/>
+              <a:t>Ruben Müller</a:t>
+            </a:r>
             <a:endParaRPr lang="de-DE"/>
           </a:p>
         </p:txBody>
@@ -8815,7 +9332,7 @@
     </p:spTree>
     <p:extLst>
       <p:ext uri="{BB962C8B-B14F-4D97-AF65-F5344CB8AC3E}">
-        <p14:creationId xmlns:p14="http://schemas.microsoft.com/office/powerpoint/2010/main" val="1104838095"/>
+        <p14:creationId xmlns:p14="http://schemas.microsoft.com/office/powerpoint/2010/main" val="1741428989"/>
       </p:ext>
     </p:extLst>
   </p:cSld>
@@ -8942,10 +9459,10 @@
           <a:bodyPr/>
           <a:lstStyle/>
           <a:p>
-            <a:fld id="{C92AD096-6E55-4EEF-BA58-4033A04C26A2}" type="datetimeFigureOut">
+            <a:r>
               <a:rPr lang="de-DE" smtClean="0"/>
-              <a:t>10.09.2015</a:t>
-            </a:fld>
+              <a:t>11.09.2015</a:t>
+            </a:r>
             <a:endParaRPr lang="de-DE"/>
           </a:p>
         </p:txBody>
@@ -8965,6 +9482,10 @@
           <a:bodyPr/>
           <a:lstStyle/>
           <a:p>
+            <a:r>
+              <a:rPr lang="de-DE" smtClean="0"/>
+              <a:t>Ruben Müller</a:t>
+            </a:r>
             <a:endParaRPr lang="de-DE"/>
           </a:p>
         </p:txBody>
@@ -8995,7 +9516,7 @@
     </p:spTree>
     <p:extLst>
       <p:ext uri="{BB962C8B-B14F-4D97-AF65-F5344CB8AC3E}">
-        <p14:creationId xmlns:p14="http://schemas.microsoft.com/office/powerpoint/2010/main" val="2396992981"/>
+        <p14:creationId xmlns:p14="http://schemas.microsoft.com/office/powerpoint/2010/main" val="420290287"/>
       </p:ext>
     </p:extLst>
   </p:cSld>
@@ -9112,10 +9633,10 @@
           <a:bodyPr/>
           <a:lstStyle/>
           <a:p>
-            <a:fld id="{C92AD096-6E55-4EEF-BA58-4033A04C26A2}" type="datetimeFigureOut">
+            <a:r>
               <a:rPr lang="de-DE" smtClean="0"/>
-              <a:t>10.09.2015</a:t>
-            </a:fld>
+              <a:t>11.09.2015</a:t>
+            </a:r>
             <a:endParaRPr lang="de-DE"/>
           </a:p>
         </p:txBody>
@@ -9135,6 +9656,10 @@
           <a:bodyPr/>
           <a:lstStyle/>
           <a:p>
+            <a:r>
+              <a:rPr lang="de-DE" smtClean="0"/>
+              <a:t>Ruben Müller</a:t>
+            </a:r>
             <a:endParaRPr lang="de-DE"/>
           </a:p>
         </p:txBody>
@@ -9162,16 +9687,53 @@
           </a:p>
         </p:txBody>
       </p:sp>
+      <p:cxnSp>
+        <p:nvCxnSpPr>
+          <p:cNvPr id="7" name="Gerader Verbinder 6"/>
+          <p:cNvCxnSpPr/>
+          <p:nvPr userDrawn="1"/>
+        </p:nvCxnSpPr>
+        <p:spPr>
+          <a:xfrm>
+            <a:off x="903707" y="1423684"/>
+            <a:ext cx="10363200" cy="0"/>
+          </a:xfrm>
+          <a:prstGeom prst="line">
+            <a:avLst/>
+          </a:prstGeom>
+        </p:spPr>
+        <p:style>
+          <a:lnRef idx="1">
+            <a:schemeClr val="accent1"/>
+          </a:lnRef>
+          <a:fillRef idx="0">
+            <a:schemeClr val="accent1"/>
+          </a:fillRef>
+          <a:effectRef idx="0">
+            <a:schemeClr val="accent1"/>
+          </a:effectRef>
+          <a:fontRef idx="minor">
+            <a:schemeClr val="tx1"/>
+          </a:fontRef>
+        </p:style>
+      </p:cxnSp>
     </p:spTree>
     <p:extLst>
       <p:ext uri="{BB962C8B-B14F-4D97-AF65-F5344CB8AC3E}">
-        <p14:creationId xmlns:p14="http://schemas.microsoft.com/office/powerpoint/2010/main" val="3417496156"/>
+        <p14:creationId xmlns:p14="http://schemas.microsoft.com/office/powerpoint/2010/main" val="3661339365"/>
       </p:ext>
     </p:extLst>
   </p:cSld>
   <p:clrMapOvr>
     <a:masterClrMapping/>
   </p:clrMapOvr>
+  <p:timing>
+    <p:tnLst>
+      <p:par>
+        <p:cTn id="1" dur="indefinite" restart="never" nodeType="tmRoot"/>
+      </p:par>
+    </p:tnLst>
+  </p:timing>
 </p:sldLayout>
 </file>
 
@@ -9358,10 +9920,10 @@
           <a:bodyPr/>
           <a:lstStyle/>
           <a:p>
-            <a:fld id="{C92AD096-6E55-4EEF-BA58-4033A04C26A2}" type="datetimeFigureOut">
+            <a:r>
               <a:rPr lang="de-DE" smtClean="0"/>
-              <a:t>10.09.2015</a:t>
-            </a:fld>
+              <a:t>11.09.2015</a:t>
+            </a:r>
             <a:endParaRPr lang="de-DE"/>
           </a:p>
         </p:txBody>
@@ -9381,6 +9943,10 @@
           <a:bodyPr/>
           <a:lstStyle/>
           <a:p>
+            <a:r>
+              <a:rPr lang="de-DE" smtClean="0"/>
+              <a:t>Ruben Müller</a:t>
+            </a:r>
             <a:endParaRPr lang="de-DE"/>
           </a:p>
         </p:txBody>
@@ -9411,13 +9977,20 @@
     </p:spTree>
     <p:extLst>
       <p:ext uri="{BB962C8B-B14F-4D97-AF65-F5344CB8AC3E}">
-        <p14:creationId xmlns:p14="http://schemas.microsoft.com/office/powerpoint/2010/main" val="489329082"/>
+        <p14:creationId xmlns:p14="http://schemas.microsoft.com/office/powerpoint/2010/main" val="2131286097"/>
       </p:ext>
     </p:extLst>
   </p:cSld>
   <p:clrMapOvr>
     <a:masterClrMapping/>
   </p:clrMapOvr>
+  <p:timing>
+    <p:tnLst>
+      <p:par>
+        <p:cTn id="1" dur="indefinite" restart="never" nodeType="tmRoot"/>
+      </p:par>
+    </p:tnLst>
+  </p:timing>
 </p:sldLayout>
 </file>
 
@@ -9590,10 +10163,10 @@
           <a:bodyPr/>
           <a:lstStyle/>
           <a:p>
-            <a:fld id="{C92AD096-6E55-4EEF-BA58-4033A04C26A2}" type="datetimeFigureOut">
+            <a:r>
               <a:rPr lang="de-DE" smtClean="0"/>
-              <a:t>10.09.2015</a:t>
-            </a:fld>
+              <a:t>11.09.2015</a:t>
+            </a:r>
             <a:endParaRPr lang="de-DE"/>
           </a:p>
         </p:txBody>
@@ -9613,6 +10186,10 @@
           <a:bodyPr/>
           <a:lstStyle/>
           <a:p>
+            <a:r>
+              <a:rPr lang="de-DE" smtClean="0"/>
+              <a:t>Ruben Müller</a:t>
+            </a:r>
             <a:endParaRPr lang="de-DE"/>
           </a:p>
         </p:txBody>
@@ -9640,16 +10217,53 @@
           </a:p>
         </p:txBody>
       </p:sp>
+      <p:cxnSp>
+        <p:nvCxnSpPr>
+          <p:cNvPr id="8" name="Gerader Verbinder 7"/>
+          <p:cNvCxnSpPr/>
+          <p:nvPr userDrawn="1"/>
+        </p:nvCxnSpPr>
+        <p:spPr>
+          <a:xfrm>
+            <a:off x="903707" y="1423675"/>
+            <a:ext cx="10363200" cy="0"/>
+          </a:xfrm>
+          <a:prstGeom prst="line">
+            <a:avLst/>
+          </a:prstGeom>
+        </p:spPr>
+        <p:style>
+          <a:lnRef idx="1">
+            <a:schemeClr val="accent1"/>
+          </a:lnRef>
+          <a:fillRef idx="0">
+            <a:schemeClr val="accent1"/>
+          </a:fillRef>
+          <a:effectRef idx="0">
+            <a:schemeClr val="accent1"/>
+          </a:effectRef>
+          <a:fontRef idx="minor">
+            <a:schemeClr val="tx1"/>
+          </a:fontRef>
+        </p:style>
+      </p:cxnSp>
     </p:spTree>
     <p:extLst>
       <p:ext uri="{BB962C8B-B14F-4D97-AF65-F5344CB8AC3E}">
-        <p14:creationId xmlns:p14="http://schemas.microsoft.com/office/powerpoint/2010/main" val="3185176296"/>
+        <p14:creationId xmlns:p14="http://schemas.microsoft.com/office/powerpoint/2010/main" val="1725636943"/>
       </p:ext>
     </p:extLst>
   </p:cSld>
   <p:clrMapOvr>
     <a:masterClrMapping/>
   </p:clrMapOvr>
+  <p:timing>
+    <p:tnLst>
+      <p:par>
+        <p:cTn id="1" dur="indefinite" restart="never" nodeType="tmRoot"/>
+      </p:par>
+    </p:tnLst>
+  </p:timing>
 </p:sldLayout>
 </file>
 
@@ -9957,10 +10571,10 @@
           <a:bodyPr/>
           <a:lstStyle/>
           <a:p>
-            <a:fld id="{C92AD096-6E55-4EEF-BA58-4033A04C26A2}" type="datetimeFigureOut">
+            <a:r>
               <a:rPr lang="de-DE" smtClean="0"/>
-              <a:t>10.09.2015</a:t>
-            </a:fld>
+              <a:t>11.09.2015</a:t>
+            </a:r>
             <a:endParaRPr lang="de-DE"/>
           </a:p>
         </p:txBody>
@@ -9980,6 +10594,10 @@
           <a:bodyPr/>
           <a:lstStyle/>
           <a:p>
+            <a:r>
+              <a:rPr lang="de-DE" smtClean="0"/>
+              <a:t>Ruben Müller</a:t>
+            </a:r>
             <a:endParaRPr lang="de-DE"/>
           </a:p>
         </p:txBody>
@@ -10010,13 +10628,20 @@
     </p:spTree>
     <p:extLst>
       <p:ext uri="{BB962C8B-B14F-4D97-AF65-F5344CB8AC3E}">
-        <p14:creationId xmlns:p14="http://schemas.microsoft.com/office/powerpoint/2010/main" val="4165025417"/>
+        <p14:creationId xmlns:p14="http://schemas.microsoft.com/office/powerpoint/2010/main" val="3542199051"/>
       </p:ext>
     </p:extLst>
   </p:cSld>
   <p:clrMapOvr>
     <a:masterClrMapping/>
   </p:clrMapOvr>
+  <p:timing>
+    <p:tnLst>
+      <p:par>
+        <p:cTn id="1" dur="indefinite" restart="never" nodeType="tmRoot"/>
+      </p:par>
+    </p:tnLst>
+  </p:timing>
 </p:sldLayout>
 </file>
 
@@ -10075,10 +10700,10 @@
           <a:bodyPr/>
           <a:lstStyle/>
           <a:p>
-            <a:fld id="{C92AD096-6E55-4EEF-BA58-4033A04C26A2}" type="datetimeFigureOut">
+            <a:r>
               <a:rPr lang="de-DE" smtClean="0"/>
-              <a:t>10.09.2015</a:t>
-            </a:fld>
+              <a:t>11.09.2015</a:t>
+            </a:r>
             <a:endParaRPr lang="de-DE"/>
           </a:p>
         </p:txBody>
@@ -10098,6 +10723,10 @@
           <a:bodyPr/>
           <a:lstStyle/>
           <a:p>
+            <a:r>
+              <a:rPr lang="de-DE" smtClean="0"/>
+              <a:t>Ruben Müller</a:t>
+            </a:r>
             <a:endParaRPr lang="de-DE"/>
           </a:p>
         </p:txBody>
@@ -10128,7 +10757,7 @@
     </p:spTree>
     <p:extLst>
       <p:ext uri="{BB962C8B-B14F-4D97-AF65-F5344CB8AC3E}">
-        <p14:creationId xmlns:p14="http://schemas.microsoft.com/office/powerpoint/2010/main" val="1792237863"/>
+        <p14:creationId xmlns:p14="http://schemas.microsoft.com/office/powerpoint/2010/main" val="2162061782"/>
       </p:ext>
     </p:extLst>
   </p:cSld>
@@ -10170,10 +10799,10 @@
           <a:bodyPr/>
           <a:lstStyle/>
           <a:p>
-            <a:fld id="{C92AD096-6E55-4EEF-BA58-4033A04C26A2}" type="datetimeFigureOut">
+            <a:r>
               <a:rPr lang="de-DE" smtClean="0"/>
-              <a:t>10.09.2015</a:t>
-            </a:fld>
+              <a:t>11.09.2015</a:t>
+            </a:r>
             <a:endParaRPr lang="de-DE"/>
           </a:p>
         </p:txBody>
@@ -10193,6 +10822,10 @@
           <a:bodyPr/>
           <a:lstStyle/>
           <a:p>
+            <a:r>
+              <a:rPr lang="de-DE" smtClean="0"/>
+              <a:t>Ruben Müller</a:t>
+            </a:r>
             <a:endParaRPr lang="de-DE"/>
           </a:p>
         </p:txBody>
@@ -10223,7 +10856,7 @@
     </p:spTree>
     <p:extLst>
       <p:ext uri="{BB962C8B-B14F-4D97-AF65-F5344CB8AC3E}">
-        <p14:creationId xmlns:p14="http://schemas.microsoft.com/office/powerpoint/2010/main" val="2927285480"/>
+        <p14:creationId xmlns:p14="http://schemas.microsoft.com/office/powerpoint/2010/main" val="2682141082"/>
       </p:ext>
     </p:extLst>
   </p:cSld>
@@ -10447,10 +11080,10 @@
           <a:bodyPr/>
           <a:lstStyle/>
           <a:p>
-            <a:fld id="{C92AD096-6E55-4EEF-BA58-4033A04C26A2}" type="datetimeFigureOut">
+            <a:r>
               <a:rPr lang="de-DE" smtClean="0"/>
-              <a:t>10.09.2015</a:t>
-            </a:fld>
+              <a:t>11.09.2015</a:t>
+            </a:r>
             <a:endParaRPr lang="de-DE"/>
           </a:p>
         </p:txBody>
@@ -10470,6 +11103,10 @@
           <a:bodyPr/>
           <a:lstStyle/>
           <a:p>
+            <a:r>
+              <a:rPr lang="de-DE" smtClean="0"/>
+              <a:t>Ruben Müller</a:t>
+            </a:r>
             <a:endParaRPr lang="de-DE"/>
           </a:p>
         </p:txBody>
@@ -10500,7 +11137,7 @@
     </p:spTree>
     <p:extLst>
       <p:ext uri="{BB962C8B-B14F-4D97-AF65-F5344CB8AC3E}">
-        <p14:creationId xmlns:p14="http://schemas.microsoft.com/office/powerpoint/2010/main" val="2459348764"/>
+        <p14:creationId xmlns:p14="http://schemas.microsoft.com/office/powerpoint/2010/main" val="3493662398"/>
       </p:ext>
     </p:extLst>
   </p:cSld>
@@ -10704,10 +11341,10 @@
           <a:bodyPr/>
           <a:lstStyle/>
           <a:p>
-            <a:fld id="{C92AD096-6E55-4EEF-BA58-4033A04C26A2}" type="datetimeFigureOut">
+            <a:r>
               <a:rPr lang="de-DE" smtClean="0"/>
-              <a:t>10.09.2015</a:t>
-            </a:fld>
+              <a:t>11.09.2015</a:t>
+            </a:r>
             <a:endParaRPr lang="de-DE"/>
           </a:p>
         </p:txBody>
@@ -10727,6 +11364,10 @@
           <a:bodyPr/>
           <a:lstStyle/>
           <a:p>
+            <a:r>
+              <a:rPr lang="de-DE" smtClean="0"/>
+              <a:t>Ruben Müller</a:t>
+            </a:r>
             <a:endParaRPr lang="de-DE"/>
           </a:p>
         </p:txBody>
@@ -10757,7 +11398,7 @@
     </p:spTree>
     <p:extLst>
       <p:ext uri="{BB962C8B-B14F-4D97-AF65-F5344CB8AC3E}">
-        <p14:creationId xmlns:p14="http://schemas.microsoft.com/office/powerpoint/2010/main" val="777093287"/>
+        <p14:creationId xmlns:p14="http://schemas.microsoft.com/office/powerpoint/2010/main" val="6752226"/>
       </p:ext>
     </p:extLst>
   </p:cSld>
@@ -10917,10 +11558,10 @@
             </a:lvl1pPr>
           </a:lstStyle>
           <a:p>
-            <a:fld id="{C92AD096-6E55-4EEF-BA58-4033A04C26A2}" type="datetimeFigureOut">
+            <a:r>
               <a:rPr lang="de-DE" smtClean="0"/>
-              <a:t>10.09.2015</a:t>
-            </a:fld>
+              <a:t>11.09.2015</a:t>
+            </a:r>
             <a:endParaRPr lang="de-DE"/>
           </a:p>
         </p:txBody>
@@ -10958,6 +11599,10 @@
             </a:lvl1pPr>
           </a:lstStyle>
           <a:p>
+            <a:r>
+              <a:rPr lang="de-DE" smtClean="0"/>
+              <a:t>Ruben Müller</a:t>
+            </a:r>
             <a:endParaRPr lang="de-DE"/>
           </a:p>
         </p:txBody>
@@ -11006,7 +11651,7 @@
     </p:spTree>
     <p:extLst>
       <p:ext uri="{BB962C8B-B14F-4D97-AF65-F5344CB8AC3E}">
-        <p14:creationId xmlns:p14="http://schemas.microsoft.com/office/powerpoint/2010/main" val="605122002"/>
+        <p14:creationId xmlns:p14="http://schemas.microsoft.com/office/powerpoint/2010/main" val="2778670878"/>
       </p:ext>
     </p:extLst>
   </p:cSld>
@@ -11024,6 +11669,7 @@
     <p:sldLayoutId id="2147483682" r:id="rId10"/>
     <p:sldLayoutId id="2147483683" r:id="rId11"/>
   </p:sldLayoutIdLst>
+  <p:hf hdr="0"/>
   <p:txStyles>
     <p:titleStyle>
       <a:lvl1pPr algn="l" defTabSz="914400" rtl="0" eaLnBrk="1" latinLnBrk="0" hangingPunct="1">
@@ -11376,6 +12022,75 @@
           </a:p>
         </p:txBody>
       </p:sp>
+      <p:sp>
+        <p:nvSpPr>
+          <p:cNvPr id="4" name="Datumsplatzhalter 3"/>
+          <p:cNvSpPr>
+            <a:spLocks noGrp="1"/>
+          </p:cNvSpPr>
+          <p:nvPr>
+            <p:ph type="dt" sz="half" idx="10"/>
+          </p:nvPr>
+        </p:nvSpPr>
+        <p:spPr/>
+        <p:txBody>
+          <a:bodyPr/>
+          <a:lstStyle/>
+          <a:p>
+            <a:r>
+              <a:rPr lang="de-DE" smtClean="0"/>
+              <a:t>11.09.2015</a:t>
+            </a:r>
+            <a:endParaRPr lang="de-DE" dirty="0"/>
+          </a:p>
+        </p:txBody>
+      </p:sp>
+      <p:sp>
+        <p:nvSpPr>
+          <p:cNvPr id="5" name="Fußzeilenplatzhalter 4"/>
+          <p:cNvSpPr>
+            <a:spLocks noGrp="1"/>
+          </p:cNvSpPr>
+          <p:nvPr>
+            <p:ph type="ftr" sz="quarter" idx="11"/>
+          </p:nvPr>
+        </p:nvSpPr>
+        <p:spPr/>
+        <p:txBody>
+          <a:bodyPr/>
+          <a:lstStyle/>
+          <a:p>
+            <a:r>
+              <a:rPr lang="de-DE" smtClean="0"/>
+              <a:t>Ruben Müller</a:t>
+            </a:r>
+            <a:endParaRPr lang="de-DE"/>
+          </a:p>
+        </p:txBody>
+      </p:sp>
+      <p:sp>
+        <p:nvSpPr>
+          <p:cNvPr id="6" name="Foliennummernplatzhalter 5"/>
+          <p:cNvSpPr>
+            <a:spLocks noGrp="1"/>
+          </p:cNvSpPr>
+          <p:nvPr>
+            <p:ph type="sldNum" sz="quarter" idx="12"/>
+          </p:nvPr>
+        </p:nvSpPr>
+        <p:spPr/>
+        <p:txBody>
+          <a:bodyPr/>
+          <a:lstStyle/>
+          <a:p>
+            <a:fld id="{92E72EEA-0FBC-4AC8-BDD5-33722D577734}" type="slidenum">
+              <a:rPr lang="de-DE" smtClean="0"/>
+              <a:t>1</a:t>
+            </a:fld>
+            <a:endParaRPr lang="de-DE"/>
+          </a:p>
+        </p:txBody>
+      </p:sp>
     </p:spTree>
     <p:extLst>
       <p:ext uri="{BB962C8B-B14F-4D97-AF65-F5344CB8AC3E}">
@@ -11450,6 +12165,75 @@
           <a:bodyPr/>
           <a:lstStyle/>
           <a:p>
+            <a:endParaRPr lang="de-DE"/>
+          </a:p>
+        </p:txBody>
+      </p:sp>
+      <p:sp>
+        <p:nvSpPr>
+          <p:cNvPr id="4" name="Datumsplatzhalter 3"/>
+          <p:cNvSpPr>
+            <a:spLocks noGrp="1"/>
+          </p:cNvSpPr>
+          <p:nvPr>
+            <p:ph type="dt" sz="half" idx="10"/>
+          </p:nvPr>
+        </p:nvSpPr>
+        <p:spPr/>
+        <p:txBody>
+          <a:bodyPr/>
+          <a:lstStyle/>
+          <a:p>
+            <a:r>
+              <a:rPr lang="de-DE" smtClean="0"/>
+              <a:t>11.09.2015</a:t>
+            </a:r>
+            <a:endParaRPr lang="de-DE"/>
+          </a:p>
+        </p:txBody>
+      </p:sp>
+      <p:sp>
+        <p:nvSpPr>
+          <p:cNvPr id="5" name="Fußzeilenplatzhalter 4"/>
+          <p:cNvSpPr>
+            <a:spLocks noGrp="1"/>
+          </p:cNvSpPr>
+          <p:nvPr>
+            <p:ph type="ftr" sz="quarter" idx="11"/>
+          </p:nvPr>
+        </p:nvSpPr>
+        <p:spPr/>
+        <p:txBody>
+          <a:bodyPr/>
+          <a:lstStyle/>
+          <a:p>
+            <a:r>
+              <a:rPr lang="de-DE" smtClean="0"/>
+              <a:t>Ruben Müller</a:t>
+            </a:r>
+            <a:endParaRPr lang="de-DE"/>
+          </a:p>
+        </p:txBody>
+      </p:sp>
+      <p:sp>
+        <p:nvSpPr>
+          <p:cNvPr id="6" name="Foliennummernplatzhalter 5"/>
+          <p:cNvSpPr>
+            <a:spLocks noGrp="1"/>
+          </p:cNvSpPr>
+          <p:nvPr>
+            <p:ph type="sldNum" sz="quarter" idx="12"/>
+          </p:nvPr>
+        </p:nvSpPr>
+        <p:spPr/>
+        <p:txBody>
+          <a:bodyPr/>
+          <a:lstStyle/>
+          <a:p>
+            <a:fld id="{92E72EEA-0FBC-4AC8-BDD5-33722D577734}" type="slidenum">
+              <a:rPr lang="de-DE" smtClean="0"/>
+              <a:t>10</a:t>
+            </a:fld>
             <a:endParaRPr lang="de-DE"/>
           </a:p>
         </p:txBody>
@@ -11549,6 +12333,75 @@
           </a:p>
         </p:txBody>
       </p:sp>
+      <p:sp>
+        <p:nvSpPr>
+          <p:cNvPr id="4" name="Datumsplatzhalter 3"/>
+          <p:cNvSpPr>
+            <a:spLocks noGrp="1"/>
+          </p:cNvSpPr>
+          <p:nvPr>
+            <p:ph type="dt" sz="half" idx="10"/>
+          </p:nvPr>
+        </p:nvSpPr>
+        <p:spPr/>
+        <p:txBody>
+          <a:bodyPr/>
+          <a:lstStyle/>
+          <a:p>
+            <a:r>
+              <a:rPr lang="de-DE" smtClean="0"/>
+              <a:t>11.09.2015</a:t>
+            </a:r>
+            <a:endParaRPr lang="de-DE"/>
+          </a:p>
+        </p:txBody>
+      </p:sp>
+      <p:sp>
+        <p:nvSpPr>
+          <p:cNvPr id="5" name="Fußzeilenplatzhalter 4"/>
+          <p:cNvSpPr>
+            <a:spLocks noGrp="1"/>
+          </p:cNvSpPr>
+          <p:nvPr>
+            <p:ph type="ftr" sz="quarter" idx="11"/>
+          </p:nvPr>
+        </p:nvSpPr>
+        <p:spPr/>
+        <p:txBody>
+          <a:bodyPr/>
+          <a:lstStyle/>
+          <a:p>
+            <a:r>
+              <a:rPr lang="de-DE" smtClean="0"/>
+              <a:t>Ruben Müller</a:t>
+            </a:r>
+            <a:endParaRPr lang="de-DE"/>
+          </a:p>
+        </p:txBody>
+      </p:sp>
+      <p:sp>
+        <p:nvSpPr>
+          <p:cNvPr id="6" name="Foliennummernplatzhalter 5"/>
+          <p:cNvSpPr>
+            <a:spLocks noGrp="1"/>
+          </p:cNvSpPr>
+          <p:nvPr>
+            <p:ph type="sldNum" sz="quarter" idx="12"/>
+          </p:nvPr>
+        </p:nvSpPr>
+        <p:spPr/>
+        <p:txBody>
+          <a:bodyPr/>
+          <a:lstStyle/>
+          <a:p>
+            <a:fld id="{92E72EEA-0FBC-4AC8-BDD5-33722D577734}" type="slidenum">
+              <a:rPr lang="de-DE" smtClean="0"/>
+              <a:t>11</a:t>
+            </a:fld>
+            <a:endParaRPr lang="de-DE"/>
+          </a:p>
+        </p:txBody>
+      </p:sp>
     </p:spTree>
     <p:extLst>
       <p:ext uri="{BB962C8B-B14F-4D97-AF65-F5344CB8AC3E}">
@@ -11610,25 +12463,70 @@
       </p:sp>
       <p:sp>
         <p:nvSpPr>
-          <p:cNvPr id="3" name="Inhaltsplatzhalter 2"/>
+          <p:cNvPr id="8" name="Datumsplatzhalter 7"/>
           <p:cNvSpPr>
             <a:spLocks noGrp="1"/>
           </p:cNvSpPr>
           <p:nvPr>
-            <p:ph idx="1"/>
+            <p:ph type="dt" sz="half" idx="10"/>
           </p:nvPr>
         </p:nvSpPr>
-        <p:spPr>
-          <a:xfrm>
-            <a:off x="2152650" y="1461485"/>
-            <a:ext cx="7886700" cy="4351338"/>
-          </a:xfrm>
-        </p:spPr>
+        <p:spPr/>
         <p:txBody>
           <a:bodyPr/>
           <a:lstStyle/>
           <a:p>
-            <a:endParaRPr lang="de-DE" dirty="0"/>
+            <a:r>
+              <a:rPr lang="de-DE" smtClean="0"/>
+              <a:t>11.09.2015</a:t>
+            </a:r>
+            <a:endParaRPr lang="de-DE"/>
+          </a:p>
+        </p:txBody>
+      </p:sp>
+      <p:sp>
+        <p:nvSpPr>
+          <p:cNvPr id="10" name="Fußzeilenplatzhalter 9"/>
+          <p:cNvSpPr>
+            <a:spLocks noGrp="1"/>
+          </p:cNvSpPr>
+          <p:nvPr>
+            <p:ph type="ftr" sz="quarter" idx="11"/>
+          </p:nvPr>
+        </p:nvSpPr>
+        <p:spPr/>
+        <p:txBody>
+          <a:bodyPr/>
+          <a:lstStyle/>
+          <a:p>
+            <a:r>
+              <a:rPr lang="de-DE" smtClean="0"/>
+              <a:t>Ruben Müller</a:t>
+            </a:r>
+            <a:endParaRPr lang="de-DE"/>
+          </a:p>
+        </p:txBody>
+      </p:sp>
+      <p:sp>
+        <p:nvSpPr>
+          <p:cNvPr id="11" name="Foliennummernplatzhalter 10"/>
+          <p:cNvSpPr>
+            <a:spLocks noGrp="1"/>
+          </p:cNvSpPr>
+          <p:nvPr>
+            <p:ph type="sldNum" sz="quarter" idx="12"/>
+          </p:nvPr>
+        </p:nvSpPr>
+        <p:spPr/>
+        <p:txBody>
+          <a:bodyPr/>
+          <a:lstStyle/>
+          <a:p>
+            <a:fld id="{92E72EEA-0FBC-4AC8-BDD5-33722D577734}" type="slidenum">
+              <a:rPr lang="de-DE" smtClean="0"/>
+              <a:t>12</a:t>
+            </a:fld>
+            <a:endParaRPr lang="de-DE"/>
           </a:p>
         </p:txBody>
       </p:sp>
@@ -11640,7 +12538,7 @@
         </p:nvSpPr>
         <p:spPr>
           <a:xfrm>
-            <a:off x="1657347" y="3666756"/>
+            <a:off x="307513" y="3631920"/>
             <a:ext cx="1796432" cy="817295"/>
           </a:xfrm>
           <a:prstGeom prst="rect">
@@ -11684,7 +12582,7 @@
         </p:nvSpPr>
         <p:spPr>
           <a:xfrm>
-            <a:off x="4425121" y="2246412"/>
+            <a:off x="3841634" y="2246412"/>
             <a:ext cx="852192" cy="793020"/>
           </a:xfrm>
           <a:prstGeom prst="rect">
@@ -11728,7 +12626,7 @@
         </p:nvSpPr>
         <p:spPr>
           <a:xfrm>
-            <a:off x="4425121" y="3174368"/>
+            <a:off x="3841634" y="3174368"/>
             <a:ext cx="852192" cy="793020"/>
           </a:xfrm>
           <a:prstGeom prst="rect">
@@ -11772,7 +12670,7 @@
         </p:nvSpPr>
         <p:spPr>
           <a:xfrm>
-            <a:off x="4444087" y="4107588"/>
+            <a:off x="3860600" y="4107588"/>
             <a:ext cx="852192" cy="793020"/>
           </a:xfrm>
           <a:prstGeom prst="rect">
@@ -11816,7 +12714,7 @@
         </p:nvSpPr>
         <p:spPr>
           <a:xfrm>
-            <a:off x="7301709" y="2246412"/>
+            <a:off x="7832934" y="2246412"/>
             <a:ext cx="1015424" cy="793020"/>
           </a:xfrm>
           <a:prstGeom prst="rect">
@@ -11868,7 +12766,7 @@
         </p:nvSpPr>
         <p:spPr>
           <a:xfrm>
-            <a:off x="9035978" y="3160472"/>
+            <a:off x="9715247" y="3160472"/>
             <a:ext cx="1529353" cy="793020"/>
           </a:xfrm>
           <a:prstGeom prst="rect">
@@ -11912,7 +12810,7 @@
         </p:nvSpPr>
         <p:spPr>
           <a:xfrm>
-            <a:off x="7301709" y="3174368"/>
+            <a:off x="7832934" y="3174368"/>
             <a:ext cx="1015424" cy="793020"/>
           </a:xfrm>
           <a:prstGeom prst="rect">
@@ -11963,7 +12861,7 @@
         </p:nvSpPr>
         <p:spPr>
           <a:xfrm>
-            <a:off x="7301709" y="4102324"/>
+            <a:off x="7832934" y="4102324"/>
             <a:ext cx="1015424" cy="793020"/>
           </a:xfrm>
           <a:prstGeom prst="rect">
@@ -12010,15 +12908,14 @@
         <p:nvCxnSpPr>
           <p:cNvPr id="16" name="Gerade Verbindung mit Pfeil 15"/>
           <p:cNvCxnSpPr>
-            <a:stCxn id="4" idx="3"/>
             <a:endCxn id="5" idx="1"/>
           </p:cNvCxnSpPr>
           <p:nvPr/>
         </p:nvCxnSpPr>
         <p:spPr>
-          <a:xfrm flipV="1">
-            <a:off x="3453779" y="2642923"/>
-            <a:ext cx="971342" cy="1432481"/>
+          <a:xfrm>
+            <a:off x="3375841" y="2642922"/>
+            <a:ext cx="465793" cy="0"/>
           </a:xfrm>
           <a:prstGeom prst="straightConnector1">
             <a:avLst/>
@@ -12046,15 +12943,14 @@
         <p:nvCxnSpPr>
           <p:cNvPr id="19" name="Gerade Verbindung mit Pfeil 18"/>
           <p:cNvCxnSpPr>
-            <a:stCxn id="4" idx="3"/>
             <a:endCxn id="6" idx="1"/>
           </p:cNvCxnSpPr>
           <p:nvPr/>
         </p:nvCxnSpPr>
         <p:spPr>
-          <a:xfrm flipV="1">
-            <a:off x="3453779" y="3570879"/>
-            <a:ext cx="971342" cy="504525"/>
+          <a:xfrm>
+            <a:off x="3375841" y="3570878"/>
+            <a:ext cx="465793" cy="0"/>
           </a:xfrm>
           <a:prstGeom prst="straightConnector1">
             <a:avLst/>
@@ -12082,15 +12978,14 @@
         <p:nvCxnSpPr>
           <p:cNvPr id="21" name="Gerade Verbindung mit Pfeil 20"/>
           <p:cNvCxnSpPr>
-            <a:stCxn id="4" idx="3"/>
             <a:endCxn id="7" idx="1"/>
           </p:cNvCxnSpPr>
           <p:nvPr/>
         </p:nvCxnSpPr>
         <p:spPr>
-          <a:xfrm>
-            <a:off x="3453779" y="4075404"/>
-            <a:ext cx="990308" cy="428695"/>
+          <a:xfrm flipV="1">
+            <a:off x="3375841" y="4504098"/>
+            <a:ext cx="484759" cy="7244"/>
           </a:xfrm>
           <a:prstGeom prst="straightConnector1">
             <a:avLst/>
@@ -12124,8 +13019,8 @@
         </p:nvCxnSpPr>
         <p:spPr>
           <a:xfrm>
-            <a:off x="5277314" y="2642922"/>
-            <a:ext cx="275927" cy="0"/>
+            <a:off x="4693826" y="2642922"/>
+            <a:ext cx="481894" cy="0"/>
           </a:xfrm>
           <a:prstGeom prst="straightConnector1">
             <a:avLst/>
@@ -12159,8 +13054,8 @@
         </p:nvCxnSpPr>
         <p:spPr>
           <a:xfrm>
-            <a:off x="5277314" y="3570878"/>
-            <a:ext cx="275927" cy="0"/>
+            <a:off x="4693826" y="3570878"/>
+            <a:ext cx="500860" cy="0"/>
           </a:xfrm>
           <a:prstGeom prst="straightConnector1">
             <a:avLst/>
@@ -12193,9 +13088,9 @@
           <p:nvPr/>
         </p:nvCxnSpPr>
         <p:spPr>
-          <a:xfrm flipV="1">
-            <a:off x="5296280" y="4498834"/>
-            <a:ext cx="256961" cy="5264"/>
+          <a:xfrm>
+            <a:off x="4712792" y="4504098"/>
+            <a:ext cx="481894" cy="0"/>
           </a:xfrm>
           <a:prstGeom prst="straightConnector1">
             <a:avLst/>
@@ -12230,8 +13125,8 @@
         </p:nvCxnSpPr>
         <p:spPr>
           <a:xfrm>
-            <a:off x="8317133" y="2642922"/>
-            <a:ext cx="718844" cy="914060"/>
+            <a:off x="8848358" y="2642922"/>
+            <a:ext cx="866889" cy="914060"/>
           </a:xfrm>
           <a:prstGeom prst="straightConnector1">
             <a:avLst/>
@@ -12266,8 +13161,8 @@
         </p:nvCxnSpPr>
         <p:spPr>
           <a:xfrm flipV="1">
-            <a:off x="8317133" y="3556982"/>
-            <a:ext cx="718844" cy="13896"/>
+            <a:off x="8848358" y="3556982"/>
+            <a:ext cx="866889" cy="13896"/>
           </a:xfrm>
           <a:prstGeom prst="straightConnector1">
             <a:avLst/>
@@ -12302,8 +13197,8 @@
         </p:nvCxnSpPr>
         <p:spPr>
           <a:xfrm flipV="1">
-            <a:off x="8317133" y="3556982"/>
-            <a:ext cx="718844" cy="941852"/>
+            <a:off x="8848358" y="3556982"/>
+            <a:ext cx="866889" cy="941852"/>
           </a:xfrm>
           <a:prstGeom prst="straightConnector1">
             <a:avLst/>
@@ -12335,7 +13230,7 @@
         </p:nvSpPr>
         <p:spPr>
           <a:xfrm>
-            <a:off x="3639604" y="2246412"/>
+            <a:off x="2707784" y="2246412"/>
             <a:ext cx="668057" cy="3587415"/>
           </a:xfrm>
           <a:prstGeom prst="rect">
@@ -12396,8 +13291,8 @@
         </p:nvSpPr>
         <p:spPr>
           <a:xfrm>
-            <a:off x="6516191" y="2246412"/>
-            <a:ext cx="668057" cy="2648932"/>
+            <a:off x="5175720" y="2246412"/>
+            <a:ext cx="668057" cy="3566411"/>
           </a:xfrm>
           <a:prstGeom prst="rect">
             <a:avLst/>
@@ -12457,7 +13352,7 @@
         </p:nvSpPr>
         <p:spPr>
           <a:xfrm>
-            <a:off x="4444087" y="5040807"/>
+            <a:off x="3860600" y="5040807"/>
             <a:ext cx="852192" cy="793020"/>
           </a:xfrm>
           <a:prstGeom prst="rect">
@@ -12497,15 +13392,14 @@
         <p:nvCxnSpPr>
           <p:cNvPr id="38" name="Gerade Verbindung mit Pfeil 37"/>
           <p:cNvCxnSpPr>
-            <a:stCxn id="4" idx="3"/>
             <a:endCxn id="36" idx="1"/>
           </p:cNvCxnSpPr>
           <p:nvPr/>
         </p:nvCxnSpPr>
         <p:spPr>
           <a:xfrm>
-            <a:off x="3453779" y="4075403"/>
-            <a:ext cx="990308" cy="1361914"/>
+            <a:off x="3375841" y="5437317"/>
+            <a:ext cx="484759" cy="0"/>
           </a:xfrm>
           <a:prstGeom prst="straightConnector1">
             <a:avLst/>
@@ -12537,7 +13431,7 @@
         </p:nvSpPr>
         <p:spPr>
           <a:xfrm>
-            <a:off x="5553241" y="2246412"/>
+            <a:off x="6508682" y="2246411"/>
             <a:ext cx="668057" cy="3587414"/>
           </a:xfrm>
           <a:prstGeom prst="rect">
@@ -12600,8 +13494,8 @@
         </p:nvCxnSpPr>
         <p:spPr>
           <a:xfrm>
-            <a:off x="5296280" y="5437317"/>
-            <a:ext cx="256961" cy="0"/>
+            <a:off x="4712792" y="5437317"/>
+            <a:ext cx="462928" cy="0"/>
           </a:xfrm>
           <a:prstGeom prst="straightConnector1">
             <a:avLst/>
@@ -12632,9 +13526,9 @@
           <p:nvPr/>
         </p:nvCxnSpPr>
         <p:spPr>
-          <a:xfrm>
-            <a:off x="6221298" y="2642922"/>
-            <a:ext cx="294893" cy="0"/>
+          <a:xfrm flipV="1">
+            <a:off x="5843777" y="2619445"/>
+            <a:ext cx="664905" cy="1462"/>
           </a:xfrm>
           <a:prstGeom prst="straightConnector1">
             <a:avLst/>
@@ -12666,8 +13560,8 @@
         </p:nvCxnSpPr>
         <p:spPr>
           <a:xfrm>
-            <a:off x="6221298" y="3556982"/>
-            <a:ext cx="294893" cy="0"/>
+            <a:off x="5843777" y="3570878"/>
+            <a:ext cx="664905" cy="5856"/>
           </a:xfrm>
           <a:prstGeom prst="straightConnector1">
             <a:avLst/>
@@ -12699,8 +13593,8 @@
         </p:nvCxnSpPr>
         <p:spPr>
           <a:xfrm>
-            <a:off x="6221298" y="4498834"/>
-            <a:ext cx="294893" cy="0"/>
+            <a:off x="5843777" y="4504098"/>
+            <a:ext cx="664905" cy="14488"/>
           </a:xfrm>
           <a:prstGeom prst="straightConnector1">
             <a:avLst/>
@@ -12727,13 +13621,15 @@
       <p:cxnSp>
         <p:nvCxnSpPr>
           <p:cNvPr id="53" name="Gerade Verbindung mit Pfeil 52"/>
-          <p:cNvCxnSpPr/>
+          <p:cNvCxnSpPr>
+            <a:endCxn id="9" idx="1"/>
+          </p:cNvCxnSpPr>
           <p:nvPr/>
         </p:nvCxnSpPr>
         <p:spPr>
           <a:xfrm>
             <a:off x="7184247" y="2642922"/>
-            <a:ext cx="147446" cy="0"/>
+            <a:ext cx="648687" cy="0"/>
           </a:xfrm>
           <a:prstGeom prst="straightConnector1">
             <a:avLst/>
@@ -12760,13 +13656,15 @@
       <p:cxnSp>
         <p:nvCxnSpPr>
           <p:cNvPr id="55" name="Gerade Verbindung mit Pfeil 54"/>
-          <p:cNvCxnSpPr/>
+          <p:cNvCxnSpPr>
+            <a:endCxn id="13" idx="1"/>
+          </p:cNvCxnSpPr>
           <p:nvPr/>
         </p:nvCxnSpPr>
         <p:spPr>
           <a:xfrm>
             <a:off x="7170447" y="3570878"/>
-            <a:ext cx="147446" cy="0"/>
+            <a:ext cx="662487" cy="0"/>
           </a:xfrm>
           <a:prstGeom prst="straightConnector1">
             <a:avLst/>
@@ -12793,13 +13691,171 @@
       <p:cxnSp>
         <p:nvCxnSpPr>
           <p:cNvPr id="56" name="Gerade Verbindung mit Pfeil 55"/>
+          <p:cNvCxnSpPr>
+            <a:endCxn id="14" idx="1"/>
+          </p:cNvCxnSpPr>
+          <p:nvPr/>
+        </p:nvCxnSpPr>
+        <p:spPr>
+          <a:xfrm>
+            <a:off x="7184247" y="4494222"/>
+            <a:ext cx="648687" cy="4612"/>
+          </a:xfrm>
+          <a:prstGeom prst="straightConnector1">
+            <a:avLst/>
+          </a:prstGeom>
+          <a:ln>
+            <a:tailEnd type="triangle"/>
+          </a:ln>
+        </p:spPr>
+        <p:style>
+          <a:lnRef idx="1">
+            <a:schemeClr val="accent1"/>
+          </a:lnRef>
+          <a:fillRef idx="0">
+            <a:schemeClr val="accent1"/>
+          </a:fillRef>
+          <a:effectRef idx="0">
+            <a:schemeClr val="accent1"/>
+          </a:effectRef>
+          <a:fontRef idx="minor">
+            <a:schemeClr val="tx1"/>
+          </a:fontRef>
+        </p:style>
+      </p:cxnSp>
+      <p:cxnSp>
+        <p:nvCxnSpPr>
+          <p:cNvPr id="37" name="Gerade Verbindung mit Pfeil 36"/>
           <p:cNvCxnSpPr/>
           <p:nvPr/>
         </p:nvCxnSpPr>
         <p:spPr>
           <a:xfrm>
-            <a:off x="7184247" y="4518586"/>
-            <a:ext cx="147446" cy="0"/>
+            <a:off x="5843777" y="5408642"/>
+            <a:ext cx="664904" cy="10215"/>
+          </a:xfrm>
+          <a:prstGeom prst="straightConnector1">
+            <a:avLst/>
+          </a:prstGeom>
+          <a:ln>
+            <a:tailEnd type="triangle"/>
+          </a:ln>
+        </p:spPr>
+        <p:style>
+          <a:lnRef idx="1">
+            <a:schemeClr val="accent1"/>
+          </a:lnRef>
+          <a:fillRef idx="0">
+            <a:schemeClr val="accent1"/>
+          </a:fillRef>
+          <a:effectRef idx="0">
+            <a:schemeClr val="accent1"/>
+          </a:effectRef>
+          <a:fontRef idx="minor">
+            <a:schemeClr val="tx1"/>
+          </a:fontRef>
+        </p:style>
+      </p:cxnSp>
+      <p:sp>
+        <p:nvSpPr>
+          <p:cNvPr id="40" name="Rechteck 39"/>
+          <p:cNvSpPr/>
+          <p:nvPr/>
+        </p:nvSpPr>
+        <p:spPr>
+          <a:xfrm>
+            <a:off x="7831554" y="5026751"/>
+            <a:ext cx="1015424" cy="793020"/>
+          </a:xfrm>
+          <a:prstGeom prst="rect">
+            <a:avLst/>
+          </a:prstGeom>
+        </p:spPr>
+        <p:style>
+          <a:lnRef idx="2">
+            <a:schemeClr val="accent1">
+              <a:shade val="50000"/>
+            </a:schemeClr>
+          </a:lnRef>
+          <a:fillRef idx="1">
+            <a:schemeClr val="accent1"/>
+          </a:fillRef>
+          <a:effectRef idx="0">
+            <a:schemeClr val="accent1"/>
+          </a:effectRef>
+          <a:fontRef idx="minor">
+            <a:schemeClr val="lt1"/>
+          </a:fontRef>
+        </p:style>
+        <p:txBody>
+          <a:bodyPr rtlCol="0" anchor="ctr"/>
+          <a:lstStyle/>
+          <a:p>
+            <a:pPr algn="ctr"/>
+            <a:r>
+              <a:rPr lang="de-DE" spc="-150" dirty="0"/>
+              <a:t>bereinigter</a:t>
+            </a:r>
+            <a:r>
+              <a:rPr lang="de-DE" dirty="0"/>
+              <a:t> </a:t>
+            </a:r>
+            <a:r>
+              <a:rPr lang="de-DE" spc="-150" dirty="0"/>
+              <a:t>Sport-Artikel</a:t>
+            </a:r>
+            <a:endParaRPr lang="de-DE" spc="-150" dirty="0"/>
+          </a:p>
+        </p:txBody>
+      </p:sp>
+      <p:cxnSp>
+        <p:nvCxnSpPr>
+          <p:cNvPr id="41" name="Gerade Verbindung mit Pfeil 40"/>
+          <p:cNvCxnSpPr>
+            <a:endCxn id="40" idx="1"/>
+          </p:cNvCxnSpPr>
+          <p:nvPr/>
+        </p:nvCxnSpPr>
+        <p:spPr>
+          <a:xfrm>
+            <a:off x="7184247" y="5408642"/>
+            <a:ext cx="647307" cy="14619"/>
+          </a:xfrm>
+          <a:prstGeom prst="straightConnector1">
+            <a:avLst/>
+          </a:prstGeom>
+          <a:ln>
+            <a:tailEnd type="triangle"/>
+          </a:ln>
+        </p:spPr>
+        <p:style>
+          <a:lnRef idx="1">
+            <a:schemeClr val="accent1"/>
+          </a:lnRef>
+          <a:fillRef idx="0">
+            <a:schemeClr val="accent1"/>
+          </a:fillRef>
+          <a:effectRef idx="0">
+            <a:schemeClr val="accent1"/>
+          </a:effectRef>
+          <a:fontRef idx="minor">
+            <a:schemeClr val="tx1"/>
+          </a:fontRef>
+        </p:style>
+      </p:cxnSp>
+      <p:cxnSp>
+        <p:nvCxnSpPr>
+          <p:cNvPr id="65" name="Gerade Verbindung mit Pfeil 64"/>
+          <p:cNvCxnSpPr>
+            <a:stCxn id="4" idx="3"/>
+            <a:endCxn id="34" idx="1"/>
+          </p:cNvCxnSpPr>
+          <p:nvPr/>
+        </p:nvCxnSpPr>
+        <p:spPr>
+          <a:xfrm flipV="1">
+            <a:off x="2103945" y="4040120"/>
+            <a:ext cx="603839" cy="448"/>
           </a:xfrm>
           <a:prstGeom prst="straightConnector1">
             <a:avLst/>
@@ -12899,7 +13955,7 @@
                             </p:stCondLst>
                             <p:childTnLst>
                               <p:par>
-                                <p:cTn id="9" presetID="1" presetClass="entr" presetSubtype="0" fill="hold" grpId="0" nodeType="clickEffect">
+                                <p:cTn id="9" presetID="1" presetClass="entr" presetSubtype="0" fill="hold" nodeType="clickEffect">
                                   <p:stCondLst>
                                     <p:cond delay="0"/>
                                   </p:stCondLst>
@@ -12912,7 +13968,7 @@
                                           </p:stCondLst>
                                         </p:cTn>
                                         <p:tgtEl>
-                                          <p:spTgt spid="5"/>
+                                          <p:spTgt spid="65"/>
                                         </p:tgtEl>
                                         <p:attrNameLst>
                                           <p:attrName>style.visibility</p:attrName>
@@ -12939,6 +13995,78 @@
                                           </p:stCondLst>
                                         </p:cTn>
                                         <p:tgtEl>
+                                          <p:spTgt spid="34"/>
+                                        </p:tgtEl>
+                                        <p:attrNameLst>
+                                          <p:attrName>style.visibility</p:attrName>
+                                        </p:attrNameLst>
+                                      </p:cBhvr>
+                                      <p:to>
+                                        <p:strVal val="visible"/>
+                                      </p:to>
+                                    </p:set>
+                                  </p:childTnLst>
+                                </p:cTn>
+                              </p:par>
+                            </p:childTnLst>
+                          </p:cTn>
+                        </p:par>
+                      </p:childTnLst>
+                    </p:cTn>
+                  </p:par>
+                  <p:par>
+                    <p:cTn id="13" fill="hold">
+                      <p:stCondLst>
+                        <p:cond delay="indefinite"/>
+                      </p:stCondLst>
+                      <p:childTnLst>
+                        <p:par>
+                          <p:cTn id="14" fill="hold">
+                            <p:stCondLst>
+                              <p:cond delay="0"/>
+                            </p:stCondLst>
+                            <p:childTnLst>
+                              <p:par>
+                                <p:cTn id="15" presetID="1" presetClass="entr" presetSubtype="0" fill="hold" grpId="0" nodeType="clickEffect">
+                                  <p:stCondLst>
+                                    <p:cond delay="0"/>
+                                  </p:stCondLst>
+                                  <p:childTnLst>
+                                    <p:set>
+                                      <p:cBhvr>
+                                        <p:cTn id="16" dur="1" fill="hold">
+                                          <p:stCondLst>
+                                            <p:cond delay="0"/>
+                                          </p:stCondLst>
+                                        </p:cTn>
+                                        <p:tgtEl>
+                                          <p:spTgt spid="5"/>
+                                        </p:tgtEl>
+                                        <p:attrNameLst>
+                                          <p:attrName>style.visibility</p:attrName>
+                                        </p:attrNameLst>
+                                      </p:cBhvr>
+                                      <p:to>
+                                        <p:strVal val="visible"/>
+                                      </p:to>
+                                    </p:set>
+                                  </p:childTnLst>
+                                </p:cTn>
+                              </p:par>
+                              <p:par>
+                                <p:cTn id="17" presetID="1" presetClass="entr" presetSubtype="0" fill="hold" grpId="0" nodeType="withEffect">
+                                  <p:stCondLst>
+                                    <p:cond delay="0"/>
+                                  </p:stCondLst>
+                                  <p:childTnLst>
+                                    <p:set>
+                                      <p:cBhvr>
+                                        <p:cTn id="18" dur="1" fill="hold">
+                                          <p:stCondLst>
+                                            <p:cond delay="0"/>
+                                          </p:stCondLst>
+                                        </p:cTn>
+                                        <p:tgtEl>
                                           <p:spTgt spid="6"/>
                                         </p:tgtEl>
                                         <p:attrNameLst>
@@ -12953,14 +14081,14 @@
                                 </p:cTn>
                               </p:par>
                               <p:par>
-                                <p:cTn id="13" presetID="1" presetClass="entr" presetSubtype="0" fill="hold" grpId="0" nodeType="withEffect">
+                                <p:cTn id="19" presetID="1" presetClass="entr" presetSubtype="0" fill="hold" grpId="0" nodeType="withEffect">
                                   <p:stCondLst>
                                     <p:cond delay="0"/>
                                   </p:stCondLst>
                                   <p:childTnLst>
                                     <p:set>
                                       <p:cBhvr>
-                                        <p:cTn id="14" dur="1" fill="hold">
+                                        <p:cTn id="20" dur="1" fill="hold">
                                           <p:stCondLst>
                                             <p:cond delay="0"/>
                                           </p:stCondLst>
@@ -12980,88 +14108,7 @@
                                 </p:cTn>
                               </p:par>
                               <p:par>
-                                <p:cTn id="15" presetID="1" presetClass="entr" presetSubtype="0" fill="hold" nodeType="withEffect">
-                                  <p:stCondLst>
-                                    <p:cond delay="0"/>
-                                  </p:stCondLst>
-                                  <p:childTnLst>
-                                    <p:set>
-                                      <p:cBhvr>
-                                        <p:cTn id="16" dur="1" fill="hold">
-                                          <p:stCondLst>
-                                            <p:cond delay="0"/>
-                                          </p:stCondLst>
-                                        </p:cTn>
-                                        <p:tgtEl>
-                                          <p:spTgt spid="16"/>
-                                        </p:tgtEl>
-                                        <p:attrNameLst>
-                                          <p:attrName>style.visibility</p:attrName>
-                                        </p:attrNameLst>
-                                      </p:cBhvr>
-                                      <p:to>
-                                        <p:strVal val="visible"/>
-                                      </p:to>
-                                    </p:set>
-                                  </p:childTnLst>
-                                </p:cTn>
-                              </p:par>
-                              <p:par>
-                                <p:cTn id="17" presetID="1" presetClass="entr" presetSubtype="0" fill="hold" nodeType="withEffect">
-                                  <p:stCondLst>
-                                    <p:cond delay="0"/>
-                                  </p:stCondLst>
-                                  <p:childTnLst>
-                                    <p:set>
-                                      <p:cBhvr>
-                                        <p:cTn id="18" dur="1" fill="hold">
-                                          <p:stCondLst>
-                                            <p:cond delay="0"/>
-                                          </p:stCondLst>
-                                        </p:cTn>
-                                        <p:tgtEl>
-                                          <p:spTgt spid="21"/>
-                                        </p:tgtEl>
-                                        <p:attrNameLst>
-                                          <p:attrName>style.visibility</p:attrName>
-                                        </p:attrNameLst>
-                                      </p:cBhvr>
-                                      <p:to>
-                                        <p:strVal val="visible"/>
-                                      </p:to>
-                                    </p:set>
-                                  </p:childTnLst>
-                                </p:cTn>
-                              </p:par>
-                              <p:par>
-                                <p:cTn id="19" presetID="1" presetClass="entr" presetSubtype="0" fill="hold" nodeType="withEffect">
-                                  <p:stCondLst>
-                                    <p:cond delay="0"/>
-                                  </p:stCondLst>
-                                  <p:childTnLst>
-                                    <p:set>
-                                      <p:cBhvr>
-                                        <p:cTn id="20" dur="1" fill="hold">
-                                          <p:stCondLst>
-                                            <p:cond delay="0"/>
-                                          </p:stCondLst>
-                                        </p:cTn>
-                                        <p:tgtEl>
-                                          <p:spTgt spid="19"/>
-                                        </p:tgtEl>
-                                        <p:attrNameLst>
-                                          <p:attrName>style.visibility</p:attrName>
-                                        </p:attrNameLst>
-                                      </p:cBhvr>
-                                      <p:to>
-                                        <p:strVal val="visible"/>
-                                      </p:to>
-                                    </p:set>
-                                  </p:childTnLst>
-                                </p:cTn>
-                              </p:par>
-                              <p:par>
-                                <p:cTn id="21" presetID="1" presetClass="entr" presetSubtype="0" fill="hold" grpId="0" nodeType="withEffect">
+                                <p:cTn id="21" presetID="1" presetClass="entr" presetSubtype="0" fill="hold" nodeType="withEffect">
                                   <p:stCondLst>
                                     <p:cond delay="0"/>
                                   </p:stCondLst>
@@ -13074,7 +14121,7 @@
                                           </p:stCondLst>
                                         </p:cTn>
                                         <p:tgtEl>
-                                          <p:spTgt spid="36"/>
+                                          <p:spTgt spid="16"/>
                                         </p:tgtEl>
                                         <p:attrNameLst>
                                           <p:attrName>style.visibility</p:attrName>
@@ -13101,6 +14148,87 @@
                                           </p:stCondLst>
                                         </p:cTn>
                                         <p:tgtEl>
+                                          <p:spTgt spid="21"/>
+                                        </p:tgtEl>
+                                        <p:attrNameLst>
+                                          <p:attrName>style.visibility</p:attrName>
+                                        </p:attrNameLst>
+                                      </p:cBhvr>
+                                      <p:to>
+                                        <p:strVal val="visible"/>
+                                      </p:to>
+                                    </p:set>
+                                  </p:childTnLst>
+                                </p:cTn>
+                              </p:par>
+                              <p:par>
+                                <p:cTn id="25" presetID="1" presetClass="entr" presetSubtype="0" fill="hold" nodeType="withEffect">
+                                  <p:stCondLst>
+                                    <p:cond delay="0"/>
+                                  </p:stCondLst>
+                                  <p:childTnLst>
+                                    <p:set>
+                                      <p:cBhvr>
+                                        <p:cTn id="26" dur="1" fill="hold">
+                                          <p:stCondLst>
+                                            <p:cond delay="0"/>
+                                          </p:stCondLst>
+                                        </p:cTn>
+                                        <p:tgtEl>
+                                          <p:spTgt spid="19"/>
+                                        </p:tgtEl>
+                                        <p:attrNameLst>
+                                          <p:attrName>style.visibility</p:attrName>
+                                        </p:attrNameLst>
+                                      </p:cBhvr>
+                                      <p:to>
+                                        <p:strVal val="visible"/>
+                                      </p:to>
+                                    </p:set>
+                                  </p:childTnLst>
+                                </p:cTn>
+                              </p:par>
+                              <p:par>
+                                <p:cTn id="27" presetID="1" presetClass="entr" presetSubtype="0" fill="hold" grpId="0" nodeType="withEffect">
+                                  <p:stCondLst>
+                                    <p:cond delay="0"/>
+                                  </p:stCondLst>
+                                  <p:childTnLst>
+                                    <p:set>
+                                      <p:cBhvr>
+                                        <p:cTn id="28" dur="1" fill="hold">
+                                          <p:stCondLst>
+                                            <p:cond delay="0"/>
+                                          </p:stCondLst>
+                                        </p:cTn>
+                                        <p:tgtEl>
+                                          <p:spTgt spid="36"/>
+                                        </p:tgtEl>
+                                        <p:attrNameLst>
+                                          <p:attrName>style.visibility</p:attrName>
+                                        </p:attrNameLst>
+                                      </p:cBhvr>
+                                      <p:to>
+                                        <p:strVal val="visible"/>
+                                      </p:to>
+                                    </p:set>
+                                  </p:childTnLst>
+                                </p:cTn>
+                              </p:par>
+                              <p:par>
+                                <p:cTn id="29" presetID="1" presetClass="entr" presetSubtype="0" fill="hold" nodeType="withEffect">
+                                  <p:stCondLst>
+                                    <p:cond delay="0"/>
+                                  </p:stCondLst>
+                                  <p:childTnLst>
+                                    <p:set>
+                                      <p:cBhvr>
+                                        <p:cTn id="30" dur="1" fill="hold">
+                                          <p:stCondLst>
+                                            <p:cond delay="0"/>
+                                          </p:stCondLst>
+                                        </p:cTn>
+                                        <p:tgtEl>
                                           <p:spTgt spid="38"/>
                                         </p:tgtEl>
                                         <p:attrNameLst>
@@ -13121,91 +14249,19 @@
                     </p:cTn>
                   </p:par>
                   <p:par>
-                    <p:cTn id="25" fill="hold">
+                    <p:cTn id="31" fill="hold">
                       <p:stCondLst>
                         <p:cond delay="indefinite"/>
                       </p:stCondLst>
                       <p:childTnLst>
                         <p:par>
-                          <p:cTn id="26" fill="hold">
+                          <p:cTn id="32" fill="hold">
                             <p:stCondLst>
                               <p:cond delay="0"/>
                             </p:stCondLst>
                             <p:childTnLst>
                               <p:par>
-                                <p:cTn id="27" presetID="1" presetClass="entr" presetSubtype="0" fill="hold" grpId="0" nodeType="clickEffect">
-                                  <p:stCondLst>
-                                    <p:cond delay="0"/>
-                                  </p:stCondLst>
-                                  <p:childTnLst>
-                                    <p:set>
-                                      <p:cBhvr>
-                                        <p:cTn id="28" dur="1" fill="hold">
-                                          <p:stCondLst>
-                                            <p:cond delay="0"/>
-                                          </p:stCondLst>
-                                        </p:cTn>
-                                        <p:tgtEl>
-                                          <p:spTgt spid="34"/>
-                                        </p:tgtEl>
-                                        <p:attrNameLst>
-                                          <p:attrName>style.visibility</p:attrName>
-                                        </p:attrNameLst>
-                                      </p:cBhvr>
-                                      <p:to>
-                                        <p:strVal val="visible"/>
-                                      </p:to>
-                                    </p:set>
-                                  </p:childTnLst>
-                                </p:cTn>
-                              </p:par>
-                            </p:childTnLst>
-                          </p:cTn>
-                        </p:par>
-                      </p:childTnLst>
-                    </p:cTn>
-                  </p:par>
-                  <p:par>
-                    <p:cTn id="29" fill="hold">
-                      <p:stCondLst>
-                        <p:cond delay="indefinite"/>
-                      </p:stCondLst>
-                      <p:childTnLst>
-                        <p:par>
-                          <p:cTn id="30" fill="hold">
-                            <p:stCondLst>
-                              <p:cond delay="0"/>
-                            </p:stCondLst>
-                            <p:childTnLst>
-                              <p:par>
-                                <p:cTn id="31" presetID="1" presetClass="entr" presetSubtype="0" fill="hold" grpId="0" nodeType="clickEffect">
-                                  <p:stCondLst>
-                                    <p:cond delay="0"/>
-                                  </p:stCondLst>
-                                  <p:childTnLst>
-                                    <p:set>
-                                      <p:cBhvr>
-                                        <p:cTn id="32" dur="1" fill="hold">
-                                          <p:stCondLst>
-                                            <p:cond delay="0"/>
-                                          </p:stCondLst>
-                                        </p:cTn>
-                                        <p:tgtEl>
-                                          <p:spTgt spid="39"/>
-                                        </p:tgtEl>
-                                        <p:attrNameLst>
-                                          <p:attrName>style.visibility</p:attrName>
-                                        </p:attrNameLst>
-                                      </p:cBhvr>
-                                      <p:to>
-                                        <p:strVal val="visible"/>
-                                      </p:to>
-                                    </p:set>
-                                  </p:childTnLst>
-                                </p:cTn>
-                              </p:par>
-                              <p:par>
-                                <p:cTn id="33" presetID="1" presetClass="entr" presetSubtype="0" fill="hold" nodeType="withEffect">
+                                <p:cTn id="33" presetID="1" presetClass="entr" presetSubtype="0" fill="hold" grpId="0" nodeType="clickEffect">
                                   <p:stCondLst>
                                     <p:cond delay="0"/>
                                   </p:stCondLst>
@@ -13218,7 +14274,7 @@
                                           </p:stCondLst>
                                         </p:cTn>
                                         <p:tgtEl>
-                                          <p:spTgt spid="48"/>
+                                          <p:spTgt spid="35"/>
                                         </p:tgtEl>
                                         <p:attrNameLst>
                                           <p:attrName>style.visibility</p:attrName>
@@ -13245,7 +14301,7 @@
                                           </p:stCondLst>
                                         </p:cTn>
                                         <p:tgtEl>
-                                          <p:spTgt spid="23"/>
+                                          <p:spTgt spid="48"/>
                                         </p:tgtEl>
                                         <p:attrNameLst>
                                           <p:attrName>style.visibility</p:attrName>
@@ -13272,7 +14328,7 @@
                                           </p:stCondLst>
                                         </p:cTn>
                                         <p:tgtEl>
-                                          <p:spTgt spid="25"/>
+                                          <p:spTgt spid="23"/>
                                         </p:tgtEl>
                                         <p:attrNameLst>
                                           <p:attrName>style.visibility</p:attrName>
@@ -13299,6 +14355,33 @@
                                           </p:stCondLst>
                                         </p:cTn>
                                         <p:tgtEl>
+                                          <p:spTgt spid="25"/>
+                                        </p:tgtEl>
+                                        <p:attrNameLst>
+                                          <p:attrName>style.visibility</p:attrName>
+                                        </p:attrNameLst>
+                                      </p:cBhvr>
+                                      <p:to>
+                                        <p:strVal val="visible"/>
+                                      </p:to>
+                                    </p:set>
+                                  </p:childTnLst>
+                                </p:cTn>
+                              </p:par>
+                              <p:par>
+                                <p:cTn id="41" presetID="1" presetClass="entr" presetSubtype="0" fill="hold" nodeType="withEffect">
+                                  <p:stCondLst>
+                                    <p:cond delay="0"/>
+                                  </p:stCondLst>
+                                  <p:childTnLst>
+                                    <p:set>
+                                      <p:cBhvr>
+                                        <p:cTn id="42" dur="1" fill="hold">
+                                          <p:stCondLst>
+                                            <p:cond delay="0"/>
+                                          </p:stCondLst>
+                                        </p:cTn>
+                                        <p:tgtEl>
                                           <p:spTgt spid="27"/>
                                         </p:tgtEl>
                                         <p:attrNameLst>
@@ -13319,46 +14402,19 @@
                     </p:cTn>
                   </p:par>
                   <p:par>
-                    <p:cTn id="41" fill="hold">
+                    <p:cTn id="43" fill="hold">
                       <p:stCondLst>
                         <p:cond delay="indefinite"/>
                       </p:stCondLst>
                       <p:childTnLst>
                         <p:par>
-                          <p:cTn id="42" fill="hold">
+                          <p:cTn id="44" fill="hold">
                             <p:stCondLst>
                               <p:cond delay="0"/>
                             </p:stCondLst>
                             <p:childTnLst>
                               <p:par>
-                                <p:cTn id="43" presetID="1" presetClass="entr" presetSubtype="0" fill="hold" grpId="0" nodeType="clickEffect">
-                                  <p:stCondLst>
-                                    <p:cond delay="0"/>
-                                  </p:stCondLst>
-                                  <p:childTnLst>
-                                    <p:set>
-                                      <p:cBhvr>
-                                        <p:cTn id="44" dur="1" fill="hold">
-                                          <p:stCondLst>
-                                            <p:cond delay="0"/>
-                                          </p:stCondLst>
-                                        </p:cTn>
-                                        <p:tgtEl>
-                                          <p:spTgt spid="35"/>
-                                        </p:tgtEl>
-                                        <p:attrNameLst>
-                                          <p:attrName>style.visibility</p:attrName>
-                                        </p:attrNameLst>
-                                      </p:cBhvr>
-                                      <p:to>
-                                        <p:strVal val="visible"/>
-                                      </p:to>
-                                    </p:set>
-                                  </p:childTnLst>
-                                </p:cTn>
-                              </p:par>
-                              <p:par>
-                                <p:cTn id="45" presetID="1" presetClass="entr" presetSubtype="0" fill="hold" nodeType="withEffect">
+                                <p:cTn id="45" presetID="1" presetClass="entr" presetSubtype="0" fill="hold" grpId="0" nodeType="clickEffect">
                                   <p:stCondLst>
                                     <p:cond delay="0"/>
                                   </p:stCondLst>
@@ -13371,7 +14427,7 @@
                                           </p:stCondLst>
                                         </p:cTn>
                                         <p:tgtEl>
-                                          <p:spTgt spid="50"/>
+                                          <p:spTgt spid="39"/>
                                         </p:tgtEl>
                                         <p:attrNameLst>
                                           <p:attrName>style.visibility</p:attrName>
@@ -13398,7 +14454,7 @@
                                           </p:stCondLst>
                                         </p:cTn>
                                         <p:tgtEl>
-                                          <p:spTgt spid="51"/>
+                                          <p:spTgt spid="50"/>
                                         </p:tgtEl>
                                         <p:attrNameLst>
                                           <p:attrName>style.visibility</p:attrName>
@@ -13425,7 +14481,61 @@
                                           </p:stCondLst>
                                         </p:cTn>
                                         <p:tgtEl>
+                                          <p:spTgt spid="51"/>
+                                        </p:tgtEl>
+                                        <p:attrNameLst>
+                                          <p:attrName>style.visibility</p:attrName>
+                                        </p:attrNameLst>
+                                      </p:cBhvr>
+                                      <p:to>
+                                        <p:strVal val="visible"/>
+                                      </p:to>
+                                    </p:set>
+                                  </p:childTnLst>
+                                </p:cTn>
+                              </p:par>
+                              <p:par>
+                                <p:cTn id="51" presetID="1" presetClass="entr" presetSubtype="0" fill="hold" nodeType="withEffect">
+                                  <p:stCondLst>
+                                    <p:cond delay="0"/>
+                                  </p:stCondLst>
+                                  <p:childTnLst>
+                                    <p:set>
+                                      <p:cBhvr>
+                                        <p:cTn id="52" dur="1" fill="hold">
+                                          <p:stCondLst>
+                                            <p:cond delay="0"/>
+                                          </p:stCondLst>
+                                        </p:cTn>
+                                        <p:tgtEl>
                                           <p:spTgt spid="52"/>
+                                        </p:tgtEl>
+                                        <p:attrNameLst>
+                                          <p:attrName>style.visibility</p:attrName>
+                                        </p:attrNameLst>
+                                      </p:cBhvr>
+                                      <p:to>
+                                        <p:strVal val="visible"/>
+                                      </p:to>
+                                    </p:set>
+                                  </p:childTnLst>
+                                </p:cTn>
+                              </p:par>
+                              <p:par>
+                                <p:cTn id="53" presetID="1" presetClass="entr" presetSubtype="0" fill="hold" nodeType="withEffect">
+                                  <p:stCondLst>
+                                    <p:cond delay="0"/>
+                                  </p:stCondLst>
+                                  <p:childTnLst>
+                                    <p:set>
+                                      <p:cBhvr>
+                                        <p:cTn id="54" dur="1" fill="hold">
+                                          <p:stCondLst>
+                                            <p:cond delay="0"/>
+                                          </p:stCondLst>
+                                        </p:cTn>
+                                        <p:tgtEl>
+                                          <p:spTgt spid="37"/>
                                         </p:tgtEl>
                                         <p:attrNameLst>
                                           <p:attrName>style.visibility</p:attrName>
@@ -13445,26 +14555,26 @@
                     </p:cTn>
                   </p:par>
                   <p:par>
-                    <p:cTn id="51" fill="hold">
+                    <p:cTn id="55" fill="hold">
                       <p:stCondLst>
                         <p:cond delay="indefinite"/>
                       </p:stCondLst>
                       <p:childTnLst>
                         <p:par>
-                          <p:cTn id="52" fill="hold">
+                          <p:cTn id="56" fill="hold">
                             <p:stCondLst>
                               <p:cond delay="0"/>
                             </p:stCondLst>
                             <p:childTnLst>
                               <p:par>
-                                <p:cTn id="53" presetID="1" presetClass="entr" presetSubtype="0" fill="hold" grpId="0" nodeType="clickEffect">
+                                <p:cTn id="57" presetID="1" presetClass="entr" presetSubtype="0" fill="hold" grpId="0" nodeType="clickEffect">
                                   <p:stCondLst>
                                     <p:cond delay="0"/>
                                   </p:stCondLst>
                                   <p:childTnLst>
                                     <p:set>
                                       <p:cBhvr>
-                                        <p:cTn id="54" dur="1" fill="hold">
+                                        <p:cTn id="58" dur="1" fill="hold">
                                           <p:stCondLst>
                                             <p:cond delay="0"/>
                                           </p:stCondLst>
@@ -13484,14 +14594,14 @@
                                 </p:cTn>
                               </p:par>
                               <p:par>
-                                <p:cTn id="55" presetID="1" presetClass="entr" presetSubtype="0" fill="hold" grpId="0" nodeType="withEffect">
+                                <p:cTn id="59" presetID="1" presetClass="entr" presetSubtype="0" fill="hold" grpId="0" nodeType="withEffect">
                                   <p:stCondLst>
                                     <p:cond delay="0"/>
                                   </p:stCondLst>
                                   <p:childTnLst>
                                     <p:set>
                                       <p:cBhvr>
-                                        <p:cTn id="56" dur="1" fill="hold">
+                                        <p:cTn id="60" dur="1" fill="hold">
                                           <p:stCondLst>
                                             <p:cond delay="0"/>
                                           </p:stCondLst>
@@ -13511,61 +14621,7 @@
                                 </p:cTn>
                               </p:par>
                               <p:par>
-                                <p:cTn id="57" presetID="1" presetClass="entr" presetSubtype="0" fill="hold" grpId="0" nodeType="withEffect">
-                                  <p:stCondLst>
-                                    <p:cond delay="0"/>
-                                  </p:stCondLst>
-                                  <p:childTnLst>
-                                    <p:set>
-                                      <p:cBhvr>
-                                        <p:cTn id="58" dur="1" fill="hold">
-                                          <p:stCondLst>
-                                            <p:cond delay="0"/>
-                                          </p:stCondLst>
-                                        </p:cTn>
-                                        <p:tgtEl>
-                                          <p:spTgt spid="13"/>
-                                        </p:tgtEl>
-                                        <p:attrNameLst>
-                                          <p:attrName>style.visibility</p:attrName>
-                                        </p:attrNameLst>
-                                      </p:cBhvr>
-                                      <p:to>
-                                        <p:strVal val="visible"/>
-                                      </p:to>
-                                    </p:set>
-                                  </p:childTnLst>
-                                </p:cTn>
-                              </p:par>
-                              <p:par>
-                                <p:cTn id="59" presetID="1" presetClass="entr" presetSubtype="0" fill="hold" nodeType="withEffect">
-                                  <p:stCondLst>
-                                    <p:cond delay="0"/>
-                                  </p:stCondLst>
-                                  <p:childTnLst>
-                                    <p:set>
-                                      <p:cBhvr>
-                                        <p:cTn id="60" dur="1" fill="hold">
-                                          <p:stCondLst>
-                                            <p:cond delay="0"/>
-                                          </p:stCondLst>
-                                        </p:cTn>
-                                        <p:tgtEl>
-                                          <p:spTgt spid="53"/>
-                                        </p:tgtEl>
-                                        <p:attrNameLst>
-                                          <p:attrName>style.visibility</p:attrName>
-                                        </p:attrNameLst>
-                                      </p:cBhvr>
-                                      <p:to>
-                                        <p:strVal val="visible"/>
-                                      </p:to>
-                                    </p:set>
-                                  </p:childTnLst>
-                                </p:cTn>
-                              </p:par>
-                              <p:par>
-                                <p:cTn id="61" presetID="1" presetClass="entr" presetSubtype="0" fill="hold" nodeType="withEffect">
+                                <p:cTn id="61" presetID="1" presetClass="entr" presetSubtype="0" fill="hold" grpId="0" nodeType="withEffect">
                                   <p:stCondLst>
                                     <p:cond delay="0"/>
                                   </p:stCondLst>
@@ -13578,7 +14634,7 @@
                                           </p:stCondLst>
                                         </p:cTn>
                                         <p:tgtEl>
-                                          <p:spTgt spid="55"/>
+                                          <p:spTgt spid="13"/>
                                         </p:tgtEl>
                                         <p:attrNameLst>
                                           <p:attrName>style.visibility</p:attrName>
@@ -13605,7 +14661,7 @@
                                           </p:stCondLst>
                                         </p:cTn>
                                         <p:tgtEl>
-                                          <p:spTgt spid="56"/>
+                                          <p:spTgt spid="53"/>
                                         </p:tgtEl>
                                         <p:attrNameLst>
                                           <p:attrName>style.visibility</p:attrName>
@@ -13618,26 +14674,35 @@
                                   </p:childTnLst>
                                 </p:cTn>
                               </p:par>
-                            </p:childTnLst>
-                          </p:cTn>
-                        </p:par>
-                      </p:childTnLst>
-                    </p:cTn>
-                  </p:par>
-                  <p:par>
-                    <p:cTn id="65" fill="hold">
-                      <p:stCondLst>
-                        <p:cond delay="indefinite"/>
-                      </p:stCondLst>
-                      <p:childTnLst>
-                        <p:par>
-                          <p:cTn id="66" fill="hold">
-                            <p:stCondLst>
-                              <p:cond delay="0"/>
-                            </p:stCondLst>
-                            <p:childTnLst>
                               <p:par>
-                                <p:cTn id="67" presetID="1" presetClass="entr" presetSubtype="0" fill="hold" grpId="0" nodeType="clickEffect">
+                                <p:cTn id="65" presetID="1" presetClass="entr" presetSubtype="0" fill="hold" nodeType="withEffect">
+                                  <p:stCondLst>
+                                    <p:cond delay="0"/>
+                                  </p:stCondLst>
+                                  <p:childTnLst>
+                                    <p:set>
+                                      <p:cBhvr>
+                                        <p:cTn id="66" dur="1" fill="hold">
+                                          <p:stCondLst>
+                                            <p:cond delay="0"/>
+                                          </p:stCondLst>
+                                        </p:cTn>
+                                        <p:tgtEl>
+                                          <p:spTgt spid="55"/>
+                                        </p:tgtEl>
+                                        <p:attrNameLst>
+                                          <p:attrName>style.visibility</p:attrName>
+                                        </p:attrNameLst>
+                                      </p:cBhvr>
+                                      <p:to>
+                                        <p:strVal val="visible"/>
+                                      </p:to>
+                                    </p:set>
+                                  </p:childTnLst>
+                                </p:cTn>
+                              </p:par>
+                              <p:par>
+                                <p:cTn id="67" presetID="1" presetClass="entr" presetSubtype="0" fill="hold" nodeType="withEffect">
                                   <p:stCondLst>
                                     <p:cond delay="0"/>
                                   </p:stCondLst>
@@ -13650,7 +14715,7 @@
                                           </p:stCondLst>
                                         </p:cTn>
                                         <p:tgtEl>
-                                          <p:spTgt spid="12"/>
+                                          <p:spTgt spid="56"/>
                                         </p:tgtEl>
                                         <p:attrNameLst>
                                           <p:attrName>style.visibility</p:attrName>
@@ -13677,6 +14742,105 @@
                                           </p:stCondLst>
                                         </p:cTn>
                                         <p:tgtEl>
+                                          <p:spTgt spid="41"/>
+                                        </p:tgtEl>
+                                        <p:attrNameLst>
+                                          <p:attrName>style.visibility</p:attrName>
+                                        </p:attrNameLst>
+                                      </p:cBhvr>
+                                      <p:to>
+                                        <p:strVal val="visible"/>
+                                      </p:to>
+                                    </p:set>
+                                  </p:childTnLst>
+                                </p:cTn>
+                              </p:par>
+                              <p:par>
+                                <p:cTn id="71" presetID="1" presetClass="entr" presetSubtype="0" fill="hold" grpId="0" nodeType="withEffect">
+                                  <p:stCondLst>
+                                    <p:cond delay="0"/>
+                                  </p:stCondLst>
+                                  <p:childTnLst>
+                                    <p:set>
+                                      <p:cBhvr>
+                                        <p:cTn id="72" dur="1" fill="hold">
+                                          <p:stCondLst>
+                                            <p:cond delay="0"/>
+                                          </p:stCondLst>
+                                        </p:cTn>
+                                        <p:tgtEl>
+                                          <p:spTgt spid="40"/>
+                                        </p:tgtEl>
+                                        <p:attrNameLst>
+                                          <p:attrName>style.visibility</p:attrName>
+                                        </p:attrNameLst>
+                                      </p:cBhvr>
+                                      <p:to>
+                                        <p:strVal val="visible"/>
+                                      </p:to>
+                                    </p:set>
+                                  </p:childTnLst>
+                                </p:cTn>
+                              </p:par>
+                            </p:childTnLst>
+                          </p:cTn>
+                        </p:par>
+                      </p:childTnLst>
+                    </p:cTn>
+                  </p:par>
+                  <p:par>
+                    <p:cTn id="73" fill="hold">
+                      <p:stCondLst>
+                        <p:cond delay="indefinite"/>
+                      </p:stCondLst>
+                      <p:childTnLst>
+                        <p:par>
+                          <p:cTn id="74" fill="hold">
+                            <p:stCondLst>
+                              <p:cond delay="0"/>
+                            </p:stCondLst>
+                            <p:childTnLst>
+                              <p:par>
+                                <p:cTn id="75" presetID="1" presetClass="entr" presetSubtype="0" fill="hold" grpId="0" nodeType="clickEffect">
+                                  <p:stCondLst>
+                                    <p:cond delay="0"/>
+                                  </p:stCondLst>
+                                  <p:childTnLst>
+                                    <p:set>
+                                      <p:cBhvr>
+                                        <p:cTn id="76" dur="1" fill="hold">
+                                          <p:stCondLst>
+                                            <p:cond delay="0"/>
+                                          </p:stCondLst>
+                                        </p:cTn>
+                                        <p:tgtEl>
+                                          <p:spTgt spid="12"/>
+                                        </p:tgtEl>
+                                        <p:attrNameLst>
+                                          <p:attrName>style.visibility</p:attrName>
+                                        </p:attrNameLst>
+                                      </p:cBhvr>
+                                      <p:to>
+                                        <p:strVal val="visible"/>
+                                      </p:to>
+                                    </p:set>
+                                  </p:childTnLst>
+                                </p:cTn>
+                              </p:par>
+                              <p:par>
+                                <p:cTn id="77" presetID="1" presetClass="entr" presetSubtype="0" fill="hold" nodeType="withEffect">
+                                  <p:stCondLst>
+                                    <p:cond delay="0"/>
+                                  </p:stCondLst>
+                                  <p:childTnLst>
+                                    <p:set>
+                                      <p:cBhvr>
+                                        <p:cTn id="78" dur="1" fill="hold">
+                                          <p:stCondLst>
+                                            <p:cond delay="0"/>
+                                          </p:stCondLst>
+                                        </p:cTn>
+                                        <p:tgtEl>
                                           <p:spTgt spid="31"/>
                                         </p:tgtEl>
                                         <p:attrNameLst>
@@ -13691,14 +14855,14 @@
                                 </p:cTn>
                               </p:par>
                               <p:par>
-                                <p:cTn id="71" presetID="1" presetClass="entr" presetSubtype="0" fill="hold" nodeType="withEffect">
+                                <p:cTn id="79" presetID="1" presetClass="entr" presetSubtype="0" fill="hold" nodeType="withEffect">
                                   <p:stCondLst>
                                     <p:cond delay="0"/>
                                   </p:stCondLst>
                                   <p:childTnLst>
                                     <p:set>
                                       <p:cBhvr>
-                                        <p:cTn id="72" dur="1" fill="hold">
+                                        <p:cTn id="80" dur="1" fill="hold">
                                           <p:stCondLst>
                                             <p:cond delay="0"/>
                                           </p:stCondLst>
@@ -13718,14 +14882,14 @@
                                 </p:cTn>
                               </p:par>
                               <p:par>
-                                <p:cTn id="73" presetID="1" presetClass="entr" presetSubtype="0" fill="hold" nodeType="withEffect">
+                                <p:cTn id="81" presetID="1" presetClass="entr" presetSubtype="0" fill="hold" nodeType="withEffect">
                                   <p:stCondLst>
                                     <p:cond delay="0"/>
                                   </p:stCondLst>
                                   <p:childTnLst>
                                     <p:set>
                                       <p:cBhvr>
-                                        <p:cTn id="74" dur="1" fill="hold">
+                                        <p:cTn id="82" dur="1" fill="hold">
                                           <p:stCondLst>
                                             <p:cond delay="0"/>
                                           </p:stCondLst>
@@ -13784,6 +14948,7 @@
       <p:bldP spid="35" grpId="0" animBg="1"/>
       <p:bldP spid="36" grpId="0" animBg="1"/>
       <p:bldP spid="39" grpId="0" animBg="1"/>
+      <p:bldP spid="40" grpId="0" animBg="1"/>
     </p:bldLst>
   </p:timing>
 </p:sld>
@@ -13843,6 +15008,75 @@
           <a:bodyPr/>
           <a:lstStyle/>
           <a:p>
+            <a:endParaRPr lang="de-DE"/>
+          </a:p>
+        </p:txBody>
+      </p:sp>
+      <p:sp>
+        <p:nvSpPr>
+          <p:cNvPr id="4" name="Datumsplatzhalter 3"/>
+          <p:cNvSpPr>
+            <a:spLocks noGrp="1"/>
+          </p:cNvSpPr>
+          <p:nvPr>
+            <p:ph type="dt" sz="half" idx="10"/>
+          </p:nvPr>
+        </p:nvSpPr>
+        <p:spPr/>
+        <p:txBody>
+          <a:bodyPr/>
+          <a:lstStyle/>
+          <a:p>
+            <a:r>
+              <a:rPr lang="de-DE" smtClean="0"/>
+              <a:t>11.09.2015</a:t>
+            </a:r>
+            <a:endParaRPr lang="de-DE"/>
+          </a:p>
+        </p:txBody>
+      </p:sp>
+      <p:sp>
+        <p:nvSpPr>
+          <p:cNvPr id="5" name="Fußzeilenplatzhalter 4"/>
+          <p:cNvSpPr>
+            <a:spLocks noGrp="1"/>
+          </p:cNvSpPr>
+          <p:nvPr>
+            <p:ph type="ftr" sz="quarter" idx="11"/>
+          </p:nvPr>
+        </p:nvSpPr>
+        <p:spPr/>
+        <p:txBody>
+          <a:bodyPr/>
+          <a:lstStyle/>
+          <a:p>
+            <a:r>
+              <a:rPr lang="de-DE" smtClean="0"/>
+              <a:t>Ruben Müller</a:t>
+            </a:r>
+            <a:endParaRPr lang="de-DE"/>
+          </a:p>
+        </p:txBody>
+      </p:sp>
+      <p:sp>
+        <p:nvSpPr>
+          <p:cNvPr id="6" name="Foliennummernplatzhalter 5"/>
+          <p:cNvSpPr>
+            <a:spLocks noGrp="1"/>
+          </p:cNvSpPr>
+          <p:nvPr>
+            <p:ph type="sldNum" sz="quarter" idx="12"/>
+          </p:nvPr>
+        </p:nvSpPr>
+        <p:spPr/>
+        <p:txBody>
+          <a:bodyPr/>
+          <a:lstStyle/>
+          <a:p>
+            <a:fld id="{92E72EEA-0FBC-4AC8-BDD5-33722D577734}" type="slidenum">
+              <a:rPr lang="de-DE" smtClean="0"/>
+              <a:t>13</a:t>
+            </a:fld>
             <a:endParaRPr lang="de-DE"/>
           </a:p>
         </p:txBody>
@@ -13919,7 +15153,9 @@
         </p:nvSpPr>
         <p:spPr/>
         <p:txBody>
-          <a:bodyPr/>
+          <a:bodyPr>
+            <a:normAutofit/>
+          </a:bodyPr>
           <a:lstStyle/>
           <a:p>
             <a:r>
@@ -13977,6 +15213,75 @@
               <a:t>: niedrigdimensionale Vektoren</a:t>
             </a:r>
             <a:endParaRPr lang="de-DE" dirty="0"/>
+          </a:p>
+        </p:txBody>
+      </p:sp>
+      <p:sp>
+        <p:nvSpPr>
+          <p:cNvPr id="4" name="Datumsplatzhalter 3"/>
+          <p:cNvSpPr>
+            <a:spLocks noGrp="1"/>
+          </p:cNvSpPr>
+          <p:nvPr>
+            <p:ph type="dt" sz="half" idx="10"/>
+          </p:nvPr>
+        </p:nvSpPr>
+        <p:spPr/>
+        <p:txBody>
+          <a:bodyPr/>
+          <a:lstStyle/>
+          <a:p>
+            <a:r>
+              <a:rPr lang="de-DE" smtClean="0"/>
+              <a:t>11.09.2015</a:t>
+            </a:r>
+            <a:endParaRPr lang="de-DE"/>
+          </a:p>
+        </p:txBody>
+      </p:sp>
+      <p:sp>
+        <p:nvSpPr>
+          <p:cNvPr id="5" name="Fußzeilenplatzhalter 4"/>
+          <p:cNvSpPr>
+            <a:spLocks noGrp="1"/>
+          </p:cNvSpPr>
+          <p:nvPr>
+            <p:ph type="ftr" sz="quarter" idx="11"/>
+          </p:nvPr>
+        </p:nvSpPr>
+        <p:spPr/>
+        <p:txBody>
+          <a:bodyPr/>
+          <a:lstStyle/>
+          <a:p>
+            <a:r>
+              <a:rPr lang="de-DE" smtClean="0"/>
+              <a:t>Ruben Müller</a:t>
+            </a:r>
+            <a:endParaRPr lang="de-DE"/>
+          </a:p>
+        </p:txBody>
+      </p:sp>
+      <p:sp>
+        <p:nvSpPr>
+          <p:cNvPr id="6" name="Foliennummernplatzhalter 5"/>
+          <p:cNvSpPr>
+            <a:spLocks noGrp="1"/>
+          </p:cNvSpPr>
+          <p:nvPr>
+            <p:ph type="sldNum" sz="quarter" idx="12"/>
+          </p:nvPr>
+        </p:nvSpPr>
+        <p:spPr/>
+        <p:txBody>
+          <a:bodyPr/>
+          <a:lstStyle/>
+          <a:p>
+            <a:fld id="{92E72EEA-0FBC-4AC8-BDD5-33722D577734}" type="slidenum">
+              <a:rPr lang="de-DE" smtClean="0"/>
+              <a:t>14</a:t>
+            </a:fld>
+            <a:endParaRPr lang="de-DE"/>
           </a:p>
         </p:txBody>
       </p:sp>
@@ -14071,14 +15376,83 @@
       </p:pic>
       <p:sp>
         <p:nvSpPr>
+          <p:cNvPr id="3" name="Datumsplatzhalter 2"/>
+          <p:cNvSpPr>
+            <a:spLocks noGrp="1"/>
+          </p:cNvSpPr>
+          <p:nvPr>
+            <p:ph type="dt" sz="half" idx="10"/>
+          </p:nvPr>
+        </p:nvSpPr>
+        <p:spPr/>
+        <p:txBody>
+          <a:bodyPr/>
+          <a:lstStyle/>
+          <a:p>
+            <a:r>
+              <a:rPr lang="de-DE" smtClean="0"/>
+              <a:t>11.09.2015</a:t>
+            </a:r>
+            <a:endParaRPr lang="de-DE"/>
+          </a:p>
+        </p:txBody>
+      </p:sp>
+      <p:sp>
+        <p:nvSpPr>
+          <p:cNvPr id="6" name="Fußzeilenplatzhalter 5"/>
+          <p:cNvSpPr>
+            <a:spLocks noGrp="1"/>
+          </p:cNvSpPr>
+          <p:nvPr>
+            <p:ph type="ftr" sz="quarter" idx="11"/>
+          </p:nvPr>
+        </p:nvSpPr>
+        <p:spPr/>
+        <p:txBody>
+          <a:bodyPr/>
+          <a:lstStyle/>
+          <a:p>
+            <a:r>
+              <a:rPr lang="de-DE" smtClean="0"/>
+              <a:t>Ruben Müller</a:t>
+            </a:r>
+            <a:endParaRPr lang="de-DE"/>
+          </a:p>
+        </p:txBody>
+      </p:sp>
+      <p:sp>
+        <p:nvSpPr>
+          <p:cNvPr id="7" name="Foliennummernplatzhalter 6"/>
+          <p:cNvSpPr>
+            <a:spLocks noGrp="1"/>
+          </p:cNvSpPr>
+          <p:nvPr>
+            <p:ph type="sldNum" sz="quarter" idx="12"/>
+          </p:nvPr>
+        </p:nvSpPr>
+        <p:spPr/>
+        <p:txBody>
+          <a:bodyPr/>
+          <a:lstStyle/>
+          <a:p>
+            <a:fld id="{92E72EEA-0FBC-4AC8-BDD5-33722D577734}" type="slidenum">
+              <a:rPr lang="de-DE" smtClean="0"/>
+              <a:t>15</a:t>
+            </a:fld>
+            <a:endParaRPr lang="de-DE"/>
+          </a:p>
+        </p:txBody>
+      </p:sp>
+      <p:sp>
+        <p:nvSpPr>
           <p:cNvPr id="5" name="Rechteck 4"/>
           <p:cNvSpPr/>
           <p:nvPr/>
         </p:nvSpPr>
         <p:spPr>
           <a:xfrm>
-            <a:off x="1934936" y="2569031"/>
-            <a:ext cx="8134350" cy="367393"/>
+            <a:off x="1958885" y="2582094"/>
+            <a:ext cx="8090806" cy="367393"/>
           </a:xfrm>
           <a:prstGeom prst="rect">
             <a:avLst/>
@@ -14265,6 +15639,75 @@
           </a:p>
         </p:txBody>
       </p:sp>
+      <p:sp>
+        <p:nvSpPr>
+          <p:cNvPr id="3" name="Datumsplatzhalter 2"/>
+          <p:cNvSpPr>
+            <a:spLocks noGrp="1"/>
+          </p:cNvSpPr>
+          <p:nvPr>
+            <p:ph type="dt" sz="half" idx="10"/>
+          </p:nvPr>
+        </p:nvSpPr>
+        <p:spPr/>
+        <p:txBody>
+          <a:bodyPr/>
+          <a:lstStyle/>
+          <a:p>
+            <a:r>
+              <a:rPr lang="de-DE" smtClean="0"/>
+              <a:t>11.09.2015</a:t>
+            </a:r>
+            <a:endParaRPr lang="de-DE"/>
+          </a:p>
+        </p:txBody>
+      </p:sp>
+      <p:sp>
+        <p:nvSpPr>
+          <p:cNvPr id="5" name="Fußzeilenplatzhalter 4"/>
+          <p:cNvSpPr>
+            <a:spLocks noGrp="1"/>
+          </p:cNvSpPr>
+          <p:nvPr>
+            <p:ph type="ftr" sz="quarter" idx="11"/>
+          </p:nvPr>
+        </p:nvSpPr>
+        <p:spPr/>
+        <p:txBody>
+          <a:bodyPr/>
+          <a:lstStyle/>
+          <a:p>
+            <a:r>
+              <a:rPr lang="de-DE" smtClean="0"/>
+              <a:t>Ruben Müller</a:t>
+            </a:r>
+            <a:endParaRPr lang="de-DE"/>
+          </a:p>
+        </p:txBody>
+      </p:sp>
+      <p:sp>
+        <p:nvSpPr>
+          <p:cNvPr id="6" name="Foliennummernplatzhalter 5"/>
+          <p:cNvSpPr>
+            <a:spLocks noGrp="1"/>
+          </p:cNvSpPr>
+          <p:nvPr>
+            <p:ph type="sldNum" sz="quarter" idx="12"/>
+          </p:nvPr>
+        </p:nvSpPr>
+        <p:spPr/>
+        <p:txBody>
+          <a:bodyPr/>
+          <a:lstStyle/>
+          <a:p>
+            <a:fld id="{92E72EEA-0FBC-4AC8-BDD5-33722D577734}" type="slidenum">
+              <a:rPr lang="de-DE" smtClean="0"/>
+              <a:t>16</a:t>
+            </a:fld>
+            <a:endParaRPr lang="de-DE"/>
+          </a:p>
+        </p:txBody>
+      </p:sp>
     </p:spTree>
     <p:extLst>
       <p:ext uri="{BB962C8B-B14F-4D97-AF65-F5344CB8AC3E}">
@@ -14327,25 +15770,70 @@
       </p:sp>
       <p:sp>
         <p:nvSpPr>
-          <p:cNvPr id="3" name="Inhaltsplatzhalter 2"/>
+          <p:cNvPr id="15" name="Datumsplatzhalter 14"/>
           <p:cNvSpPr>
             <a:spLocks noGrp="1"/>
           </p:cNvSpPr>
           <p:nvPr>
-            <p:ph idx="1"/>
+            <p:ph type="dt" sz="half" idx="10"/>
           </p:nvPr>
         </p:nvSpPr>
-        <p:spPr>
-          <a:xfrm>
-            <a:off x="2152650" y="1828800"/>
-            <a:ext cx="7886700" cy="4351338"/>
-          </a:xfrm>
-        </p:spPr>
+        <p:spPr/>
         <p:txBody>
           <a:bodyPr/>
           <a:lstStyle/>
           <a:p>
-            <a:endParaRPr lang="de-DE" dirty="0"/>
+            <a:r>
+              <a:rPr lang="de-DE" smtClean="0"/>
+              <a:t>11.09.2015</a:t>
+            </a:r>
+            <a:endParaRPr lang="de-DE"/>
+          </a:p>
+        </p:txBody>
+      </p:sp>
+      <p:sp>
+        <p:nvSpPr>
+          <p:cNvPr id="16" name="Fußzeilenplatzhalter 15"/>
+          <p:cNvSpPr>
+            <a:spLocks noGrp="1"/>
+          </p:cNvSpPr>
+          <p:nvPr>
+            <p:ph type="ftr" sz="quarter" idx="11"/>
+          </p:nvPr>
+        </p:nvSpPr>
+        <p:spPr/>
+        <p:txBody>
+          <a:bodyPr/>
+          <a:lstStyle/>
+          <a:p>
+            <a:r>
+              <a:rPr lang="de-DE" smtClean="0"/>
+              <a:t>Ruben Müller</a:t>
+            </a:r>
+            <a:endParaRPr lang="de-DE"/>
+          </a:p>
+        </p:txBody>
+      </p:sp>
+      <p:sp>
+        <p:nvSpPr>
+          <p:cNvPr id="17" name="Foliennummernplatzhalter 16"/>
+          <p:cNvSpPr>
+            <a:spLocks noGrp="1"/>
+          </p:cNvSpPr>
+          <p:nvPr>
+            <p:ph type="sldNum" sz="quarter" idx="12"/>
+          </p:nvPr>
+        </p:nvSpPr>
+        <p:spPr/>
+        <p:txBody>
+          <a:bodyPr/>
+          <a:lstStyle/>
+          <a:p>
+            <a:fld id="{92E72EEA-0FBC-4AC8-BDD5-33722D577734}" type="slidenum">
+              <a:rPr lang="de-DE" smtClean="0"/>
+              <a:t>17</a:t>
+            </a:fld>
+            <a:endParaRPr lang="de-DE"/>
           </a:p>
         </p:txBody>
       </p:sp>
@@ -14381,12 +15869,7 @@
           </a:fontRef>
         </p:style>
         <p:txBody>
-          <a:bodyPr rot="0" spcFirstLastPara="0" vertOverflow="overflow" horzOverflow="overflow" vert="horz" wrap="square" lIns="91440" tIns="45720" rIns="91440" bIns="45720" numCol="1" spcCol="0" rtlCol="0" fromWordArt="0" anchor="ctr" anchorCtr="0" forceAA="0" compatLnSpc="1">
-            <a:prstTxWarp prst="textNoShape">
-              <a:avLst/>
-            </a:prstTxWarp>
-            <a:noAutofit/>
-          </a:bodyPr>
+          <a:bodyPr rtlCol="0" anchor="ctr"/>
           <a:lstStyle/>
           <a:p>
             <a:pPr algn="ctr"/>
@@ -14394,6 +15877,7 @@
               <a:rPr lang="de-DE" dirty="0"/>
               <a:t>Testbegriff</a:t>
             </a:r>
+            <a:endParaRPr lang="de-DE" dirty="0"/>
           </a:p>
         </p:txBody>
       </p:sp>
@@ -14429,12 +15913,7 @@
           </a:fontRef>
         </p:style>
         <p:txBody>
-          <a:bodyPr rot="0" spcFirstLastPara="0" vertOverflow="overflow" horzOverflow="overflow" vert="horz" wrap="square" lIns="91440" tIns="45720" rIns="91440" bIns="45720" numCol="1" spcCol="0" rtlCol="0" fromWordArt="0" anchor="ctr" anchorCtr="0" forceAA="0" compatLnSpc="1">
-            <a:prstTxWarp prst="textNoShape">
-              <a:avLst/>
-            </a:prstTxWarp>
-            <a:noAutofit/>
-          </a:bodyPr>
+          <a:bodyPr rtlCol="0" anchor="ctr"/>
           <a:lstStyle/>
           <a:p>
             <a:pPr algn="ctr"/>
@@ -14474,12 +15953,7 @@
           </a:fontRef>
         </p:style>
         <p:txBody>
-          <a:bodyPr rot="0" spcFirstLastPara="0" vertOverflow="overflow" horzOverflow="overflow" vert="horz" wrap="square" lIns="91440" tIns="45720" rIns="91440" bIns="45720" numCol="1" spcCol="0" rtlCol="0" fromWordArt="0" anchor="ctr" anchorCtr="0" forceAA="0" compatLnSpc="1">
-            <a:prstTxWarp prst="textNoShape">
-              <a:avLst/>
-            </a:prstTxWarp>
-            <a:noAutofit/>
-          </a:bodyPr>
+          <a:bodyPr rtlCol="0" anchor="ctr"/>
           <a:lstStyle/>
           <a:p>
             <a:pPr algn="ctr"/>
@@ -14519,12 +15993,7 @@
           </a:fontRef>
         </p:style>
         <p:txBody>
-          <a:bodyPr rot="0" spcFirstLastPara="0" vertOverflow="overflow" horzOverflow="overflow" vert="horz" wrap="square" lIns="91440" tIns="45720" rIns="91440" bIns="45720" numCol="1" spcCol="0" rtlCol="0" fromWordArt="0" anchor="ctr" anchorCtr="0" forceAA="0" compatLnSpc="1">
-            <a:prstTxWarp prst="textNoShape">
-              <a:avLst/>
-            </a:prstTxWarp>
-            <a:noAutofit/>
-          </a:bodyPr>
+          <a:bodyPr rtlCol="0" anchor="ctr"/>
           <a:lstStyle/>
           <a:p>
             <a:pPr lvl="0" algn="ctr"/>
@@ -14568,12 +16037,7 @@
           </a:fontRef>
         </p:style>
         <p:txBody>
-          <a:bodyPr rot="0" spcFirstLastPara="0" vertOverflow="overflow" horzOverflow="overflow" vert="horz" wrap="square" lIns="91440" tIns="45720" rIns="91440" bIns="45720" numCol="1" spcCol="0" rtlCol="0" fromWordArt="0" anchor="ctr" anchorCtr="0" forceAA="0" compatLnSpc="1">
-            <a:prstTxWarp prst="textNoShape">
-              <a:avLst/>
-            </a:prstTxWarp>
-            <a:noAutofit/>
-          </a:bodyPr>
+          <a:bodyPr rtlCol="0" anchor="ctr"/>
           <a:lstStyle/>
           <a:p>
             <a:pPr algn="ctr"/>
@@ -14613,12 +16077,7 @@
           </a:fontRef>
         </p:style>
         <p:txBody>
-          <a:bodyPr rot="0" spcFirstLastPara="0" vertOverflow="overflow" horzOverflow="overflow" vert="horz" wrap="square" lIns="91440" tIns="45720" rIns="91440" bIns="45720" numCol="1" spcCol="0" rtlCol="0" fromWordArt="0" anchor="ctr" anchorCtr="0" forceAA="0" compatLnSpc="1">
-            <a:prstTxWarp prst="textNoShape">
-              <a:avLst/>
-            </a:prstTxWarp>
-            <a:noAutofit/>
-          </a:bodyPr>
+          <a:bodyPr rtlCol="0" anchor="ctr"/>
           <a:lstStyle/>
           <a:p>
             <a:pPr algn="ctr"/>
@@ -14658,12 +16117,7 @@
           </a:fontRef>
         </p:style>
         <p:txBody>
-          <a:bodyPr rot="0" spcFirstLastPara="0" vertOverflow="overflow" horzOverflow="overflow" vert="horz" wrap="square" lIns="91440" tIns="45720" rIns="91440" bIns="45720" numCol="1" spcCol="0" rtlCol="0" fromWordArt="0" anchor="ctr" anchorCtr="0" forceAA="0" compatLnSpc="1">
-            <a:prstTxWarp prst="textNoShape">
-              <a:avLst/>
-            </a:prstTxWarp>
-            <a:noAutofit/>
-          </a:bodyPr>
+          <a:bodyPr rtlCol="0" anchor="ctr"/>
           <a:lstStyle/>
           <a:p>
             <a:pPr algn="ctr"/>
@@ -14703,12 +16157,7 @@
           </a:fontRef>
         </p:style>
         <p:txBody>
-          <a:bodyPr rot="0" spcFirstLastPara="0" vertOverflow="overflow" horzOverflow="overflow" vert="horz" wrap="square" lIns="91440" tIns="45720" rIns="91440" bIns="45720" numCol="1" spcCol="0" rtlCol="0" fromWordArt="0" anchor="ctr" anchorCtr="0" forceAA="0" compatLnSpc="1">
-            <a:prstTxWarp prst="textNoShape">
-              <a:avLst/>
-            </a:prstTxWarp>
-            <a:noAutofit/>
-          </a:bodyPr>
+          <a:bodyPr rtlCol="0" anchor="ctr"/>
           <a:lstStyle/>
           <a:p>
             <a:pPr algn="ctr"/>
@@ -14748,12 +16197,7 @@
           </a:fontRef>
         </p:style>
         <p:txBody>
-          <a:bodyPr rot="0" spcFirstLastPara="0" vertOverflow="overflow" horzOverflow="overflow" vert="horz" wrap="square" lIns="91440" tIns="45720" rIns="91440" bIns="45720" numCol="1" spcCol="0" rtlCol="0" fromWordArt="0" anchor="ctr" anchorCtr="0" forceAA="0" compatLnSpc="1">
-            <a:prstTxWarp prst="textNoShape">
-              <a:avLst/>
-            </a:prstTxWarp>
-            <a:noAutofit/>
-          </a:bodyPr>
+          <a:bodyPr rtlCol="0" anchor="ctr"/>
           <a:lstStyle/>
           <a:p>
             <a:pPr algn="ctr"/>
@@ -14793,12 +16237,7 @@
           </a:fontRef>
         </p:style>
         <p:txBody>
-          <a:bodyPr rot="0" spcFirstLastPara="0" vertOverflow="overflow" horzOverflow="overflow" vert="horz" wrap="square" lIns="91440" tIns="45720" rIns="91440" bIns="45720" numCol="1" spcCol="0" rtlCol="0" fromWordArt="0" anchor="ctr" anchorCtr="0" forceAA="0" compatLnSpc="1">
-            <a:prstTxWarp prst="textNoShape">
-              <a:avLst/>
-            </a:prstTxWarp>
-            <a:noAutofit/>
-          </a:bodyPr>
+          <a:bodyPr rtlCol="0" anchor="ctr"/>
           <a:lstStyle/>
           <a:p>
             <a:pPr algn="ctr"/>
@@ -14838,12 +16277,7 @@
           </a:fontRef>
         </p:style>
         <p:txBody>
-          <a:bodyPr rot="0" spcFirstLastPara="0" vertOverflow="overflow" horzOverflow="overflow" vert="horz" wrap="square" lIns="91440" tIns="45720" rIns="91440" bIns="45720" numCol="1" spcCol="0" rtlCol="0" fromWordArt="0" anchor="ctr" anchorCtr="0" forceAA="0" compatLnSpc="1">
-            <a:prstTxWarp prst="textNoShape">
-              <a:avLst/>
-            </a:prstTxWarp>
-            <a:noAutofit/>
-          </a:bodyPr>
+          <a:bodyPr rtlCol="0" anchor="ctr"/>
           <a:lstStyle/>
           <a:p>
             <a:pPr algn="ctr"/>
@@ -14883,12 +16317,7 @@
           </a:fontRef>
         </p:style>
         <p:txBody>
-          <a:bodyPr rot="0" spcFirstLastPara="0" vertOverflow="overflow" horzOverflow="overflow" vert="horz" wrap="square" lIns="91440" tIns="45720" rIns="91440" bIns="45720" numCol="1" spcCol="0" rtlCol="0" fromWordArt="0" anchor="ctr" anchorCtr="0" forceAA="0" compatLnSpc="1">
-            <a:prstTxWarp prst="textNoShape">
-              <a:avLst/>
-            </a:prstTxWarp>
-            <a:noAutofit/>
-          </a:bodyPr>
+          <a:bodyPr rtlCol="0" anchor="ctr"/>
           <a:lstStyle/>
           <a:p>
             <a:pPr algn="ctr"/>
@@ -14928,12 +16357,7 @@
           </a:fontRef>
         </p:style>
         <p:txBody>
-          <a:bodyPr rot="0" spcFirstLastPara="0" vertOverflow="overflow" horzOverflow="overflow" vert="horz" wrap="square" lIns="91440" tIns="45720" rIns="91440" bIns="45720" numCol="1" spcCol="0" rtlCol="0" fromWordArt="0" anchor="ctr" anchorCtr="0" forceAA="0" compatLnSpc="1">
-            <a:prstTxWarp prst="textNoShape">
-              <a:avLst/>
-            </a:prstTxWarp>
-            <a:noAutofit/>
-          </a:bodyPr>
+          <a:bodyPr rtlCol="0" anchor="ctr"/>
           <a:lstStyle/>
           <a:p>
             <a:pPr algn="ctr"/>
@@ -14973,12 +16397,7 @@
           </a:fontRef>
         </p:style>
         <p:txBody>
-          <a:bodyPr rot="0" spcFirstLastPara="0" vertOverflow="overflow" horzOverflow="overflow" vert="horz" wrap="square" lIns="91440" tIns="45720" rIns="91440" bIns="45720" numCol="1" spcCol="0" rtlCol="0" fromWordArt="0" anchor="ctr" anchorCtr="0" forceAA="0" compatLnSpc="1">
-            <a:prstTxWarp prst="textNoShape">
-              <a:avLst/>
-            </a:prstTxWarp>
-            <a:noAutofit/>
-          </a:bodyPr>
+          <a:bodyPr rtlCol="0" anchor="ctr"/>
           <a:lstStyle/>
           <a:p>
             <a:pPr algn="ctr"/>
@@ -15018,12 +16437,7 @@
           </a:fontRef>
         </p:style>
         <p:txBody>
-          <a:bodyPr rot="0" spcFirstLastPara="0" vertOverflow="overflow" horzOverflow="overflow" vert="horz" wrap="square" lIns="91440" tIns="45720" rIns="91440" bIns="45720" numCol="1" spcCol="0" rtlCol="0" fromWordArt="0" anchor="ctr" anchorCtr="0" forceAA="0" compatLnSpc="1">
-            <a:prstTxWarp prst="textNoShape">
-              <a:avLst/>
-            </a:prstTxWarp>
-            <a:noAutofit/>
-          </a:bodyPr>
+          <a:bodyPr rtlCol="0" anchor="ctr"/>
           <a:lstStyle/>
           <a:p>
             <a:pPr algn="ctr"/>
@@ -15063,12 +16477,7 @@
           </a:fontRef>
         </p:style>
         <p:txBody>
-          <a:bodyPr rot="0" spcFirstLastPara="0" vertOverflow="overflow" horzOverflow="overflow" vert="horz" wrap="square" lIns="91440" tIns="45720" rIns="91440" bIns="45720" numCol="1" spcCol="0" rtlCol="0" fromWordArt="0" anchor="ctr" anchorCtr="0" forceAA="0" compatLnSpc="1">
-            <a:prstTxWarp prst="textNoShape">
-              <a:avLst/>
-            </a:prstTxWarp>
-            <a:noAutofit/>
-          </a:bodyPr>
+          <a:bodyPr rtlCol="0" anchor="ctr"/>
           <a:lstStyle/>
           <a:p>
             <a:pPr algn="ctr"/>
@@ -15108,12 +16517,7 @@
           </a:fontRef>
         </p:style>
         <p:txBody>
-          <a:bodyPr rot="0" spcFirstLastPara="0" vertOverflow="overflow" horzOverflow="overflow" vert="horz" wrap="square" lIns="91440" tIns="45720" rIns="91440" bIns="45720" numCol="1" spcCol="0" rtlCol="0" fromWordArt="0" anchor="ctr" anchorCtr="0" forceAA="0" compatLnSpc="1">
-            <a:prstTxWarp prst="textNoShape">
-              <a:avLst/>
-            </a:prstTxWarp>
-            <a:noAutofit/>
-          </a:bodyPr>
+          <a:bodyPr rtlCol="0" anchor="ctr"/>
           <a:lstStyle/>
           <a:p>
             <a:pPr algn="ctr"/>
@@ -15153,12 +16557,7 @@
           </a:fontRef>
         </p:style>
         <p:txBody>
-          <a:bodyPr rot="0" spcFirstLastPara="0" vertOverflow="overflow" horzOverflow="overflow" vert="horz" wrap="square" lIns="91440" tIns="45720" rIns="91440" bIns="45720" numCol="1" spcCol="0" rtlCol="0" fromWordArt="0" anchor="ctr" anchorCtr="0" forceAA="0" compatLnSpc="1">
-            <a:prstTxWarp prst="textNoShape">
-              <a:avLst/>
-            </a:prstTxWarp>
-            <a:noAutofit/>
-          </a:bodyPr>
+          <a:bodyPr rtlCol="0" anchor="ctr"/>
           <a:lstStyle/>
           <a:p>
             <a:pPr algn="ctr"/>
@@ -15198,12 +16597,7 @@
           </a:fontRef>
         </p:style>
         <p:txBody>
-          <a:bodyPr rot="0" spcFirstLastPara="0" vertOverflow="overflow" horzOverflow="overflow" vert="horz" wrap="square" lIns="91440" tIns="45720" rIns="91440" bIns="45720" numCol="1" spcCol="0" rtlCol="0" fromWordArt="0" anchor="ctr" anchorCtr="0" forceAA="0" compatLnSpc="1">
-            <a:prstTxWarp prst="textNoShape">
-              <a:avLst/>
-            </a:prstTxWarp>
-            <a:noAutofit/>
-          </a:bodyPr>
+          <a:bodyPr rtlCol="0" anchor="ctr"/>
           <a:lstStyle/>
           <a:p>
             <a:pPr algn="ctr"/>
@@ -15243,12 +16637,7 @@
           </a:fontRef>
         </p:style>
         <p:txBody>
-          <a:bodyPr rot="0" spcFirstLastPara="0" vertOverflow="overflow" horzOverflow="overflow" vert="horz" wrap="square" lIns="91440" tIns="45720" rIns="91440" bIns="45720" numCol="1" spcCol="0" rtlCol="0" fromWordArt="0" anchor="ctr" anchorCtr="0" forceAA="0" compatLnSpc="1">
-            <a:prstTxWarp prst="textNoShape">
-              <a:avLst/>
-            </a:prstTxWarp>
-            <a:noAutofit/>
-          </a:bodyPr>
+          <a:bodyPr rtlCol="0" anchor="ctr"/>
           <a:lstStyle/>
           <a:p>
             <a:pPr algn="ctr"/>
@@ -15288,12 +16677,7 @@
           </a:fontRef>
         </p:style>
         <p:txBody>
-          <a:bodyPr rot="0" spcFirstLastPara="0" vertOverflow="overflow" horzOverflow="overflow" vert="horz" wrap="square" lIns="91440" tIns="45720" rIns="91440" bIns="45720" numCol="1" spcCol="0" rtlCol="0" fromWordArt="0" anchor="ctr" anchorCtr="0" forceAA="0" compatLnSpc="1">
-            <a:prstTxWarp prst="textNoShape">
-              <a:avLst/>
-            </a:prstTxWarp>
-            <a:noAutofit/>
-          </a:bodyPr>
+          <a:bodyPr rtlCol="0" anchor="ctr"/>
           <a:lstStyle/>
           <a:p>
             <a:pPr algn="ctr"/>
@@ -15333,12 +16717,7 @@
           </a:fontRef>
         </p:style>
         <p:txBody>
-          <a:bodyPr rot="0" spcFirstLastPara="0" vertOverflow="overflow" horzOverflow="overflow" vert="horz" wrap="square" lIns="91440" tIns="45720" rIns="91440" bIns="45720" numCol="1" spcCol="0" rtlCol="0" fromWordArt="0" anchor="ctr" anchorCtr="0" forceAA="0" compatLnSpc="1">
-            <a:prstTxWarp prst="textNoShape">
-              <a:avLst/>
-            </a:prstTxWarp>
-            <a:noAutofit/>
-          </a:bodyPr>
+          <a:bodyPr rtlCol="0" anchor="ctr"/>
           <a:lstStyle/>
           <a:p>
             <a:pPr algn="ctr"/>
@@ -15378,12 +16757,7 @@
           </a:fontRef>
         </p:style>
         <p:txBody>
-          <a:bodyPr rot="0" spcFirstLastPara="0" vertOverflow="overflow" horzOverflow="overflow" vert="horz" wrap="square" lIns="91440" tIns="45720" rIns="91440" bIns="45720" numCol="1" spcCol="0" rtlCol="0" fromWordArt="0" anchor="ctr" anchorCtr="0" forceAA="0" compatLnSpc="1">
-            <a:prstTxWarp prst="textNoShape">
-              <a:avLst/>
-            </a:prstTxWarp>
-            <a:noAutofit/>
-          </a:bodyPr>
+          <a:bodyPr rtlCol="0" anchor="ctr"/>
           <a:lstStyle/>
           <a:p>
             <a:pPr algn="ctr"/>
@@ -15423,12 +16797,7 @@
           </a:fontRef>
         </p:style>
         <p:txBody>
-          <a:bodyPr rot="0" spcFirstLastPara="0" vertOverflow="overflow" horzOverflow="overflow" vert="horz" wrap="square" lIns="91440" tIns="45720" rIns="91440" bIns="45720" numCol="1" spcCol="0" rtlCol="0" fromWordArt="0" anchor="ctr" anchorCtr="0" forceAA="0" compatLnSpc="1">
-            <a:prstTxWarp prst="textNoShape">
-              <a:avLst/>
-            </a:prstTxWarp>
-            <a:noAutofit/>
-          </a:bodyPr>
+          <a:bodyPr rtlCol="0" anchor="ctr"/>
           <a:lstStyle/>
           <a:p>
             <a:pPr algn="ctr"/>
@@ -15468,12 +16837,7 @@
           </a:fontRef>
         </p:style>
         <p:txBody>
-          <a:bodyPr rot="0" spcFirstLastPara="0" vertOverflow="overflow" horzOverflow="overflow" vert="horz" wrap="square" lIns="91440" tIns="45720" rIns="91440" bIns="45720" numCol="1" spcCol="0" rtlCol="0" fromWordArt="0" anchor="ctr" anchorCtr="0" forceAA="0" compatLnSpc="1">
-            <a:prstTxWarp prst="textNoShape">
-              <a:avLst/>
-            </a:prstTxWarp>
-            <a:noAutofit/>
-          </a:bodyPr>
+          <a:bodyPr rtlCol="0" anchor="ctr"/>
           <a:lstStyle/>
           <a:p>
             <a:pPr algn="ctr"/>
@@ -15513,12 +16877,7 @@
           </a:fontRef>
         </p:style>
         <p:txBody>
-          <a:bodyPr rot="0" spcFirstLastPara="0" vertOverflow="overflow" horzOverflow="overflow" vert="horz" wrap="square" lIns="91440" tIns="45720" rIns="91440" bIns="45720" numCol="1" spcCol="0" rtlCol="0" fromWordArt="0" anchor="ctr" anchorCtr="0" forceAA="0" compatLnSpc="1">
-            <a:prstTxWarp prst="textNoShape">
-              <a:avLst/>
-            </a:prstTxWarp>
-            <a:noAutofit/>
-          </a:bodyPr>
+          <a:bodyPr rtlCol="0" anchor="ctr"/>
           <a:lstStyle/>
           <a:p>
             <a:pPr algn="ctr"/>
@@ -15558,12 +16917,7 @@
           </a:fontRef>
         </p:style>
         <p:txBody>
-          <a:bodyPr rot="0" spcFirstLastPara="0" vertOverflow="overflow" horzOverflow="overflow" vert="horz" wrap="square" lIns="91440" tIns="45720" rIns="91440" bIns="45720" numCol="1" spcCol="0" rtlCol="0" fromWordArt="0" anchor="ctr" anchorCtr="0" forceAA="0" compatLnSpc="1">
-            <a:prstTxWarp prst="textNoShape">
-              <a:avLst/>
-            </a:prstTxWarp>
-            <a:noAutofit/>
-          </a:bodyPr>
+          <a:bodyPr rtlCol="0" anchor="ctr"/>
           <a:lstStyle/>
           <a:p>
             <a:pPr algn="ctr"/>
@@ -15603,12 +16957,7 @@
           </a:fontRef>
         </p:style>
         <p:txBody>
-          <a:bodyPr rot="0" spcFirstLastPara="0" vertOverflow="overflow" horzOverflow="overflow" vert="horz" wrap="square" lIns="91440" tIns="45720" rIns="91440" bIns="45720" numCol="1" spcCol="0" rtlCol="0" fromWordArt="0" anchor="ctr" anchorCtr="0" forceAA="0" compatLnSpc="1">
-            <a:prstTxWarp prst="textNoShape">
-              <a:avLst/>
-            </a:prstTxWarp>
-            <a:noAutofit/>
-          </a:bodyPr>
+          <a:bodyPr rtlCol="0" anchor="ctr"/>
           <a:lstStyle/>
           <a:p>
             <a:pPr algn="ctr"/>
@@ -15648,12 +16997,7 @@
           </a:fontRef>
         </p:style>
         <p:txBody>
-          <a:bodyPr rot="0" spcFirstLastPara="0" vertOverflow="overflow" horzOverflow="overflow" vert="horz" wrap="square" lIns="91440" tIns="45720" rIns="91440" bIns="45720" numCol="1" spcCol="0" rtlCol="0" fromWordArt="0" anchor="ctr" anchorCtr="0" forceAA="0" compatLnSpc="1">
-            <a:prstTxWarp prst="textNoShape">
-              <a:avLst/>
-            </a:prstTxWarp>
-            <a:noAutofit/>
-          </a:bodyPr>
+          <a:bodyPr rtlCol="0" anchor="ctr"/>
           <a:lstStyle/>
           <a:p>
             <a:pPr algn="ctr"/>
@@ -15693,12 +17037,7 @@
           </a:fontRef>
         </p:style>
         <p:txBody>
-          <a:bodyPr rot="0" spcFirstLastPara="0" vertOverflow="overflow" horzOverflow="overflow" vert="horz" wrap="square" lIns="91440" tIns="45720" rIns="91440" bIns="45720" numCol="1" spcCol="0" rtlCol="0" fromWordArt="0" anchor="ctr" anchorCtr="0" forceAA="0" compatLnSpc="1">
-            <a:prstTxWarp prst="textNoShape">
-              <a:avLst/>
-            </a:prstTxWarp>
-            <a:noAutofit/>
-          </a:bodyPr>
+          <a:bodyPr rtlCol="0" anchor="ctr"/>
           <a:lstStyle/>
           <a:p>
             <a:pPr algn="ctr"/>
@@ -15738,12 +17077,7 @@
           </a:fontRef>
         </p:style>
         <p:txBody>
-          <a:bodyPr rot="0" spcFirstLastPara="0" vertOverflow="overflow" horzOverflow="overflow" vert="horz" wrap="square" lIns="91440" tIns="45720" rIns="91440" bIns="45720" numCol="1" spcCol="0" rtlCol="0" fromWordArt="0" anchor="ctr" anchorCtr="0" forceAA="0" compatLnSpc="1">
-            <a:prstTxWarp prst="textNoShape">
-              <a:avLst/>
-            </a:prstTxWarp>
-            <a:noAutofit/>
-          </a:bodyPr>
+          <a:bodyPr rtlCol="0" anchor="ctr"/>
           <a:lstStyle/>
           <a:p>
             <a:pPr algn="ctr"/>
@@ -17005,6 +18339,7 @@
               <a:rPr lang="de-DE" dirty="0"/>
               <a:t>Wörter</a:t>
             </a:r>
+            <a:endParaRPr lang="de-DE" dirty="0"/>
           </a:p>
         </p:txBody>
       </p:sp>
@@ -17101,12 +18436,7 @@
           </a:fontRef>
         </p:style>
         <p:txBody>
-          <a:bodyPr rot="0" spcFirstLastPara="0" vertOverflow="overflow" horzOverflow="overflow" vert="horz" wrap="square" lIns="91440" tIns="45720" rIns="91440" bIns="45720" numCol="1" spcCol="0" rtlCol="0" fromWordArt="0" anchor="ctr" anchorCtr="0" forceAA="0" compatLnSpc="1">
-            <a:prstTxWarp prst="textNoShape">
-              <a:avLst/>
-            </a:prstTxWarp>
-            <a:noAutofit/>
-          </a:bodyPr>
+          <a:bodyPr rtlCol="0" anchor="ctr"/>
           <a:lstStyle/>
           <a:p>
             <a:pPr algn="ctr"/>
@@ -17235,7 +18565,7 @@
                             </p:stCondLst>
                             <p:childTnLst>
                               <p:par>
-                                <p:cTn id="13" presetID="1" presetClass="entr" presetSubtype="0" fill="hold" nodeType="clickEffect">
+                                <p:cTn id="13" presetID="1" presetClass="entr" presetSubtype="0" fill="hold" grpId="0" nodeType="clickEffect">
                                   <p:stCondLst>
                                     <p:cond delay="0"/>
                                   </p:stCondLst>
@@ -17243,6 +18573,168 @@
                                     <p:set>
                                       <p:cBhvr>
                                         <p:cTn id="14" dur="1" fill="hold">
+                                          <p:stCondLst>
+                                            <p:cond delay="0"/>
+                                          </p:stCondLst>
+                                        </p:cTn>
+                                        <p:tgtEl>
+                                          <p:spTgt spid="5"/>
+                                        </p:tgtEl>
+                                        <p:attrNameLst>
+                                          <p:attrName>style.visibility</p:attrName>
+                                        </p:attrNameLst>
+                                      </p:cBhvr>
+                                      <p:to>
+                                        <p:strVal val="visible"/>
+                                      </p:to>
+                                    </p:set>
+                                  </p:childTnLst>
+                                </p:cTn>
+                              </p:par>
+                              <p:par>
+                                <p:cTn id="15" presetID="1" presetClass="entr" presetSubtype="0" fill="hold" grpId="0" nodeType="withEffect">
+                                  <p:stCondLst>
+                                    <p:cond delay="0"/>
+                                  </p:stCondLst>
+                                  <p:childTnLst>
+                                    <p:set>
+                                      <p:cBhvr>
+                                        <p:cTn id="16" dur="1" fill="hold">
+                                          <p:stCondLst>
+                                            <p:cond delay="0"/>
+                                          </p:stCondLst>
+                                        </p:cTn>
+                                        <p:tgtEl>
+                                          <p:spTgt spid="7"/>
+                                        </p:tgtEl>
+                                        <p:attrNameLst>
+                                          <p:attrName>style.visibility</p:attrName>
+                                        </p:attrNameLst>
+                                      </p:cBhvr>
+                                      <p:to>
+                                        <p:strVal val="visible"/>
+                                      </p:to>
+                                    </p:set>
+                                  </p:childTnLst>
+                                </p:cTn>
+                              </p:par>
+                              <p:par>
+                                <p:cTn id="17" presetID="1" presetClass="entr" presetSubtype="0" fill="hold" grpId="0" nodeType="withEffect">
+                                  <p:stCondLst>
+                                    <p:cond delay="0"/>
+                                  </p:stCondLst>
+                                  <p:childTnLst>
+                                    <p:set>
+                                      <p:cBhvr>
+                                        <p:cTn id="18" dur="1" fill="hold">
+                                          <p:stCondLst>
+                                            <p:cond delay="0"/>
+                                          </p:stCondLst>
+                                        </p:cTn>
+                                        <p:tgtEl>
+                                          <p:spTgt spid="6"/>
+                                        </p:tgtEl>
+                                        <p:attrNameLst>
+                                          <p:attrName>style.visibility</p:attrName>
+                                        </p:attrNameLst>
+                                      </p:cBhvr>
+                                      <p:to>
+                                        <p:strVal val="visible"/>
+                                      </p:to>
+                                    </p:set>
+                                  </p:childTnLst>
+                                </p:cTn>
+                              </p:par>
+                              <p:par>
+                                <p:cTn id="19" presetID="1" presetClass="entr" presetSubtype="0" fill="hold" grpId="0" nodeType="withEffect">
+                                  <p:stCondLst>
+                                    <p:cond delay="0"/>
+                                  </p:stCondLst>
+                                  <p:childTnLst>
+                                    <p:set>
+                                      <p:cBhvr>
+                                        <p:cTn id="20" dur="1" fill="hold">
+                                          <p:stCondLst>
+                                            <p:cond delay="0"/>
+                                          </p:stCondLst>
+                                        </p:cTn>
+                                        <p:tgtEl>
+                                          <p:spTgt spid="8"/>
+                                        </p:tgtEl>
+                                        <p:attrNameLst>
+                                          <p:attrName>style.visibility</p:attrName>
+                                        </p:attrNameLst>
+                                      </p:cBhvr>
+                                      <p:to>
+                                        <p:strVal val="visible"/>
+                                      </p:to>
+                                    </p:set>
+                                  </p:childTnLst>
+                                </p:cTn>
+                              </p:par>
+                              <p:par>
+                                <p:cTn id="21" presetID="1" presetClass="entr" presetSubtype="0" fill="hold" grpId="0" nodeType="withEffect">
+                                  <p:stCondLst>
+                                    <p:cond delay="0"/>
+                                  </p:stCondLst>
+                                  <p:childTnLst>
+                                    <p:set>
+                                      <p:cBhvr>
+                                        <p:cTn id="22" dur="1" fill="hold">
+                                          <p:stCondLst>
+                                            <p:cond delay="0"/>
+                                          </p:stCondLst>
+                                        </p:cTn>
+                                        <p:tgtEl>
+                                          <p:spTgt spid="9"/>
+                                        </p:tgtEl>
+                                        <p:attrNameLst>
+                                          <p:attrName>style.visibility</p:attrName>
+                                        </p:attrNameLst>
+                                      </p:cBhvr>
+                                      <p:to>
+                                        <p:strVal val="visible"/>
+                                      </p:to>
+                                    </p:set>
+                                  </p:childTnLst>
+                                </p:cTn>
+                              </p:par>
+                              <p:par>
+                                <p:cTn id="23" presetID="1" presetClass="entr" presetSubtype="0" fill="hold" grpId="0" nodeType="withEffect">
+                                  <p:stCondLst>
+                                    <p:cond delay="0"/>
+                                  </p:stCondLst>
+                                  <p:childTnLst>
+                                    <p:set>
+                                      <p:cBhvr>
+                                        <p:cTn id="24" dur="1" fill="hold">
+                                          <p:stCondLst>
+                                            <p:cond delay="0"/>
+                                          </p:stCondLst>
+                                        </p:cTn>
+                                        <p:tgtEl>
+                                          <p:spTgt spid="139"/>
+                                        </p:tgtEl>
+                                        <p:attrNameLst>
+                                          <p:attrName>style.visibility</p:attrName>
+                                        </p:attrNameLst>
+                                      </p:cBhvr>
+                                      <p:to>
+                                        <p:strVal val="visible"/>
+                                      </p:to>
+                                    </p:set>
+                                  </p:childTnLst>
+                                </p:cTn>
+                              </p:par>
+                              <p:par>
+                                <p:cTn id="25" presetID="1" presetClass="entr" presetSubtype="0" fill="hold" nodeType="withEffect">
+                                  <p:stCondLst>
+                                    <p:cond delay="0"/>
+                                  </p:stCondLst>
+                                  <p:childTnLst>
+                                    <p:set>
+                                      <p:cBhvr>
+                                        <p:cTn id="26" dur="1" fill="hold">
                                           <p:stCondLst>
                                             <p:cond delay="0"/>
                                           </p:stCondLst>
@@ -17262,14 +18754,14 @@
                                 </p:cTn>
                               </p:par>
                               <p:par>
-                                <p:cTn id="15" presetID="1" presetClass="entr" presetSubtype="0" fill="hold" nodeType="withEffect">
+                                <p:cTn id="27" presetID="1" presetClass="entr" presetSubtype="0" fill="hold" nodeType="withEffect">
                                   <p:stCondLst>
                                     <p:cond delay="0"/>
                                   </p:stCondLst>
                                   <p:childTnLst>
                                     <p:set>
                                       <p:cBhvr>
-                                        <p:cTn id="16" dur="1" fill="hold">
+                                        <p:cTn id="28" dur="1" fill="hold">
                                           <p:stCondLst>
                                             <p:cond delay="0"/>
                                           </p:stCondLst>
@@ -17289,14 +18781,14 @@
                                 </p:cTn>
                               </p:par>
                               <p:par>
-                                <p:cTn id="17" presetID="1" presetClass="entr" presetSubtype="0" fill="hold" nodeType="withEffect">
+                                <p:cTn id="29" presetID="1" presetClass="entr" presetSubtype="0" fill="hold" nodeType="withEffect">
                                   <p:stCondLst>
                                     <p:cond delay="0"/>
                                   </p:stCondLst>
                                   <p:childTnLst>
                                     <p:set>
                                       <p:cBhvr>
-                                        <p:cTn id="18" dur="1" fill="hold">
+                                        <p:cTn id="30" dur="1" fill="hold">
                                           <p:stCondLst>
                                             <p:cond delay="0"/>
                                           </p:stCondLst>
@@ -17316,14 +18808,14 @@
                                 </p:cTn>
                               </p:par>
                               <p:par>
-                                <p:cTn id="19" presetID="1" presetClass="entr" presetSubtype="0" fill="hold" nodeType="withEffect">
+                                <p:cTn id="31" presetID="1" presetClass="entr" presetSubtype="0" fill="hold" nodeType="withEffect">
                                   <p:stCondLst>
                                     <p:cond delay="0"/>
                                   </p:stCondLst>
                                   <p:childTnLst>
                                     <p:set>
                                       <p:cBhvr>
-                                        <p:cTn id="20" dur="1" fill="hold">
+                                        <p:cTn id="32" dur="1" fill="hold">
                                           <p:stCondLst>
                                             <p:cond delay="0"/>
                                           </p:stCondLst>
@@ -17343,14 +18835,14 @@
                                 </p:cTn>
                               </p:par>
                               <p:par>
-                                <p:cTn id="21" presetID="1" presetClass="entr" presetSubtype="0" fill="hold" nodeType="withEffect">
+                                <p:cTn id="33" presetID="1" presetClass="entr" presetSubtype="0" fill="hold" nodeType="withEffect">
                                   <p:stCondLst>
                                     <p:cond delay="0"/>
                                   </p:stCondLst>
                                   <p:childTnLst>
                                     <p:set>
                                       <p:cBhvr>
-                                        <p:cTn id="22" dur="1" fill="hold">
+                                        <p:cTn id="34" dur="1" fill="hold">
                                           <p:stCondLst>
                                             <p:cond delay="0"/>
                                           </p:stCondLst>
@@ -17376,206 +18868,26 @@
                     </p:cTn>
                   </p:par>
                   <p:par>
-                    <p:cTn id="23" fill="hold">
+                    <p:cTn id="35" fill="hold">
                       <p:stCondLst>
                         <p:cond delay="indefinite"/>
                       </p:stCondLst>
                       <p:childTnLst>
                         <p:par>
-                          <p:cTn id="24" fill="hold">
+                          <p:cTn id="36" fill="hold">
                             <p:stCondLst>
                               <p:cond delay="0"/>
                             </p:stCondLst>
                             <p:childTnLst>
                               <p:par>
-                                <p:cTn id="25" presetID="1" presetClass="entr" presetSubtype="0" fill="hold" grpId="0" nodeType="clickEffect">
+                                <p:cTn id="37" presetID="1" presetClass="entr" presetSubtype="0" fill="hold" nodeType="clickEffect">
                                   <p:stCondLst>
                                     <p:cond delay="0"/>
                                   </p:stCondLst>
                                   <p:childTnLst>
                                     <p:set>
                                       <p:cBhvr>
-                                        <p:cTn id="26" dur="1" fill="hold">
-                                          <p:stCondLst>
-                                            <p:cond delay="0"/>
-                                          </p:stCondLst>
-                                        </p:cTn>
-                                        <p:tgtEl>
-                                          <p:spTgt spid="5"/>
-                                        </p:tgtEl>
-                                        <p:attrNameLst>
-                                          <p:attrName>style.visibility</p:attrName>
-                                        </p:attrNameLst>
-                                      </p:cBhvr>
-                                      <p:to>
-                                        <p:strVal val="visible"/>
-                                      </p:to>
-                                    </p:set>
-                                  </p:childTnLst>
-                                </p:cTn>
-                              </p:par>
-                              <p:par>
-                                <p:cTn id="27" presetID="1" presetClass="entr" presetSubtype="0" fill="hold" grpId="0" nodeType="withEffect">
-                                  <p:stCondLst>
-                                    <p:cond delay="0"/>
-                                  </p:stCondLst>
-                                  <p:childTnLst>
-                                    <p:set>
-                                      <p:cBhvr>
-                                        <p:cTn id="28" dur="1" fill="hold">
-                                          <p:stCondLst>
-                                            <p:cond delay="0"/>
-                                          </p:stCondLst>
-                                        </p:cTn>
-                                        <p:tgtEl>
-                                          <p:spTgt spid="7"/>
-                                        </p:tgtEl>
-                                        <p:attrNameLst>
-                                          <p:attrName>style.visibility</p:attrName>
-                                        </p:attrNameLst>
-                                      </p:cBhvr>
-                                      <p:to>
-                                        <p:strVal val="visible"/>
-                                      </p:to>
-                                    </p:set>
-                                  </p:childTnLst>
-                                </p:cTn>
-                              </p:par>
-                              <p:par>
-                                <p:cTn id="29" presetID="1" presetClass="entr" presetSubtype="0" fill="hold" grpId="0" nodeType="withEffect">
-                                  <p:stCondLst>
-                                    <p:cond delay="0"/>
-                                  </p:stCondLst>
-                                  <p:childTnLst>
-                                    <p:set>
-                                      <p:cBhvr>
-                                        <p:cTn id="30" dur="1" fill="hold">
-                                          <p:stCondLst>
-                                            <p:cond delay="0"/>
-                                          </p:stCondLst>
-                                        </p:cTn>
-                                        <p:tgtEl>
-                                          <p:spTgt spid="6"/>
-                                        </p:tgtEl>
-                                        <p:attrNameLst>
-                                          <p:attrName>style.visibility</p:attrName>
-                                        </p:attrNameLst>
-                                      </p:cBhvr>
-                                      <p:to>
-                                        <p:strVal val="visible"/>
-                                      </p:to>
-                                    </p:set>
-                                  </p:childTnLst>
-                                </p:cTn>
-                              </p:par>
-                              <p:par>
-                                <p:cTn id="31" presetID="1" presetClass="entr" presetSubtype="0" fill="hold" grpId="0" nodeType="withEffect">
-                                  <p:stCondLst>
-                                    <p:cond delay="0"/>
-                                  </p:stCondLst>
-                                  <p:childTnLst>
-                                    <p:set>
-                                      <p:cBhvr>
-                                        <p:cTn id="32" dur="1" fill="hold">
-                                          <p:stCondLst>
-                                            <p:cond delay="0"/>
-                                          </p:stCondLst>
-                                        </p:cTn>
-                                        <p:tgtEl>
-                                          <p:spTgt spid="8"/>
-                                        </p:tgtEl>
-                                        <p:attrNameLst>
-                                          <p:attrName>style.visibility</p:attrName>
-                                        </p:attrNameLst>
-                                      </p:cBhvr>
-                                      <p:to>
-                                        <p:strVal val="visible"/>
-                                      </p:to>
-                                    </p:set>
-                                  </p:childTnLst>
-                                </p:cTn>
-                              </p:par>
-                              <p:par>
-                                <p:cTn id="33" presetID="1" presetClass="entr" presetSubtype="0" fill="hold" grpId="0" nodeType="withEffect">
-                                  <p:stCondLst>
-                                    <p:cond delay="0"/>
-                                  </p:stCondLst>
-                                  <p:childTnLst>
-                                    <p:set>
-                                      <p:cBhvr>
-                                        <p:cTn id="34" dur="1" fill="hold">
-                                          <p:stCondLst>
-                                            <p:cond delay="0"/>
-                                          </p:stCondLst>
-                                        </p:cTn>
-                                        <p:tgtEl>
-                                          <p:spTgt spid="9"/>
-                                        </p:tgtEl>
-                                        <p:attrNameLst>
-                                          <p:attrName>style.visibility</p:attrName>
-                                        </p:attrNameLst>
-                                      </p:cBhvr>
-                                      <p:to>
-                                        <p:strVal val="visible"/>
-                                      </p:to>
-                                    </p:set>
-                                  </p:childTnLst>
-                                </p:cTn>
-                              </p:par>
-                              <p:par>
-                                <p:cTn id="35" presetID="1" presetClass="entr" presetSubtype="0" fill="hold" grpId="0" nodeType="withEffect">
-                                  <p:stCondLst>
-                                    <p:cond delay="0"/>
-                                  </p:stCondLst>
-                                  <p:childTnLst>
-                                    <p:set>
-                                      <p:cBhvr>
-                                        <p:cTn id="36" dur="1" fill="hold">
-                                          <p:stCondLst>
-                                            <p:cond delay="0"/>
-                                          </p:stCondLst>
-                                        </p:cTn>
-                                        <p:tgtEl>
-                                          <p:spTgt spid="139"/>
-                                        </p:tgtEl>
-                                        <p:attrNameLst>
-                                          <p:attrName>style.visibility</p:attrName>
-                                        </p:attrNameLst>
-                                      </p:cBhvr>
-                                      <p:to>
-                                        <p:strVal val="visible"/>
-                                      </p:to>
-                                    </p:set>
-                                  </p:childTnLst>
-                                </p:cTn>
-                              </p:par>
-                            </p:childTnLst>
-                          </p:cTn>
-                        </p:par>
-                      </p:childTnLst>
-                    </p:cTn>
-                  </p:par>
-                  <p:par>
-                    <p:cTn id="37" fill="hold">
-                      <p:stCondLst>
-                        <p:cond delay="indefinite"/>
-                      </p:stCondLst>
-                      <p:childTnLst>
-                        <p:par>
-                          <p:cTn id="38" fill="hold">
-                            <p:stCondLst>
-                              <p:cond delay="0"/>
-                            </p:stCondLst>
-                            <p:childTnLst>
-                              <p:par>
-                                <p:cTn id="39" presetID="1" presetClass="entr" presetSubtype="0" fill="hold" nodeType="clickEffect">
-                                  <p:stCondLst>
-                                    <p:cond delay="0"/>
-                                  </p:stCondLst>
-                                  <p:childTnLst>
-                                    <p:set>
-                                      <p:cBhvr>
-                                        <p:cTn id="40" dur="1" fill="hold">
+                                        <p:cTn id="38" dur="1" fill="hold">
                                           <p:stCondLst>
                                             <p:cond delay="0"/>
                                           </p:stCondLst>
@@ -17595,14 +18907,14 @@
                                 </p:cTn>
                               </p:par>
                               <p:par>
-                                <p:cTn id="41" presetID="1" presetClass="entr" presetSubtype="0" fill="hold" nodeType="withEffect">
+                                <p:cTn id="39" presetID="1" presetClass="entr" presetSubtype="0" fill="hold" nodeType="withEffect">
                                   <p:stCondLst>
                                     <p:cond delay="0"/>
                                   </p:stCondLst>
                                   <p:childTnLst>
                                     <p:set>
                                       <p:cBhvr>
-                                        <p:cTn id="42" dur="1" fill="hold">
+                                        <p:cTn id="40" dur="1" fill="hold">
                                           <p:stCondLst>
                                             <p:cond delay="0"/>
                                           </p:stCondLst>
@@ -17628,26 +18940,26 @@
                     </p:cTn>
                   </p:par>
                   <p:par>
-                    <p:cTn id="43" fill="hold">
+                    <p:cTn id="41" fill="hold">
                       <p:stCondLst>
                         <p:cond delay="indefinite"/>
                       </p:stCondLst>
                       <p:childTnLst>
                         <p:par>
-                          <p:cTn id="44" fill="hold">
+                          <p:cTn id="42" fill="hold">
                             <p:stCondLst>
                               <p:cond delay="0"/>
                             </p:stCondLst>
                             <p:childTnLst>
                               <p:par>
-                                <p:cTn id="45" presetID="1" presetClass="entr" presetSubtype="0" fill="hold" grpId="0" nodeType="clickEffect">
+                                <p:cTn id="43" presetID="1" presetClass="entr" presetSubtype="0" fill="hold" grpId="0" nodeType="clickEffect">
                                   <p:stCondLst>
                                     <p:cond delay="0"/>
                                   </p:stCondLst>
                                   <p:childTnLst>
                                     <p:set>
                                       <p:cBhvr>
-                                        <p:cTn id="46" dur="1" fill="hold">
+                                        <p:cTn id="44" dur="1" fill="hold">
                                           <p:stCondLst>
                                             <p:cond delay="0"/>
                                           </p:stCondLst>
@@ -17673,19 +18985,46 @@
                     </p:cTn>
                   </p:par>
                   <p:par>
-                    <p:cTn id="47" fill="hold">
+                    <p:cTn id="45" fill="hold">
                       <p:stCondLst>
                         <p:cond delay="indefinite"/>
                       </p:stCondLst>
                       <p:childTnLst>
                         <p:par>
-                          <p:cTn id="48" fill="hold">
+                          <p:cTn id="46" fill="hold">
                             <p:stCondLst>
                               <p:cond delay="0"/>
                             </p:stCondLst>
                             <p:childTnLst>
                               <p:par>
-                                <p:cTn id="49" presetID="1" presetClass="entr" presetSubtype="0" fill="hold" grpId="0" nodeType="clickEffect">
+                                <p:cTn id="47" presetID="1" presetClass="entr" presetSubtype="0" fill="hold" grpId="0" nodeType="clickEffect">
+                                  <p:stCondLst>
+                                    <p:cond delay="0"/>
+                                  </p:stCondLst>
+                                  <p:childTnLst>
+                                    <p:set>
+                                      <p:cBhvr>
+                                        <p:cTn id="48" dur="1" fill="hold">
+                                          <p:stCondLst>
+                                            <p:cond delay="0"/>
+                                          </p:stCondLst>
+                                        </p:cTn>
+                                        <p:tgtEl>
+                                          <p:spTgt spid="10"/>
+                                        </p:tgtEl>
+                                        <p:attrNameLst>
+                                          <p:attrName>style.visibility</p:attrName>
+                                        </p:attrNameLst>
+                                      </p:cBhvr>
+                                      <p:to>
+                                        <p:strVal val="visible"/>
+                                      </p:to>
+                                    </p:set>
+                                  </p:childTnLst>
+                                </p:cTn>
+                              </p:par>
+                              <p:par>
+                                <p:cTn id="49" presetID="1" presetClass="entr" presetSubtype="0" fill="hold" grpId="0" nodeType="withEffect">
                                   <p:stCondLst>
                                     <p:cond delay="0"/>
                                   </p:stCondLst>
@@ -17698,7 +19037,7 @@
                                           </p:stCondLst>
                                         </p:cTn>
                                         <p:tgtEl>
-                                          <p:spTgt spid="10"/>
+                                          <p:spTgt spid="11"/>
                                         </p:tgtEl>
                                         <p:attrNameLst>
                                           <p:attrName>style.visibility</p:attrName>
@@ -17725,7 +19064,7 @@
                                           </p:stCondLst>
                                         </p:cTn>
                                         <p:tgtEl>
-                                          <p:spTgt spid="11"/>
+                                          <p:spTgt spid="12"/>
                                         </p:tgtEl>
                                         <p:attrNameLst>
                                           <p:attrName>style.visibility</p:attrName>
@@ -17752,7 +19091,7 @@
                                           </p:stCondLst>
                                         </p:cTn>
                                         <p:tgtEl>
-                                          <p:spTgt spid="12"/>
+                                          <p:spTgt spid="13"/>
                                         </p:tgtEl>
                                         <p:attrNameLst>
                                           <p:attrName>style.visibility</p:attrName>
@@ -17779,7 +19118,7 @@
                                           </p:stCondLst>
                                         </p:cTn>
                                         <p:tgtEl>
-                                          <p:spTgt spid="13"/>
+                                          <p:spTgt spid="14"/>
                                         </p:tgtEl>
                                         <p:attrNameLst>
                                           <p:attrName>style.visibility</p:attrName>
@@ -17806,7 +19145,7 @@
                                           </p:stCondLst>
                                         </p:cTn>
                                         <p:tgtEl>
-                                          <p:spTgt spid="14"/>
+                                          <p:spTgt spid="35"/>
                                         </p:tgtEl>
                                         <p:attrNameLst>
                                           <p:attrName>style.visibility</p:attrName>
@@ -17833,7 +19172,7 @@
                                           </p:stCondLst>
                                         </p:cTn>
                                         <p:tgtEl>
-                                          <p:spTgt spid="35"/>
+                                          <p:spTgt spid="36"/>
                                         </p:tgtEl>
                                         <p:attrNameLst>
                                           <p:attrName>style.visibility</p:attrName>
@@ -17860,7 +19199,7 @@
                                           </p:stCondLst>
                                         </p:cTn>
                                         <p:tgtEl>
-                                          <p:spTgt spid="36"/>
+                                          <p:spTgt spid="37"/>
                                         </p:tgtEl>
                                         <p:attrNameLst>
                                           <p:attrName>style.visibility</p:attrName>
@@ -17887,7 +19226,7 @@
                                           </p:stCondLst>
                                         </p:cTn>
                                         <p:tgtEl>
-                                          <p:spTgt spid="37"/>
+                                          <p:spTgt spid="38"/>
                                         </p:tgtEl>
                                         <p:attrNameLst>
                                           <p:attrName>style.visibility</p:attrName>
@@ -17914,7 +19253,7 @@
                                           </p:stCondLst>
                                         </p:cTn>
                                         <p:tgtEl>
-                                          <p:spTgt spid="38"/>
+                                          <p:spTgt spid="39"/>
                                         </p:tgtEl>
                                         <p:attrNameLst>
                                           <p:attrName>style.visibility</p:attrName>
@@ -17941,7 +19280,7 @@
                                           </p:stCondLst>
                                         </p:cTn>
                                         <p:tgtEl>
-                                          <p:spTgt spid="39"/>
+                                          <p:spTgt spid="40"/>
                                         </p:tgtEl>
                                         <p:attrNameLst>
                                           <p:attrName>style.visibility</p:attrName>
@@ -17968,7 +19307,7 @@
                                           </p:stCondLst>
                                         </p:cTn>
                                         <p:tgtEl>
-                                          <p:spTgt spid="40"/>
+                                          <p:spTgt spid="41"/>
                                         </p:tgtEl>
                                         <p:attrNameLst>
                                           <p:attrName>style.visibility</p:attrName>
@@ -17995,7 +19334,7 @@
                                           </p:stCondLst>
                                         </p:cTn>
                                         <p:tgtEl>
-                                          <p:spTgt spid="41"/>
+                                          <p:spTgt spid="42"/>
                                         </p:tgtEl>
                                         <p:attrNameLst>
                                           <p:attrName>style.visibility</p:attrName>
@@ -18022,7 +19361,7 @@
                                           </p:stCondLst>
                                         </p:cTn>
                                         <p:tgtEl>
-                                          <p:spTgt spid="42"/>
+                                          <p:spTgt spid="43"/>
                                         </p:tgtEl>
                                         <p:attrNameLst>
                                           <p:attrName>style.visibility</p:attrName>
@@ -18049,7 +19388,7 @@
                                           </p:stCondLst>
                                         </p:cTn>
                                         <p:tgtEl>
-                                          <p:spTgt spid="43"/>
+                                          <p:spTgt spid="44"/>
                                         </p:tgtEl>
                                         <p:attrNameLst>
                                           <p:attrName>style.visibility</p:attrName>
@@ -18076,7 +19415,7 @@
                                           </p:stCondLst>
                                         </p:cTn>
                                         <p:tgtEl>
-                                          <p:spTgt spid="44"/>
+                                          <p:spTgt spid="45"/>
                                         </p:tgtEl>
                                         <p:attrNameLst>
                                           <p:attrName>style.visibility</p:attrName>
@@ -18103,7 +19442,7 @@
                                           </p:stCondLst>
                                         </p:cTn>
                                         <p:tgtEl>
-                                          <p:spTgt spid="45"/>
+                                          <p:spTgt spid="46"/>
                                         </p:tgtEl>
                                         <p:attrNameLst>
                                           <p:attrName>style.visibility</p:attrName>
@@ -18130,7 +19469,7 @@
                                           </p:stCondLst>
                                         </p:cTn>
                                         <p:tgtEl>
-                                          <p:spTgt spid="46"/>
+                                          <p:spTgt spid="47"/>
                                         </p:tgtEl>
                                         <p:attrNameLst>
                                           <p:attrName>style.visibility</p:attrName>
@@ -18157,7 +19496,7 @@
                                           </p:stCondLst>
                                         </p:cTn>
                                         <p:tgtEl>
-                                          <p:spTgt spid="47"/>
+                                          <p:spTgt spid="48"/>
                                         </p:tgtEl>
                                         <p:attrNameLst>
                                           <p:attrName>style.visibility</p:attrName>
@@ -18184,7 +19523,7 @@
                                           </p:stCondLst>
                                         </p:cTn>
                                         <p:tgtEl>
-                                          <p:spTgt spid="48"/>
+                                          <p:spTgt spid="49"/>
                                         </p:tgtEl>
                                         <p:attrNameLst>
                                           <p:attrName>style.visibility</p:attrName>
@@ -18211,7 +19550,7 @@
                                           </p:stCondLst>
                                         </p:cTn>
                                         <p:tgtEl>
-                                          <p:spTgt spid="49"/>
+                                          <p:spTgt spid="50"/>
                                         </p:tgtEl>
                                         <p:attrNameLst>
                                           <p:attrName>style.visibility</p:attrName>
@@ -18238,7 +19577,7 @@
                                           </p:stCondLst>
                                         </p:cTn>
                                         <p:tgtEl>
-                                          <p:spTgt spid="50"/>
+                                          <p:spTgt spid="51"/>
                                         </p:tgtEl>
                                         <p:attrNameLst>
                                           <p:attrName>style.visibility</p:attrName>
@@ -18265,7 +19604,7 @@
                                           </p:stCondLst>
                                         </p:cTn>
                                         <p:tgtEl>
-                                          <p:spTgt spid="51"/>
+                                          <p:spTgt spid="52"/>
                                         </p:tgtEl>
                                         <p:attrNameLst>
                                           <p:attrName>style.visibility</p:attrName>
@@ -18292,7 +19631,7 @@
                                           </p:stCondLst>
                                         </p:cTn>
                                         <p:tgtEl>
-                                          <p:spTgt spid="52"/>
+                                          <p:spTgt spid="53"/>
                                         </p:tgtEl>
                                         <p:attrNameLst>
                                           <p:attrName>style.visibility</p:attrName>
@@ -18319,7 +19658,7 @@
                                           </p:stCondLst>
                                         </p:cTn>
                                         <p:tgtEl>
-                                          <p:spTgt spid="53"/>
+                                          <p:spTgt spid="54"/>
                                         </p:tgtEl>
                                         <p:attrNameLst>
                                           <p:attrName>style.visibility</p:attrName>
@@ -18333,7 +19672,7 @@
                                 </p:cTn>
                               </p:par>
                               <p:par>
-                                <p:cTn id="97" presetID="1" presetClass="entr" presetSubtype="0" fill="hold" grpId="0" nodeType="withEffect">
+                                <p:cTn id="97" presetID="1" presetClass="entr" presetSubtype="0" fill="hold" nodeType="withEffect">
                                   <p:stCondLst>
                                     <p:cond delay="0"/>
                                   </p:stCondLst>
@@ -18346,7 +19685,7 @@
                                           </p:stCondLst>
                                         </p:cTn>
                                         <p:tgtEl>
-                                          <p:spTgt spid="54"/>
+                                          <p:spTgt spid="87"/>
                                         </p:tgtEl>
                                         <p:attrNameLst>
                                           <p:attrName>style.visibility</p:attrName>
@@ -18373,7 +19712,7 @@
                                           </p:stCondLst>
                                         </p:cTn>
                                         <p:tgtEl>
-                                          <p:spTgt spid="87"/>
+                                          <p:spTgt spid="91"/>
                                         </p:tgtEl>
                                         <p:attrNameLst>
                                           <p:attrName>style.visibility</p:attrName>
@@ -18400,7 +19739,7 @@
                                           </p:stCondLst>
                                         </p:cTn>
                                         <p:tgtEl>
-                                          <p:spTgt spid="91"/>
+                                          <p:spTgt spid="93"/>
                                         </p:tgtEl>
                                         <p:attrNameLst>
                                           <p:attrName>style.visibility</p:attrName>
@@ -18427,7 +19766,7 @@
                                           </p:stCondLst>
                                         </p:cTn>
                                         <p:tgtEl>
-                                          <p:spTgt spid="93"/>
+                                          <p:spTgt spid="95"/>
                                         </p:tgtEl>
                                         <p:attrNameLst>
                                           <p:attrName>style.visibility</p:attrName>
@@ -18454,7 +19793,7 @@
                                           </p:stCondLst>
                                         </p:cTn>
                                         <p:tgtEl>
-                                          <p:spTgt spid="95"/>
+                                          <p:spTgt spid="97"/>
                                         </p:tgtEl>
                                         <p:attrNameLst>
                                           <p:attrName>style.visibility</p:attrName>
@@ -18481,7 +19820,7 @@
                                           </p:stCondLst>
                                         </p:cTn>
                                         <p:tgtEl>
-                                          <p:spTgt spid="97"/>
+                                          <p:spTgt spid="99"/>
                                         </p:tgtEl>
                                         <p:attrNameLst>
                                           <p:attrName>style.visibility</p:attrName>
@@ -18508,7 +19847,7 @@
                                           </p:stCondLst>
                                         </p:cTn>
                                         <p:tgtEl>
-                                          <p:spTgt spid="99"/>
+                                          <p:spTgt spid="101"/>
                                         </p:tgtEl>
                                         <p:attrNameLst>
                                           <p:attrName>style.visibility</p:attrName>
@@ -18535,7 +19874,7 @@
                                           </p:stCondLst>
                                         </p:cTn>
                                         <p:tgtEl>
-                                          <p:spTgt spid="101"/>
+                                          <p:spTgt spid="103"/>
                                         </p:tgtEl>
                                         <p:attrNameLst>
                                           <p:attrName>style.visibility</p:attrName>
@@ -18562,7 +19901,7 @@
                                           </p:stCondLst>
                                         </p:cTn>
                                         <p:tgtEl>
-                                          <p:spTgt spid="103"/>
+                                          <p:spTgt spid="105"/>
                                         </p:tgtEl>
                                         <p:attrNameLst>
                                           <p:attrName>style.visibility</p:attrName>
@@ -18589,7 +19928,7 @@
                                           </p:stCondLst>
                                         </p:cTn>
                                         <p:tgtEl>
-                                          <p:spTgt spid="105"/>
+                                          <p:spTgt spid="107"/>
                                         </p:tgtEl>
                                         <p:attrNameLst>
                                           <p:attrName>style.visibility</p:attrName>
@@ -18616,7 +19955,7 @@
                                           </p:stCondLst>
                                         </p:cTn>
                                         <p:tgtEl>
-                                          <p:spTgt spid="107"/>
+                                          <p:spTgt spid="109"/>
                                         </p:tgtEl>
                                         <p:attrNameLst>
                                           <p:attrName>style.visibility</p:attrName>
@@ -18643,7 +19982,7 @@
                                           </p:stCondLst>
                                         </p:cTn>
                                         <p:tgtEl>
-                                          <p:spTgt spid="109"/>
+                                          <p:spTgt spid="111"/>
                                         </p:tgtEl>
                                         <p:attrNameLst>
                                           <p:attrName>style.visibility</p:attrName>
@@ -18670,7 +20009,7 @@
                                           </p:stCondLst>
                                         </p:cTn>
                                         <p:tgtEl>
-                                          <p:spTgt spid="111"/>
+                                          <p:spTgt spid="113"/>
                                         </p:tgtEl>
                                         <p:attrNameLst>
                                           <p:attrName>style.visibility</p:attrName>
@@ -18697,7 +20036,7 @@
                                           </p:stCondLst>
                                         </p:cTn>
                                         <p:tgtEl>
-                                          <p:spTgt spid="113"/>
+                                          <p:spTgt spid="115"/>
                                         </p:tgtEl>
                                         <p:attrNameLst>
                                           <p:attrName>style.visibility</p:attrName>
@@ -18724,7 +20063,7 @@
                                           </p:stCondLst>
                                         </p:cTn>
                                         <p:tgtEl>
-                                          <p:spTgt spid="115"/>
+                                          <p:spTgt spid="117"/>
                                         </p:tgtEl>
                                         <p:attrNameLst>
                                           <p:attrName>style.visibility</p:attrName>
@@ -18751,7 +20090,7 @@
                                           </p:stCondLst>
                                         </p:cTn>
                                         <p:tgtEl>
-                                          <p:spTgt spid="117"/>
+                                          <p:spTgt spid="119"/>
                                         </p:tgtEl>
                                         <p:attrNameLst>
                                           <p:attrName>style.visibility</p:attrName>
@@ -18778,7 +20117,7 @@
                                           </p:stCondLst>
                                         </p:cTn>
                                         <p:tgtEl>
-                                          <p:spTgt spid="119"/>
+                                          <p:spTgt spid="121"/>
                                         </p:tgtEl>
                                         <p:attrNameLst>
                                           <p:attrName>style.visibility</p:attrName>
@@ -18805,7 +20144,7 @@
                                           </p:stCondLst>
                                         </p:cTn>
                                         <p:tgtEl>
-                                          <p:spTgt spid="121"/>
+                                          <p:spTgt spid="123"/>
                                         </p:tgtEl>
                                         <p:attrNameLst>
                                           <p:attrName>style.visibility</p:attrName>
@@ -18832,7 +20171,7 @@
                                           </p:stCondLst>
                                         </p:cTn>
                                         <p:tgtEl>
-                                          <p:spTgt spid="123"/>
+                                          <p:spTgt spid="125"/>
                                         </p:tgtEl>
                                         <p:attrNameLst>
                                           <p:attrName>style.visibility</p:attrName>
@@ -18859,7 +20198,7 @@
                                           </p:stCondLst>
                                         </p:cTn>
                                         <p:tgtEl>
-                                          <p:spTgt spid="125"/>
+                                          <p:spTgt spid="127"/>
                                         </p:tgtEl>
                                         <p:attrNameLst>
                                           <p:attrName>style.visibility</p:attrName>
@@ -18886,7 +20225,7 @@
                                           </p:stCondLst>
                                         </p:cTn>
                                         <p:tgtEl>
-                                          <p:spTgt spid="127"/>
+                                          <p:spTgt spid="129"/>
                                         </p:tgtEl>
                                         <p:attrNameLst>
                                           <p:attrName>style.visibility</p:attrName>
@@ -18913,7 +20252,7 @@
                                           </p:stCondLst>
                                         </p:cTn>
                                         <p:tgtEl>
-                                          <p:spTgt spid="129"/>
+                                          <p:spTgt spid="131"/>
                                         </p:tgtEl>
                                         <p:attrNameLst>
                                           <p:attrName>style.visibility</p:attrName>
@@ -18940,7 +20279,7 @@
                                           </p:stCondLst>
                                         </p:cTn>
                                         <p:tgtEl>
-                                          <p:spTgt spid="131"/>
+                                          <p:spTgt spid="133"/>
                                         </p:tgtEl>
                                         <p:attrNameLst>
                                           <p:attrName>style.visibility</p:attrName>
@@ -18967,7 +20306,7 @@
                                           </p:stCondLst>
                                         </p:cTn>
                                         <p:tgtEl>
-                                          <p:spTgt spid="133"/>
+                                          <p:spTgt spid="136"/>
                                         </p:tgtEl>
                                         <p:attrNameLst>
                                           <p:attrName>style.visibility</p:attrName>
@@ -18994,33 +20333,6 @@
                                           </p:stCondLst>
                                         </p:cTn>
                                         <p:tgtEl>
-                                          <p:spTgt spid="136"/>
-                                        </p:tgtEl>
-                                        <p:attrNameLst>
-                                          <p:attrName>style.visibility</p:attrName>
-                                        </p:attrNameLst>
-                                      </p:cBhvr>
-                                      <p:to>
-                                        <p:strVal val="visible"/>
-                                      </p:to>
-                                    </p:set>
-                                  </p:childTnLst>
-                                </p:cTn>
-                              </p:par>
-                              <p:par>
-                                <p:cTn id="147" presetID="1" presetClass="entr" presetSubtype="0" fill="hold" nodeType="withEffect">
-                                  <p:stCondLst>
-                                    <p:cond delay="0"/>
-                                  </p:stCondLst>
-                                  <p:childTnLst>
-                                    <p:set>
-                                      <p:cBhvr>
-                                        <p:cTn id="148" dur="1" fill="hold">
-                                          <p:stCondLst>
-                                            <p:cond delay="0"/>
-                                          </p:stCondLst>
-                                        </p:cTn>
-                                        <p:tgtEl>
                                           <p:spTgt spid="138"/>
                                         </p:tgtEl>
                                         <p:attrNameLst>
@@ -19035,14 +20347,14 @@
                                 </p:cTn>
                               </p:par>
                               <p:par>
-                                <p:cTn id="149" presetID="1" presetClass="entr" presetSubtype="0" fill="hold" grpId="0" nodeType="withEffect">
+                                <p:cTn id="147" presetID="1" presetClass="entr" presetSubtype="0" fill="hold" grpId="0" nodeType="withEffect">
                                   <p:stCondLst>
                                     <p:cond delay="0"/>
                                   </p:stCondLst>
                                   <p:childTnLst>
                                     <p:set>
                                       <p:cBhvr>
-                                        <p:cTn id="150" dur="1" fill="hold">
+                                        <p:cTn id="148" dur="1" fill="hold">
                                           <p:stCondLst>
                                             <p:cond delay="0"/>
                                           </p:stCondLst>
@@ -19178,14 +20490,14 @@
             <p:ph sz="half" idx="1"/>
             <p:extLst>
               <p:ext uri="{D42A27DB-BD31-4B8C-83A1-F6EECF244321}">
-                <p14:modId xmlns:p14="http://schemas.microsoft.com/office/powerpoint/2010/main" val="1395318862"/>
+                <p14:modId xmlns:p14="http://schemas.microsoft.com/office/powerpoint/2010/main" val="3487651126"/>
               </p:ext>
             </p:extLst>
           </p:nvPr>
         </p:nvGraphicFramePr>
         <p:xfrm>
           <a:off x="2152650" y="1825625"/>
-          <a:ext cx="3546840" cy="4745108"/>
+          <a:ext cx="3886200" cy="4351338"/>
         </p:xfrm>
         <a:graphic>
           <a:graphicData uri="http://schemas.openxmlformats.org/drawingml/2006/chart">
@@ -19203,14 +20515,14 @@
             <p:ph sz="half" idx="2"/>
             <p:extLst>
               <p:ext uri="{D42A27DB-BD31-4B8C-83A1-F6EECF244321}">
-                <p14:modId xmlns:p14="http://schemas.microsoft.com/office/powerpoint/2010/main" val="1879272765"/>
+                <p14:modId xmlns:p14="http://schemas.microsoft.com/office/powerpoint/2010/main" val="3352967127"/>
               </p:ext>
             </p:extLst>
           </p:nvPr>
         </p:nvGraphicFramePr>
         <p:xfrm>
           <a:off x="6153150" y="1825624"/>
-          <a:ext cx="3886200" cy="5032376"/>
+          <a:ext cx="3886200" cy="4810068"/>
         </p:xfrm>
         <a:graphic>
           <a:graphicData uri="http://schemas.openxmlformats.org/drawingml/2006/chart">
@@ -19218,6 +20530,75 @@
           </a:graphicData>
         </a:graphic>
       </p:graphicFrame>
+      <p:sp>
+        <p:nvSpPr>
+          <p:cNvPr id="2" name="Datumsplatzhalter 1"/>
+          <p:cNvSpPr>
+            <a:spLocks noGrp="1"/>
+          </p:cNvSpPr>
+          <p:nvPr>
+            <p:ph type="dt" sz="half" idx="10"/>
+          </p:nvPr>
+        </p:nvSpPr>
+        <p:spPr/>
+        <p:txBody>
+          <a:bodyPr/>
+          <a:lstStyle/>
+          <a:p>
+            <a:r>
+              <a:rPr lang="de-DE" smtClean="0"/>
+              <a:t>11.09.2015</a:t>
+            </a:r>
+            <a:endParaRPr lang="de-DE"/>
+          </a:p>
+        </p:txBody>
+      </p:sp>
+      <p:sp>
+        <p:nvSpPr>
+          <p:cNvPr id="3" name="Fußzeilenplatzhalter 2"/>
+          <p:cNvSpPr>
+            <a:spLocks noGrp="1"/>
+          </p:cNvSpPr>
+          <p:nvPr>
+            <p:ph type="ftr" sz="quarter" idx="11"/>
+          </p:nvPr>
+        </p:nvSpPr>
+        <p:spPr/>
+        <p:txBody>
+          <a:bodyPr/>
+          <a:lstStyle/>
+          <a:p>
+            <a:r>
+              <a:rPr lang="de-DE" smtClean="0"/>
+              <a:t>Ruben Müller</a:t>
+            </a:r>
+            <a:endParaRPr lang="de-DE"/>
+          </a:p>
+        </p:txBody>
+      </p:sp>
+      <p:sp>
+        <p:nvSpPr>
+          <p:cNvPr id="5" name="Foliennummernplatzhalter 4"/>
+          <p:cNvSpPr>
+            <a:spLocks noGrp="1"/>
+          </p:cNvSpPr>
+          <p:nvPr>
+            <p:ph type="sldNum" sz="quarter" idx="12"/>
+          </p:nvPr>
+        </p:nvSpPr>
+        <p:spPr/>
+        <p:txBody>
+          <a:bodyPr/>
+          <a:lstStyle/>
+          <a:p>
+            <a:fld id="{92E72EEA-0FBC-4AC8-BDD5-33722D577734}" type="slidenum">
+              <a:rPr lang="de-DE" smtClean="0"/>
+              <a:t>18</a:t>
+            </a:fld>
+            <a:endParaRPr lang="de-DE"/>
+          </a:p>
+        </p:txBody>
+      </p:sp>
     </p:spTree>
     <p:extLst>
       <p:ext uri="{BB962C8B-B14F-4D97-AF65-F5344CB8AC3E}">
@@ -19391,7 +20772,7 @@
             <p:ph sz="half" idx="1"/>
             <p:extLst>
               <p:ext uri="{D42A27DB-BD31-4B8C-83A1-F6EECF244321}">
-                <p14:modId xmlns:p14="http://schemas.microsoft.com/office/powerpoint/2010/main" val="793204801"/>
+                <p14:modId xmlns:p14="http://schemas.microsoft.com/office/powerpoint/2010/main" val="602294395"/>
               </p:ext>
             </p:extLst>
           </p:nvPr>
@@ -19431,6 +20812,75 @@
           </a:graphicData>
         </a:graphic>
       </p:graphicFrame>
+      <p:sp>
+        <p:nvSpPr>
+          <p:cNvPr id="3" name="Datumsplatzhalter 2"/>
+          <p:cNvSpPr>
+            <a:spLocks noGrp="1"/>
+          </p:cNvSpPr>
+          <p:nvPr>
+            <p:ph type="dt" sz="half" idx="10"/>
+          </p:nvPr>
+        </p:nvSpPr>
+        <p:spPr/>
+        <p:txBody>
+          <a:bodyPr/>
+          <a:lstStyle/>
+          <a:p>
+            <a:r>
+              <a:rPr lang="de-DE" smtClean="0"/>
+              <a:t>11.09.2015</a:t>
+            </a:r>
+            <a:endParaRPr lang="de-DE"/>
+          </a:p>
+        </p:txBody>
+      </p:sp>
+      <p:sp>
+        <p:nvSpPr>
+          <p:cNvPr id="4" name="Fußzeilenplatzhalter 3"/>
+          <p:cNvSpPr>
+            <a:spLocks noGrp="1"/>
+          </p:cNvSpPr>
+          <p:nvPr>
+            <p:ph type="ftr" sz="quarter" idx="11"/>
+          </p:nvPr>
+        </p:nvSpPr>
+        <p:spPr/>
+        <p:txBody>
+          <a:bodyPr/>
+          <a:lstStyle/>
+          <a:p>
+            <a:r>
+              <a:rPr lang="de-DE" smtClean="0"/>
+              <a:t>Ruben Müller</a:t>
+            </a:r>
+            <a:endParaRPr lang="de-DE"/>
+          </a:p>
+        </p:txBody>
+      </p:sp>
+      <p:sp>
+        <p:nvSpPr>
+          <p:cNvPr id="5" name="Foliennummernplatzhalter 4"/>
+          <p:cNvSpPr>
+            <a:spLocks noGrp="1"/>
+          </p:cNvSpPr>
+          <p:nvPr>
+            <p:ph type="sldNum" sz="quarter" idx="12"/>
+          </p:nvPr>
+        </p:nvSpPr>
+        <p:spPr/>
+        <p:txBody>
+          <a:bodyPr/>
+          <a:lstStyle/>
+          <a:p>
+            <a:fld id="{92E72EEA-0FBC-4AC8-BDD5-33722D577734}" type="slidenum">
+              <a:rPr lang="de-DE" smtClean="0"/>
+              <a:t>19</a:t>
+            </a:fld>
+            <a:endParaRPr lang="de-DE"/>
+          </a:p>
+        </p:txBody>
+      </p:sp>
     </p:spTree>
     <p:extLst>
       <p:ext uri="{BB962C8B-B14F-4D97-AF65-F5344CB8AC3E}">
@@ -19606,9 +21056,132 @@
         </p:nvSpPr>
         <p:spPr/>
         <p:txBody>
+          <a:bodyPr>
+            <a:normAutofit/>
+          </a:bodyPr>
+          <a:lstStyle/>
+          <a:p>
+            <a:r>
+              <a:rPr lang="de-DE" dirty="0" smtClean="0"/>
+              <a:t>Motivation </a:t>
+            </a:r>
+            <a:r>
+              <a:rPr lang="de-DE" dirty="0"/>
+              <a:t>und Problemstellung</a:t>
+            </a:r>
+          </a:p>
+          <a:p>
+            <a:r>
+              <a:rPr lang="de-DE" dirty="0"/>
+              <a:t>Word2Vec</a:t>
+            </a:r>
+          </a:p>
+          <a:p>
+            <a:r>
+              <a:rPr lang="de-DE" dirty="0" smtClean="0"/>
+              <a:t>Daten </a:t>
+            </a:r>
+            <a:r>
+              <a:rPr lang="de-DE" dirty="0"/>
+              <a:t>und Vorverarbeitung</a:t>
+            </a:r>
+          </a:p>
+          <a:p>
+            <a:r>
+              <a:rPr lang="de-DE" dirty="0"/>
+              <a:t>Wikipedia-Korpus</a:t>
+            </a:r>
+          </a:p>
+          <a:p>
+            <a:r>
+              <a:rPr lang="de-DE" dirty="0" smtClean="0"/>
+              <a:t>Experimente</a:t>
+            </a:r>
+            <a:endParaRPr lang="de-DE" dirty="0"/>
+          </a:p>
+          <a:p>
+            <a:r>
+              <a:rPr lang="de-DE" dirty="0" smtClean="0"/>
+              <a:t>Fazit </a:t>
+            </a:r>
+            <a:r>
+              <a:rPr lang="de-DE" dirty="0"/>
+              <a:t>und Ausblick</a:t>
+            </a:r>
+          </a:p>
+          <a:p>
+            <a:pPr marL="0" indent="0">
+              <a:buNone/>
+            </a:pPr>
+            <a:endParaRPr lang="de-DE" dirty="0"/>
+          </a:p>
+        </p:txBody>
+      </p:sp>
+      <p:sp>
+        <p:nvSpPr>
+          <p:cNvPr id="4" name="Datumsplatzhalter 3"/>
+          <p:cNvSpPr>
+            <a:spLocks noGrp="1"/>
+          </p:cNvSpPr>
+          <p:nvPr>
+            <p:ph type="dt" sz="half" idx="10"/>
+          </p:nvPr>
+        </p:nvSpPr>
+        <p:spPr/>
+        <p:txBody>
           <a:bodyPr/>
           <a:lstStyle/>
           <a:p>
+            <a:r>
+              <a:rPr lang="de-DE" smtClean="0"/>
+              <a:t>11.09.2015</a:t>
+            </a:r>
+            <a:endParaRPr lang="de-DE"/>
+          </a:p>
+        </p:txBody>
+      </p:sp>
+      <p:sp>
+        <p:nvSpPr>
+          <p:cNvPr id="5" name="Fußzeilenplatzhalter 4"/>
+          <p:cNvSpPr>
+            <a:spLocks noGrp="1"/>
+          </p:cNvSpPr>
+          <p:nvPr>
+            <p:ph type="ftr" sz="quarter" idx="11"/>
+          </p:nvPr>
+        </p:nvSpPr>
+        <p:spPr/>
+        <p:txBody>
+          <a:bodyPr/>
+          <a:lstStyle/>
+          <a:p>
+            <a:r>
+              <a:rPr lang="de-DE" smtClean="0"/>
+              <a:t>Ruben Müller</a:t>
+            </a:r>
+            <a:endParaRPr lang="de-DE"/>
+          </a:p>
+        </p:txBody>
+      </p:sp>
+      <p:sp>
+        <p:nvSpPr>
+          <p:cNvPr id="6" name="Foliennummernplatzhalter 5"/>
+          <p:cNvSpPr>
+            <a:spLocks noGrp="1"/>
+          </p:cNvSpPr>
+          <p:nvPr>
+            <p:ph type="sldNum" sz="quarter" idx="12"/>
+          </p:nvPr>
+        </p:nvSpPr>
+        <p:spPr/>
+        <p:txBody>
+          <a:bodyPr/>
+          <a:lstStyle/>
+          <a:p>
+            <a:fld id="{92E72EEA-0FBC-4AC8-BDD5-33722D577734}" type="slidenum">
+              <a:rPr lang="de-DE" smtClean="0"/>
+              <a:t>2</a:t>
+            </a:fld>
             <a:endParaRPr lang="de-DE"/>
           </a:p>
         </p:txBody>
@@ -19723,6 +21296,75 @@
           </a:graphicData>
         </a:graphic>
       </p:graphicFrame>
+      <p:sp>
+        <p:nvSpPr>
+          <p:cNvPr id="3" name="Datumsplatzhalter 2"/>
+          <p:cNvSpPr>
+            <a:spLocks noGrp="1"/>
+          </p:cNvSpPr>
+          <p:nvPr>
+            <p:ph type="dt" sz="half" idx="10"/>
+          </p:nvPr>
+        </p:nvSpPr>
+        <p:spPr/>
+        <p:txBody>
+          <a:bodyPr/>
+          <a:lstStyle/>
+          <a:p>
+            <a:r>
+              <a:rPr lang="de-DE" smtClean="0"/>
+              <a:t>11.09.2015</a:t>
+            </a:r>
+            <a:endParaRPr lang="de-DE"/>
+          </a:p>
+        </p:txBody>
+      </p:sp>
+      <p:sp>
+        <p:nvSpPr>
+          <p:cNvPr id="4" name="Fußzeilenplatzhalter 3"/>
+          <p:cNvSpPr>
+            <a:spLocks noGrp="1"/>
+          </p:cNvSpPr>
+          <p:nvPr>
+            <p:ph type="ftr" sz="quarter" idx="11"/>
+          </p:nvPr>
+        </p:nvSpPr>
+        <p:spPr/>
+        <p:txBody>
+          <a:bodyPr/>
+          <a:lstStyle/>
+          <a:p>
+            <a:r>
+              <a:rPr lang="de-DE" smtClean="0"/>
+              <a:t>Ruben Müller</a:t>
+            </a:r>
+            <a:endParaRPr lang="de-DE"/>
+          </a:p>
+        </p:txBody>
+      </p:sp>
+      <p:sp>
+        <p:nvSpPr>
+          <p:cNvPr id="5" name="Foliennummernplatzhalter 4"/>
+          <p:cNvSpPr>
+            <a:spLocks noGrp="1"/>
+          </p:cNvSpPr>
+          <p:nvPr>
+            <p:ph type="sldNum" sz="quarter" idx="12"/>
+          </p:nvPr>
+        </p:nvSpPr>
+        <p:spPr/>
+        <p:txBody>
+          <a:bodyPr/>
+          <a:lstStyle/>
+          <a:p>
+            <a:fld id="{92E72EEA-0FBC-4AC8-BDD5-33722D577734}" type="slidenum">
+              <a:rPr lang="de-DE" smtClean="0"/>
+              <a:t>20</a:t>
+            </a:fld>
+            <a:endParaRPr lang="de-DE"/>
+          </a:p>
+        </p:txBody>
+      </p:sp>
     </p:spTree>
     <p:extLst>
       <p:ext uri="{BB962C8B-B14F-4D97-AF65-F5344CB8AC3E}">
@@ -19936,6 +21578,75 @@
           </a:graphicData>
         </a:graphic>
       </p:graphicFrame>
+      <p:sp>
+        <p:nvSpPr>
+          <p:cNvPr id="3" name="Datumsplatzhalter 2"/>
+          <p:cNvSpPr>
+            <a:spLocks noGrp="1"/>
+          </p:cNvSpPr>
+          <p:nvPr>
+            <p:ph type="dt" sz="half" idx="10"/>
+          </p:nvPr>
+        </p:nvSpPr>
+        <p:spPr/>
+        <p:txBody>
+          <a:bodyPr/>
+          <a:lstStyle/>
+          <a:p>
+            <a:r>
+              <a:rPr lang="de-DE" smtClean="0"/>
+              <a:t>11.09.2015</a:t>
+            </a:r>
+            <a:endParaRPr lang="de-DE"/>
+          </a:p>
+        </p:txBody>
+      </p:sp>
+      <p:sp>
+        <p:nvSpPr>
+          <p:cNvPr id="4" name="Fußzeilenplatzhalter 3"/>
+          <p:cNvSpPr>
+            <a:spLocks noGrp="1"/>
+          </p:cNvSpPr>
+          <p:nvPr>
+            <p:ph type="ftr" sz="quarter" idx="11"/>
+          </p:nvPr>
+        </p:nvSpPr>
+        <p:spPr/>
+        <p:txBody>
+          <a:bodyPr/>
+          <a:lstStyle/>
+          <a:p>
+            <a:r>
+              <a:rPr lang="de-DE" smtClean="0"/>
+              <a:t>Ruben Müller</a:t>
+            </a:r>
+            <a:endParaRPr lang="de-DE"/>
+          </a:p>
+        </p:txBody>
+      </p:sp>
+      <p:sp>
+        <p:nvSpPr>
+          <p:cNvPr id="5" name="Foliennummernplatzhalter 4"/>
+          <p:cNvSpPr>
+            <a:spLocks noGrp="1"/>
+          </p:cNvSpPr>
+          <p:nvPr>
+            <p:ph type="sldNum" sz="quarter" idx="12"/>
+          </p:nvPr>
+        </p:nvSpPr>
+        <p:spPr/>
+        <p:txBody>
+          <a:bodyPr/>
+          <a:lstStyle/>
+          <a:p>
+            <a:fld id="{92E72EEA-0FBC-4AC8-BDD5-33722D577734}" type="slidenum">
+              <a:rPr lang="de-DE" smtClean="0"/>
+              <a:t>21</a:t>
+            </a:fld>
+            <a:endParaRPr lang="de-DE"/>
+          </a:p>
+        </p:txBody>
+      </p:sp>
     </p:spTree>
     <p:extLst>
       <p:ext uri="{BB962C8B-B14F-4D97-AF65-F5344CB8AC3E}">
@@ -20149,6 +21860,75 @@
           </a:graphicData>
         </a:graphic>
       </p:graphicFrame>
+      <p:sp>
+        <p:nvSpPr>
+          <p:cNvPr id="3" name="Datumsplatzhalter 2"/>
+          <p:cNvSpPr>
+            <a:spLocks noGrp="1"/>
+          </p:cNvSpPr>
+          <p:nvPr>
+            <p:ph type="dt" sz="half" idx="10"/>
+          </p:nvPr>
+        </p:nvSpPr>
+        <p:spPr/>
+        <p:txBody>
+          <a:bodyPr/>
+          <a:lstStyle/>
+          <a:p>
+            <a:r>
+              <a:rPr lang="de-DE" smtClean="0"/>
+              <a:t>11.09.2015</a:t>
+            </a:r>
+            <a:endParaRPr lang="de-DE"/>
+          </a:p>
+        </p:txBody>
+      </p:sp>
+      <p:sp>
+        <p:nvSpPr>
+          <p:cNvPr id="4" name="Fußzeilenplatzhalter 3"/>
+          <p:cNvSpPr>
+            <a:spLocks noGrp="1"/>
+          </p:cNvSpPr>
+          <p:nvPr>
+            <p:ph type="ftr" sz="quarter" idx="11"/>
+          </p:nvPr>
+        </p:nvSpPr>
+        <p:spPr/>
+        <p:txBody>
+          <a:bodyPr/>
+          <a:lstStyle/>
+          <a:p>
+            <a:r>
+              <a:rPr lang="de-DE" smtClean="0"/>
+              <a:t>Ruben Müller</a:t>
+            </a:r>
+            <a:endParaRPr lang="de-DE"/>
+          </a:p>
+        </p:txBody>
+      </p:sp>
+      <p:sp>
+        <p:nvSpPr>
+          <p:cNvPr id="5" name="Foliennummernplatzhalter 4"/>
+          <p:cNvSpPr>
+            <a:spLocks noGrp="1"/>
+          </p:cNvSpPr>
+          <p:nvPr>
+            <p:ph type="sldNum" sz="quarter" idx="12"/>
+          </p:nvPr>
+        </p:nvSpPr>
+        <p:spPr/>
+        <p:txBody>
+          <a:bodyPr/>
+          <a:lstStyle/>
+          <a:p>
+            <a:fld id="{92E72EEA-0FBC-4AC8-BDD5-33722D577734}" type="slidenum">
+              <a:rPr lang="de-DE" smtClean="0"/>
+              <a:t>22</a:t>
+            </a:fld>
+            <a:endParaRPr lang="de-DE"/>
+          </a:p>
+        </p:txBody>
+      </p:sp>
     </p:spTree>
     <p:extLst>
       <p:ext uri="{BB962C8B-B14F-4D97-AF65-F5344CB8AC3E}">
@@ -20341,6 +22121,75 @@
           </a:xfrm>
         </p:spPr>
       </p:pic>
+      <p:sp>
+        <p:nvSpPr>
+          <p:cNvPr id="3" name="Datumsplatzhalter 2"/>
+          <p:cNvSpPr>
+            <a:spLocks noGrp="1"/>
+          </p:cNvSpPr>
+          <p:nvPr>
+            <p:ph type="dt" sz="half" idx="10"/>
+          </p:nvPr>
+        </p:nvSpPr>
+        <p:spPr/>
+        <p:txBody>
+          <a:bodyPr/>
+          <a:lstStyle/>
+          <a:p>
+            <a:r>
+              <a:rPr lang="de-DE" smtClean="0"/>
+              <a:t>11.09.2015</a:t>
+            </a:r>
+            <a:endParaRPr lang="de-DE"/>
+          </a:p>
+        </p:txBody>
+      </p:sp>
+      <p:sp>
+        <p:nvSpPr>
+          <p:cNvPr id="5" name="Fußzeilenplatzhalter 4"/>
+          <p:cNvSpPr>
+            <a:spLocks noGrp="1"/>
+          </p:cNvSpPr>
+          <p:nvPr>
+            <p:ph type="ftr" sz="quarter" idx="11"/>
+          </p:nvPr>
+        </p:nvSpPr>
+        <p:spPr/>
+        <p:txBody>
+          <a:bodyPr/>
+          <a:lstStyle/>
+          <a:p>
+            <a:r>
+              <a:rPr lang="de-DE" smtClean="0"/>
+              <a:t>Ruben Müller</a:t>
+            </a:r>
+            <a:endParaRPr lang="de-DE"/>
+          </a:p>
+        </p:txBody>
+      </p:sp>
+      <p:sp>
+        <p:nvSpPr>
+          <p:cNvPr id="6" name="Foliennummernplatzhalter 5"/>
+          <p:cNvSpPr>
+            <a:spLocks noGrp="1"/>
+          </p:cNvSpPr>
+          <p:nvPr>
+            <p:ph type="sldNum" sz="quarter" idx="12"/>
+          </p:nvPr>
+        </p:nvSpPr>
+        <p:spPr/>
+        <p:txBody>
+          <a:bodyPr/>
+          <a:lstStyle/>
+          <a:p>
+            <a:fld id="{92E72EEA-0FBC-4AC8-BDD5-33722D577734}" type="slidenum">
+              <a:rPr lang="de-DE" smtClean="0"/>
+              <a:t>23</a:t>
+            </a:fld>
+            <a:endParaRPr lang="de-DE"/>
+          </a:p>
+        </p:txBody>
+      </p:sp>
     </p:spTree>
     <p:extLst>
       <p:ext uri="{BB962C8B-B14F-4D97-AF65-F5344CB8AC3E}">
@@ -20458,6 +22307,75 @@
               <a:t>Weitere Experimente</a:t>
             </a:r>
             <a:endParaRPr lang="de-DE" dirty="0"/>
+          </a:p>
+        </p:txBody>
+      </p:sp>
+      <p:sp>
+        <p:nvSpPr>
+          <p:cNvPr id="4" name="Datumsplatzhalter 3"/>
+          <p:cNvSpPr>
+            <a:spLocks noGrp="1"/>
+          </p:cNvSpPr>
+          <p:nvPr>
+            <p:ph type="dt" sz="half" idx="10"/>
+          </p:nvPr>
+        </p:nvSpPr>
+        <p:spPr/>
+        <p:txBody>
+          <a:bodyPr/>
+          <a:lstStyle/>
+          <a:p>
+            <a:r>
+              <a:rPr lang="de-DE" smtClean="0"/>
+              <a:t>11.09.2015</a:t>
+            </a:r>
+            <a:endParaRPr lang="de-DE"/>
+          </a:p>
+        </p:txBody>
+      </p:sp>
+      <p:sp>
+        <p:nvSpPr>
+          <p:cNvPr id="5" name="Fußzeilenplatzhalter 4"/>
+          <p:cNvSpPr>
+            <a:spLocks noGrp="1"/>
+          </p:cNvSpPr>
+          <p:nvPr>
+            <p:ph type="ftr" sz="quarter" idx="11"/>
+          </p:nvPr>
+        </p:nvSpPr>
+        <p:spPr/>
+        <p:txBody>
+          <a:bodyPr/>
+          <a:lstStyle/>
+          <a:p>
+            <a:r>
+              <a:rPr lang="de-DE" smtClean="0"/>
+              <a:t>Ruben Müller</a:t>
+            </a:r>
+            <a:endParaRPr lang="de-DE"/>
+          </a:p>
+        </p:txBody>
+      </p:sp>
+      <p:sp>
+        <p:nvSpPr>
+          <p:cNvPr id="6" name="Foliennummernplatzhalter 5"/>
+          <p:cNvSpPr>
+            <a:spLocks noGrp="1"/>
+          </p:cNvSpPr>
+          <p:nvPr>
+            <p:ph type="sldNum" sz="quarter" idx="12"/>
+          </p:nvPr>
+        </p:nvSpPr>
+        <p:spPr/>
+        <p:txBody>
+          <a:bodyPr/>
+          <a:lstStyle/>
+          <a:p>
+            <a:fld id="{92E72EEA-0FBC-4AC8-BDD5-33722D577734}" type="slidenum">
+              <a:rPr lang="de-DE" smtClean="0"/>
+              <a:t>24</a:t>
+            </a:fld>
+            <a:endParaRPr lang="de-DE"/>
           </a:p>
         </p:txBody>
       </p:sp>
@@ -20540,6 +22458,75 @@
           </a:p>
         </p:txBody>
       </p:sp>
+      <p:sp>
+        <p:nvSpPr>
+          <p:cNvPr id="3" name="Datumsplatzhalter 2"/>
+          <p:cNvSpPr>
+            <a:spLocks noGrp="1"/>
+          </p:cNvSpPr>
+          <p:nvPr>
+            <p:ph type="dt" sz="half" idx="10"/>
+          </p:nvPr>
+        </p:nvSpPr>
+        <p:spPr/>
+        <p:txBody>
+          <a:bodyPr/>
+          <a:lstStyle/>
+          <a:p>
+            <a:r>
+              <a:rPr lang="de-DE" smtClean="0"/>
+              <a:t>11.09.2015</a:t>
+            </a:r>
+            <a:endParaRPr lang="de-DE"/>
+          </a:p>
+        </p:txBody>
+      </p:sp>
+      <p:sp>
+        <p:nvSpPr>
+          <p:cNvPr id="5" name="Fußzeilenplatzhalter 4"/>
+          <p:cNvSpPr>
+            <a:spLocks noGrp="1"/>
+          </p:cNvSpPr>
+          <p:nvPr>
+            <p:ph type="ftr" sz="quarter" idx="11"/>
+          </p:nvPr>
+        </p:nvSpPr>
+        <p:spPr/>
+        <p:txBody>
+          <a:bodyPr/>
+          <a:lstStyle/>
+          <a:p>
+            <a:r>
+              <a:rPr lang="de-DE" smtClean="0"/>
+              <a:t>Ruben Müller</a:t>
+            </a:r>
+            <a:endParaRPr lang="de-DE"/>
+          </a:p>
+        </p:txBody>
+      </p:sp>
+      <p:sp>
+        <p:nvSpPr>
+          <p:cNvPr id="6" name="Foliennummernplatzhalter 5"/>
+          <p:cNvSpPr>
+            <a:spLocks noGrp="1"/>
+          </p:cNvSpPr>
+          <p:nvPr>
+            <p:ph type="sldNum" sz="quarter" idx="12"/>
+          </p:nvPr>
+        </p:nvSpPr>
+        <p:spPr/>
+        <p:txBody>
+          <a:bodyPr/>
+          <a:lstStyle/>
+          <a:p>
+            <a:fld id="{92E72EEA-0FBC-4AC8-BDD5-33722D577734}" type="slidenum">
+              <a:rPr lang="de-DE" smtClean="0"/>
+              <a:t>25</a:t>
+            </a:fld>
+            <a:endParaRPr lang="de-DE"/>
+          </a:p>
+        </p:txBody>
+      </p:sp>
     </p:spTree>
     <p:extLst>
       <p:ext uri="{BB962C8B-B14F-4D97-AF65-F5344CB8AC3E}">
@@ -20628,6 +22615,75 @@
           </a:p>
           <a:p>
             <a:endParaRPr lang="de-DE" dirty="0"/>
+          </a:p>
+        </p:txBody>
+      </p:sp>
+      <p:sp>
+        <p:nvSpPr>
+          <p:cNvPr id="4" name="Datumsplatzhalter 3"/>
+          <p:cNvSpPr>
+            <a:spLocks noGrp="1"/>
+          </p:cNvSpPr>
+          <p:nvPr>
+            <p:ph type="dt" sz="half" idx="10"/>
+          </p:nvPr>
+        </p:nvSpPr>
+        <p:spPr/>
+        <p:txBody>
+          <a:bodyPr/>
+          <a:lstStyle/>
+          <a:p>
+            <a:r>
+              <a:rPr lang="de-DE" smtClean="0"/>
+              <a:t>11.09.2015</a:t>
+            </a:r>
+            <a:endParaRPr lang="de-DE"/>
+          </a:p>
+        </p:txBody>
+      </p:sp>
+      <p:sp>
+        <p:nvSpPr>
+          <p:cNvPr id="5" name="Fußzeilenplatzhalter 4"/>
+          <p:cNvSpPr>
+            <a:spLocks noGrp="1"/>
+          </p:cNvSpPr>
+          <p:nvPr>
+            <p:ph type="ftr" sz="quarter" idx="11"/>
+          </p:nvPr>
+        </p:nvSpPr>
+        <p:spPr/>
+        <p:txBody>
+          <a:bodyPr/>
+          <a:lstStyle/>
+          <a:p>
+            <a:r>
+              <a:rPr lang="de-DE" smtClean="0"/>
+              <a:t>Ruben Müller</a:t>
+            </a:r>
+            <a:endParaRPr lang="de-DE"/>
+          </a:p>
+        </p:txBody>
+      </p:sp>
+      <p:sp>
+        <p:nvSpPr>
+          <p:cNvPr id="6" name="Foliennummernplatzhalter 5"/>
+          <p:cNvSpPr>
+            <a:spLocks noGrp="1"/>
+          </p:cNvSpPr>
+          <p:nvPr>
+            <p:ph type="sldNum" sz="quarter" idx="12"/>
+          </p:nvPr>
+        </p:nvSpPr>
+        <p:spPr/>
+        <p:txBody>
+          <a:bodyPr/>
+          <a:lstStyle/>
+          <a:p>
+            <a:fld id="{92E72EEA-0FBC-4AC8-BDD5-33722D577734}" type="slidenum">
+              <a:rPr lang="de-DE" smtClean="0"/>
+              <a:t>3</a:t>
+            </a:fld>
+            <a:endParaRPr lang="de-DE"/>
           </a:p>
         </p:txBody>
       </p:sp>
@@ -20710,6 +22766,75 @@
           </a:p>
         </p:txBody>
       </p:sp>
+      <p:sp>
+        <p:nvSpPr>
+          <p:cNvPr id="4" name="Datumsplatzhalter 3"/>
+          <p:cNvSpPr>
+            <a:spLocks noGrp="1"/>
+          </p:cNvSpPr>
+          <p:nvPr>
+            <p:ph type="dt" sz="half" idx="10"/>
+          </p:nvPr>
+        </p:nvSpPr>
+        <p:spPr/>
+        <p:txBody>
+          <a:bodyPr/>
+          <a:lstStyle/>
+          <a:p>
+            <a:r>
+              <a:rPr lang="de-DE" smtClean="0"/>
+              <a:t>11.09.2015</a:t>
+            </a:r>
+            <a:endParaRPr lang="de-DE"/>
+          </a:p>
+        </p:txBody>
+      </p:sp>
+      <p:sp>
+        <p:nvSpPr>
+          <p:cNvPr id="5" name="Fußzeilenplatzhalter 4"/>
+          <p:cNvSpPr>
+            <a:spLocks noGrp="1"/>
+          </p:cNvSpPr>
+          <p:nvPr>
+            <p:ph type="ftr" sz="quarter" idx="11"/>
+          </p:nvPr>
+        </p:nvSpPr>
+        <p:spPr/>
+        <p:txBody>
+          <a:bodyPr/>
+          <a:lstStyle/>
+          <a:p>
+            <a:r>
+              <a:rPr lang="de-DE" smtClean="0"/>
+              <a:t>Ruben Müller</a:t>
+            </a:r>
+            <a:endParaRPr lang="de-DE"/>
+          </a:p>
+        </p:txBody>
+      </p:sp>
+      <p:sp>
+        <p:nvSpPr>
+          <p:cNvPr id="6" name="Foliennummernplatzhalter 5"/>
+          <p:cNvSpPr>
+            <a:spLocks noGrp="1"/>
+          </p:cNvSpPr>
+          <p:nvPr>
+            <p:ph type="sldNum" sz="quarter" idx="12"/>
+          </p:nvPr>
+        </p:nvSpPr>
+        <p:spPr/>
+        <p:txBody>
+          <a:bodyPr/>
+          <a:lstStyle/>
+          <a:p>
+            <a:fld id="{92E72EEA-0FBC-4AC8-BDD5-33722D577734}" type="slidenum">
+              <a:rPr lang="de-DE" smtClean="0"/>
+              <a:t>4</a:t>
+            </a:fld>
+            <a:endParaRPr lang="de-DE"/>
+          </a:p>
+        </p:txBody>
+      </p:sp>
     </p:spTree>
     <p:extLst>
       <p:ext uri="{BB962C8B-B14F-4D97-AF65-F5344CB8AC3E}">
@@ -20808,6 +22933,75 @@
               <a:t>Training der Vektoren im neuronalen Netz</a:t>
             </a:r>
             <a:endParaRPr lang="de-DE" dirty="0"/>
+          </a:p>
+        </p:txBody>
+      </p:sp>
+      <p:sp>
+        <p:nvSpPr>
+          <p:cNvPr id="4" name="Datumsplatzhalter 3"/>
+          <p:cNvSpPr>
+            <a:spLocks noGrp="1"/>
+          </p:cNvSpPr>
+          <p:nvPr>
+            <p:ph type="dt" sz="half" idx="10"/>
+          </p:nvPr>
+        </p:nvSpPr>
+        <p:spPr/>
+        <p:txBody>
+          <a:bodyPr/>
+          <a:lstStyle/>
+          <a:p>
+            <a:r>
+              <a:rPr lang="de-DE" smtClean="0"/>
+              <a:t>11.09.2015</a:t>
+            </a:r>
+            <a:endParaRPr lang="de-DE"/>
+          </a:p>
+        </p:txBody>
+      </p:sp>
+      <p:sp>
+        <p:nvSpPr>
+          <p:cNvPr id="5" name="Fußzeilenplatzhalter 4"/>
+          <p:cNvSpPr>
+            <a:spLocks noGrp="1"/>
+          </p:cNvSpPr>
+          <p:nvPr>
+            <p:ph type="ftr" sz="quarter" idx="11"/>
+          </p:nvPr>
+        </p:nvSpPr>
+        <p:spPr/>
+        <p:txBody>
+          <a:bodyPr/>
+          <a:lstStyle/>
+          <a:p>
+            <a:r>
+              <a:rPr lang="de-DE" smtClean="0"/>
+              <a:t>Ruben Müller</a:t>
+            </a:r>
+            <a:endParaRPr lang="de-DE"/>
+          </a:p>
+        </p:txBody>
+      </p:sp>
+      <p:sp>
+        <p:nvSpPr>
+          <p:cNvPr id="6" name="Foliennummernplatzhalter 5"/>
+          <p:cNvSpPr>
+            <a:spLocks noGrp="1"/>
+          </p:cNvSpPr>
+          <p:nvPr>
+            <p:ph type="sldNum" sz="quarter" idx="12"/>
+          </p:nvPr>
+        </p:nvSpPr>
+        <p:spPr/>
+        <p:txBody>
+          <a:bodyPr/>
+          <a:lstStyle/>
+          <a:p>
+            <a:fld id="{92E72EEA-0FBC-4AC8-BDD5-33722D577734}" type="slidenum">
+              <a:rPr lang="de-DE" smtClean="0"/>
+              <a:t>5</a:t>
+            </a:fld>
+            <a:endParaRPr lang="de-DE"/>
           </a:p>
         </p:txBody>
       </p:sp>
@@ -20871,6 +23065,75 @@
           </a:p>
         </p:txBody>
       </p:sp>
+      <p:sp>
+        <p:nvSpPr>
+          <p:cNvPr id="3" name="Datumsplatzhalter 2"/>
+          <p:cNvSpPr>
+            <a:spLocks noGrp="1"/>
+          </p:cNvSpPr>
+          <p:nvPr>
+            <p:ph type="dt" sz="half" idx="10"/>
+          </p:nvPr>
+        </p:nvSpPr>
+        <p:spPr/>
+        <p:txBody>
+          <a:bodyPr/>
+          <a:lstStyle/>
+          <a:p>
+            <a:r>
+              <a:rPr lang="de-DE" smtClean="0"/>
+              <a:t>11.09.2015</a:t>
+            </a:r>
+            <a:endParaRPr lang="de-DE"/>
+          </a:p>
+        </p:txBody>
+      </p:sp>
+      <p:sp>
+        <p:nvSpPr>
+          <p:cNvPr id="5" name="Fußzeilenplatzhalter 4"/>
+          <p:cNvSpPr>
+            <a:spLocks noGrp="1"/>
+          </p:cNvSpPr>
+          <p:nvPr>
+            <p:ph type="ftr" sz="quarter" idx="11"/>
+          </p:nvPr>
+        </p:nvSpPr>
+        <p:spPr/>
+        <p:txBody>
+          <a:bodyPr/>
+          <a:lstStyle/>
+          <a:p>
+            <a:r>
+              <a:rPr lang="de-DE" smtClean="0"/>
+              <a:t>Ruben Müller</a:t>
+            </a:r>
+            <a:endParaRPr lang="de-DE"/>
+          </a:p>
+        </p:txBody>
+      </p:sp>
+      <p:sp>
+        <p:nvSpPr>
+          <p:cNvPr id="6" name="Foliennummernplatzhalter 5"/>
+          <p:cNvSpPr>
+            <a:spLocks noGrp="1"/>
+          </p:cNvSpPr>
+          <p:nvPr>
+            <p:ph type="sldNum" sz="quarter" idx="12"/>
+          </p:nvPr>
+        </p:nvSpPr>
+        <p:spPr/>
+        <p:txBody>
+          <a:bodyPr/>
+          <a:lstStyle/>
+          <a:p>
+            <a:fld id="{92E72EEA-0FBC-4AC8-BDD5-33722D577734}" type="slidenum">
+              <a:rPr lang="de-DE" smtClean="0"/>
+              <a:t>6</a:t>
+            </a:fld>
+            <a:endParaRPr lang="de-DE"/>
+          </a:p>
+        </p:txBody>
+      </p:sp>
       <p:pic>
         <p:nvPicPr>
           <p:cNvPr id="4" name="Inhaltsplatzhalter 3"/>
@@ -20895,9 +23158,12 @@
         </p:blipFill>
         <p:spPr>
           <a:xfrm>
-            <a:off x="3092631" y="1825625"/>
-            <a:ext cx="6006737" cy="4351338"/>
+            <a:off x="2577737" y="1452631"/>
+            <a:ext cx="6521631" cy="4724332"/>
           </a:xfrm>
+          <a:solidFill>
+            <a:schemeClr val="bg1"/>
+          </a:solidFill>
         </p:spPr>
       </p:pic>
     </p:spTree>
@@ -21027,11 +23293,80 @@
         </p:blipFill>
         <p:spPr>
           <a:xfrm>
-            <a:off x="6807116" y="1825625"/>
-            <a:ext cx="2578269" cy="4351338"/>
+            <a:off x="6807116" y="888273"/>
+            <a:ext cx="3133672" cy="5288689"/>
           </a:xfrm>
         </p:spPr>
       </p:pic>
+      <p:sp>
+        <p:nvSpPr>
+          <p:cNvPr id="3" name="Datumsplatzhalter 2"/>
+          <p:cNvSpPr>
+            <a:spLocks noGrp="1"/>
+          </p:cNvSpPr>
+          <p:nvPr>
+            <p:ph type="dt" sz="half" idx="10"/>
+          </p:nvPr>
+        </p:nvSpPr>
+        <p:spPr/>
+        <p:txBody>
+          <a:bodyPr/>
+          <a:lstStyle/>
+          <a:p>
+            <a:r>
+              <a:rPr lang="de-DE" smtClean="0"/>
+              <a:t>11.09.2015</a:t>
+            </a:r>
+            <a:endParaRPr lang="de-DE"/>
+          </a:p>
+        </p:txBody>
+      </p:sp>
+      <p:sp>
+        <p:nvSpPr>
+          <p:cNvPr id="5" name="Fußzeilenplatzhalter 4"/>
+          <p:cNvSpPr>
+            <a:spLocks noGrp="1"/>
+          </p:cNvSpPr>
+          <p:nvPr>
+            <p:ph type="ftr" sz="quarter" idx="11"/>
+          </p:nvPr>
+        </p:nvSpPr>
+        <p:spPr/>
+        <p:txBody>
+          <a:bodyPr/>
+          <a:lstStyle/>
+          <a:p>
+            <a:r>
+              <a:rPr lang="de-DE" smtClean="0"/>
+              <a:t>Ruben Müller</a:t>
+            </a:r>
+            <a:endParaRPr lang="de-DE"/>
+          </a:p>
+        </p:txBody>
+      </p:sp>
+      <p:sp>
+        <p:nvSpPr>
+          <p:cNvPr id="7" name="Foliennummernplatzhalter 6"/>
+          <p:cNvSpPr>
+            <a:spLocks noGrp="1"/>
+          </p:cNvSpPr>
+          <p:nvPr>
+            <p:ph type="sldNum" sz="quarter" idx="12"/>
+          </p:nvPr>
+        </p:nvSpPr>
+        <p:spPr/>
+        <p:txBody>
+          <a:bodyPr/>
+          <a:lstStyle/>
+          <a:p>
+            <a:fld id="{92E72EEA-0FBC-4AC8-BDD5-33722D577734}" type="slidenum">
+              <a:rPr lang="de-DE" smtClean="0"/>
+              <a:t>7</a:t>
+            </a:fld>
+            <a:endParaRPr lang="de-DE"/>
+          </a:p>
+        </p:txBody>
+      </p:sp>
     </p:spTree>
     <p:extLst>
       <p:ext uri="{BB962C8B-B14F-4D97-AF65-F5344CB8AC3E}">
@@ -21145,11 +23480,80 @@
         </p:blipFill>
         <p:spPr>
           <a:xfrm>
-            <a:off x="6806965" y="1825625"/>
-            <a:ext cx="2578570" cy="4351338"/>
+            <a:off x="6806964" y="896983"/>
+            <a:ext cx="3128877" cy="5279980"/>
           </a:xfrm>
         </p:spPr>
       </p:pic>
+      <p:sp>
+        <p:nvSpPr>
+          <p:cNvPr id="3" name="Datumsplatzhalter 2"/>
+          <p:cNvSpPr>
+            <a:spLocks noGrp="1"/>
+          </p:cNvSpPr>
+          <p:nvPr>
+            <p:ph type="dt" sz="half" idx="10"/>
+          </p:nvPr>
+        </p:nvSpPr>
+        <p:spPr/>
+        <p:txBody>
+          <a:bodyPr/>
+          <a:lstStyle/>
+          <a:p>
+            <a:r>
+              <a:rPr lang="de-DE" smtClean="0"/>
+              <a:t>11.09.2015</a:t>
+            </a:r>
+            <a:endParaRPr lang="de-DE"/>
+          </a:p>
+        </p:txBody>
+      </p:sp>
+      <p:sp>
+        <p:nvSpPr>
+          <p:cNvPr id="5" name="Fußzeilenplatzhalter 4"/>
+          <p:cNvSpPr>
+            <a:spLocks noGrp="1"/>
+          </p:cNvSpPr>
+          <p:nvPr>
+            <p:ph type="ftr" sz="quarter" idx="11"/>
+          </p:nvPr>
+        </p:nvSpPr>
+        <p:spPr/>
+        <p:txBody>
+          <a:bodyPr/>
+          <a:lstStyle/>
+          <a:p>
+            <a:r>
+              <a:rPr lang="de-DE" smtClean="0"/>
+              <a:t>Ruben Müller</a:t>
+            </a:r>
+            <a:endParaRPr lang="de-DE"/>
+          </a:p>
+        </p:txBody>
+      </p:sp>
+      <p:sp>
+        <p:nvSpPr>
+          <p:cNvPr id="7" name="Foliennummernplatzhalter 6"/>
+          <p:cNvSpPr>
+            <a:spLocks noGrp="1"/>
+          </p:cNvSpPr>
+          <p:nvPr>
+            <p:ph type="sldNum" sz="quarter" idx="12"/>
+          </p:nvPr>
+        </p:nvSpPr>
+        <p:spPr/>
+        <p:txBody>
+          <a:bodyPr/>
+          <a:lstStyle/>
+          <a:p>
+            <a:fld id="{92E72EEA-0FBC-4AC8-BDD5-33722D577734}" type="slidenum">
+              <a:rPr lang="de-DE" smtClean="0"/>
+              <a:t>8</a:t>
+            </a:fld>
+            <a:endParaRPr lang="de-DE"/>
+          </a:p>
+        </p:txBody>
+      </p:sp>
     </p:spTree>
     <p:extLst>
       <p:ext uri="{BB962C8B-B14F-4D97-AF65-F5344CB8AC3E}">
@@ -21239,6 +23643,75 @@
           </a:xfrm>
         </p:spPr>
       </p:pic>
+      <p:sp>
+        <p:nvSpPr>
+          <p:cNvPr id="3" name="Datumsplatzhalter 2"/>
+          <p:cNvSpPr>
+            <a:spLocks noGrp="1"/>
+          </p:cNvSpPr>
+          <p:nvPr>
+            <p:ph type="dt" sz="half" idx="10"/>
+          </p:nvPr>
+        </p:nvSpPr>
+        <p:spPr/>
+        <p:txBody>
+          <a:bodyPr/>
+          <a:lstStyle/>
+          <a:p>
+            <a:r>
+              <a:rPr lang="de-DE" smtClean="0"/>
+              <a:t>11.09.2015</a:t>
+            </a:r>
+            <a:endParaRPr lang="de-DE"/>
+          </a:p>
+        </p:txBody>
+      </p:sp>
+      <p:sp>
+        <p:nvSpPr>
+          <p:cNvPr id="4" name="Fußzeilenplatzhalter 3"/>
+          <p:cNvSpPr>
+            <a:spLocks noGrp="1"/>
+          </p:cNvSpPr>
+          <p:nvPr>
+            <p:ph type="ftr" sz="quarter" idx="11"/>
+          </p:nvPr>
+        </p:nvSpPr>
+        <p:spPr/>
+        <p:txBody>
+          <a:bodyPr/>
+          <a:lstStyle/>
+          <a:p>
+            <a:r>
+              <a:rPr lang="de-DE" smtClean="0"/>
+              <a:t>Ruben Müller</a:t>
+            </a:r>
+            <a:endParaRPr lang="de-DE"/>
+          </a:p>
+        </p:txBody>
+      </p:sp>
+      <p:sp>
+        <p:nvSpPr>
+          <p:cNvPr id="5" name="Foliennummernplatzhalter 4"/>
+          <p:cNvSpPr>
+            <a:spLocks noGrp="1"/>
+          </p:cNvSpPr>
+          <p:nvPr>
+            <p:ph type="sldNum" sz="quarter" idx="12"/>
+          </p:nvPr>
+        </p:nvSpPr>
+        <p:spPr/>
+        <p:txBody>
+          <a:bodyPr/>
+          <a:lstStyle/>
+          <a:p>
+            <a:fld id="{92E72EEA-0FBC-4AC8-BDD5-33722D577734}" type="slidenum">
+              <a:rPr lang="de-DE" smtClean="0"/>
+              <a:t>9</a:t>
+            </a:fld>
+            <a:endParaRPr lang="de-DE"/>
+          </a:p>
+        </p:txBody>
+      </p:sp>
     </p:spTree>
     <p:extLst>
       <p:ext uri="{BB962C8B-B14F-4D97-AF65-F5344CB8AC3E}">
@@ -21518,4 +23991,265 @@
     </a:ext>
   </a:extLst>
 </a:theme>
+</file>
+
+<file path=ppt/theme/theme2.xml><?xml version="1.0" encoding="utf-8"?>
+<a:theme xmlns:a="http://schemas.openxmlformats.org/drawingml/2006/main" name="Office Theme">
+  <a:themeElements>
+    <a:clrScheme name="Office">
+      <a:dk1>
+        <a:sysClr val="windowText" lastClr="000000"/>
+      </a:dk1>
+      <a:lt1>
+        <a:sysClr val="window" lastClr="FFFFFF"/>
+      </a:lt1>
+      <a:dk2>
+        <a:srgbClr val="44546A"/>
+      </a:dk2>
+      <a:lt2>
+        <a:srgbClr val="E7E6E6"/>
+      </a:lt2>
+      <a:accent1>
+        <a:srgbClr val="5B9BD5"/>
+      </a:accent1>
+      <a:accent2>
+        <a:srgbClr val="ED7D31"/>
+      </a:accent2>
+      <a:accent3>
+        <a:srgbClr val="A5A5A5"/>
+      </a:accent3>
+      <a:accent4>
+        <a:srgbClr val="FFC000"/>
+      </a:accent4>
+      <a:accent5>
+        <a:srgbClr val="4472C4"/>
+      </a:accent5>
+      <a:accent6>
+        <a:srgbClr val="70AD47"/>
+      </a:accent6>
+      <a:hlink>
+        <a:srgbClr val="0563C1"/>
+      </a:hlink>
+      <a:folHlink>
+        <a:srgbClr val="954F72"/>
+      </a:folHlink>
+    </a:clrScheme>
+    <a:fontScheme name="Office">
+      <a:majorFont>
+        <a:latin typeface="Calibri Light" panose="020F0302020204030204"/>
+        <a:ea typeface=""/>
+        <a:cs typeface=""/>
+        <a:font script="Jpan" typeface="ＭＳ Ｐゴシック"/>
+        <a:font script="Hang" typeface="맑은 고딕"/>
+        <a:font script="Hans" typeface="宋体"/>
+        <a:font script="Hant" typeface="新細明體"/>
+        <a:font script="Arab" typeface="Times New Roman"/>
+        <a:font script="Hebr" typeface="Times New Roman"/>
+        <a:font script="Thai" typeface="Angsana New"/>
+        <a:font script="Ethi" typeface="Nyala"/>
+        <a:font script="Beng" typeface="Vrinda"/>
+        <a:font script="Gujr" typeface="Shruti"/>
+        <a:font script="Khmr" typeface="MoolBoran"/>
+        <a:font script="Knda" typeface="Tunga"/>
+        <a:font script="Guru" typeface="Raavi"/>
+        <a:font script="Cans" typeface="Euphemia"/>
+        <a:font script="Cher" typeface="Plantagenet Cherokee"/>
+        <a:font script="Yiii" typeface="Microsoft Yi Baiti"/>
+        <a:font script="Tibt" typeface="Microsoft Himalaya"/>
+        <a:font script="Thaa" typeface="MV Boli"/>
+        <a:font script="Deva" typeface="Mangal"/>
+        <a:font script="Telu" typeface="Gautami"/>
+        <a:font script="Taml" typeface="Latha"/>
+        <a:font script="Syrc" typeface="Estrangelo Edessa"/>
+        <a:font script="Orya" typeface="Kalinga"/>
+        <a:font script="Mlym" typeface="Kartika"/>
+        <a:font script="Laoo" typeface="DokChampa"/>
+        <a:font script="Sinh" typeface="Iskoola Pota"/>
+        <a:font script="Mong" typeface="Mongolian Baiti"/>
+        <a:font script="Viet" typeface="Times New Roman"/>
+        <a:font script="Uigh" typeface="Microsoft Uighur"/>
+        <a:font script="Geor" typeface="Sylfaen"/>
+      </a:majorFont>
+      <a:minorFont>
+        <a:latin typeface="Calibri" panose="020F0502020204030204"/>
+        <a:ea typeface=""/>
+        <a:cs typeface=""/>
+        <a:font script="Jpan" typeface="ＭＳ Ｐゴシック"/>
+        <a:font script="Hang" typeface="맑은 고딕"/>
+        <a:font script="Hans" typeface="宋体"/>
+        <a:font script="Hant" typeface="新細明體"/>
+        <a:font script="Arab" typeface="Arial"/>
+        <a:font script="Hebr" typeface="Arial"/>
+        <a:font script="Thai" typeface="Cordia New"/>
+        <a:font script="Ethi" typeface="Nyala"/>
+        <a:font script="Beng" typeface="Vrinda"/>
+        <a:font script="Gujr" typeface="Shruti"/>
+        <a:font script="Khmr" typeface="DaunPenh"/>
+        <a:font script="Knda" typeface="Tunga"/>
+        <a:font script="Guru" typeface="Raavi"/>
+        <a:font script="Cans" typeface="Euphemia"/>
+        <a:font script="Cher" typeface="Plantagenet Cherokee"/>
+        <a:font script="Yiii" typeface="Microsoft Yi Baiti"/>
+        <a:font script="Tibt" typeface="Microsoft Himalaya"/>
+        <a:font script="Thaa" typeface="MV Boli"/>
+        <a:font script="Deva" typeface="Mangal"/>
+        <a:font script="Telu" typeface="Gautami"/>
+        <a:font script="Taml" typeface="Latha"/>
+        <a:font script="Syrc" typeface="Estrangelo Edessa"/>
+        <a:font script="Orya" typeface="Kalinga"/>
+        <a:font script="Mlym" typeface="Kartika"/>
+        <a:font script="Laoo" typeface="DokChampa"/>
+        <a:font script="Sinh" typeface="Iskoola Pota"/>
+        <a:font script="Mong" typeface="Mongolian Baiti"/>
+        <a:font script="Viet" typeface="Arial"/>
+        <a:font script="Uigh" typeface="Microsoft Uighur"/>
+        <a:font script="Geor" typeface="Sylfaen"/>
+      </a:minorFont>
+    </a:fontScheme>
+    <a:fmtScheme name="Office">
+      <a:fillStyleLst>
+        <a:solidFill>
+          <a:schemeClr val="phClr"/>
+        </a:solidFill>
+        <a:gradFill rotWithShape="1">
+          <a:gsLst>
+            <a:gs pos="0">
+              <a:schemeClr val="phClr">
+                <a:lumMod val="110000"/>
+                <a:satMod val="105000"/>
+                <a:tint val="67000"/>
+              </a:schemeClr>
+            </a:gs>
+            <a:gs pos="50000">
+              <a:schemeClr val="phClr">
+                <a:lumMod val="105000"/>
+                <a:satMod val="103000"/>
+                <a:tint val="73000"/>
+              </a:schemeClr>
+            </a:gs>
+            <a:gs pos="100000">
+              <a:schemeClr val="phClr">
+                <a:lumMod val="105000"/>
+                <a:satMod val="109000"/>
+                <a:tint val="81000"/>
+              </a:schemeClr>
+            </a:gs>
+          </a:gsLst>
+          <a:lin ang="5400000" scaled="0"/>
+        </a:gradFill>
+        <a:gradFill rotWithShape="1">
+          <a:gsLst>
+            <a:gs pos="0">
+              <a:schemeClr val="phClr">
+                <a:satMod val="103000"/>
+                <a:lumMod val="102000"/>
+                <a:tint val="94000"/>
+              </a:schemeClr>
+            </a:gs>
+            <a:gs pos="50000">
+              <a:schemeClr val="phClr">
+                <a:satMod val="110000"/>
+                <a:lumMod val="100000"/>
+                <a:shade val="100000"/>
+              </a:schemeClr>
+            </a:gs>
+            <a:gs pos="100000">
+              <a:schemeClr val="phClr">
+                <a:lumMod val="99000"/>
+                <a:satMod val="120000"/>
+                <a:shade val="78000"/>
+              </a:schemeClr>
+            </a:gs>
+          </a:gsLst>
+          <a:lin ang="5400000" scaled="0"/>
+        </a:gradFill>
+      </a:fillStyleLst>
+      <a:lnStyleLst>
+        <a:ln w="6350" cap="flat" cmpd="sng" algn="ctr">
+          <a:solidFill>
+            <a:schemeClr val="phClr"/>
+          </a:solidFill>
+          <a:prstDash val="solid"/>
+          <a:miter lim="800000"/>
+        </a:ln>
+        <a:ln w="12700" cap="flat" cmpd="sng" algn="ctr">
+          <a:solidFill>
+            <a:schemeClr val="phClr"/>
+          </a:solidFill>
+          <a:prstDash val="solid"/>
+          <a:miter lim="800000"/>
+        </a:ln>
+        <a:ln w="19050" cap="flat" cmpd="sng" algn="ctr">
+          <a:solidFill>
+            <a:schemeClr val="phClr"/>
+          </a:solidFill>
+          <a:prstDash val="solid"/>
+          <a:miter lim="800000"/>
+        </a:ln>
+      </a:lnStyleLst>
+      <a:effectStyleLst>
+        <a:effectStyle>
+          <a:effectLst/>
+        </a:effectStyle>
+        <a:effectStyle>
+          <a:effectLst/>
+        </a:effectStyle>
+        <a:effectStyle>
+          <a:effectLst>
+            <a:outerShdw blurRad="57150" dist="19050" dir="5400000" algn="ctr" rotWithShape="0">
+              <a:srgbClr val="000000">
+                <a:alpha val="63000"/>
+              </a:srgbClr>
+            </a:outerShdw>
+          </a:effectLst>
+        </a:effectStyle>
+      </a:effectStyleLst>
+      <a:bgFillStyleLst>
+        <a:solidFill>
+          <a:schemeClr val="phClr"/>
+        </a:solidFill>
+        <a:solidFill>
+          <a:schemeClr val="phClr">
+            <a:tint val="95000"/>
+            <a:satMod val="170000"/>
+          </a:schemeClr>
+        </a:solidFill>
+        <a:gradFill rotWithShape="1">
+          <a:gsLst>
+            <a:gs pos="0">
+              <a:schemeClr val="phClr">
+                <a:tint val="93000"/>
+                <a:satMod val="150000"/>
+                <a:shade val="98000"/>
+                <a:lumMod val="102000"/>
+              </a:schemeClr>
+            </a:gs>
+            <a:gs pos="50000">
+              <a:schemeClr val="phClr">
+                <a:tint val="98000"/>
+                <a:satMod val="130000"/>
+                <a:shade val="90000"/>
+                <a:lumMod val="103000"/>
+              </a:schemeClr>
+            </a:gs>
+            <a:gs pos="100000">
+              <a:schemeClr val="phClr">
+                <a:shade val="63000"/>
+                <a:satMod val="120000"/>
+              </a:schemeClr>
+            </a:gs>
+          </a:gsLst>
+          <a:lin ang="5400000" scaled="0"/>
+        </a:gradFill>
+      </a:bgFillStyleLst>
+    </a:fmtScheme>
+  </a:themeElements>
+  <a:objectDefaults/>
+  <a:extraClrSchemeLst/>
+  <a:extLst>
+    <a:ext uri="{05A4C25C-085E-4340-85A3-A5531E510DB2}">
+      <thm15:themeFamily xmlns:thm15="http://schemas.microsoft.com/office/thememl/2012/main" name="Office Theme" id="{62F939B6-93AF-4DB8-9C6B-D6C7DFDC589F}" vid="{4A3C46E8-61CC-4603-A589-7422A47A8E4A}"/>
+    </a:ext>
+  </a:extLst>
+</a:theme>
 </file>
--- a/Präsentation/Semantische Beziehungen_169.pptx
+++ b/Präsentation/Semantische Beziehungen_169.pptx
@@ -12570,7 +12570,6 @@
               <a:rPr lang="de-DE" dirty="0"/>
               <a:t>Wikipedia Daten</a:t>
             </a:r>
-            <a:endParaRPr lang="de-DE" dirty="0"/>
           </a:p>
         </p:txBody>
       </p:sp>
@@ -12614,7 +12613,6 @@
               <a:rPr lang="de-DE" dirty="0"/>
               <a:t>Artikel</a:t>
             </a:r>
-            <a:endParaRPr lang="de-DE" dirty="0"/>
           </a:p>
         </p:txBody>
       </p:sp>
@@ -12658,7 +12656,6 @@
               <a:rPr lang="de-DE" dirty="0"/>
               <a:t>Artikel</a:t>
             </a:r>
-            <a:endParaRPr lang="de-DE" dirty="0"/>
           </a:p>
         </p:txBody>
       </p:sp>
@@ -12702,7 +12699,6 @@
               <a:rPr lang="de-DE" dirty="0"/>
               <a:t>Artikel</a:t>
             </a:r>
-            <a:endParaRPr lang="de-DE" dirty="0"/>
           </a:p>
         </p:txBody>
       </p:sp>
@@ -12754,7 +12750,6 @@
               <a:rPr lang="de-DE" spc="-150" dirty="0"/>
               <a:t>Tech-Artikel</a:t>
             </a:r>
-            <a:endParaRPr lang="de-DE" spc="-150" dirty="0"/>
           </a:p>
         </p:txBody>
       </p:sp>
@@ -12798,7 +12793,6 @@
               <a:rPr lang="de-DE" dirty="0"/>
               <a:t>Technologie Daten</a:t>
             </a:r>
-            <a:endParaRPr lang="de-DE" dirty="0"/>
           </a:p>
         </p:txBody>
       </p:sp>
@@ -13273,13 +13267,6 @@
               </a:rPr>
               <a:t>SAX-Parser</a:t>
             </a:r>
-            <a:endParaRPr lang="de-DE" spc="600" dirty="0">
-              <a:solidFill>
-                <a:schemeClr val="bg2">
-                  <a:lumMod val="25000"/>
-                </a:schemeClr>
-              </a:solidFill>
-            </a:endParaRPr>
           </a:p>
         </p:txBody>
       </p:sp>
@@ -13334,13 +13321,6 @@
               </a:rPr>
               <a:t>PERL-Skript</a:t>
             </a:r>
-            <a:endParaRPr lang="de-DE" spc="600" dirty="0">
-              <a:solidFill>
-                <a:schemeClr val="bg2">
-                  <a:lumMod val="25000"/>
-                </a:schemeClr>
-              </a:solidFill>
-            </a:endParaRPr>
           </a:p>
         </p:txBody>
       </p:sp>
@@ -13384,7 +13364,6 @@
               <a:rPr lang="de-DE" dirty="0"/>
               <a:t>Artikel</a:t>
             </a:r>
-            <a:endParaRPr lang="de-DE" dirty="0"/>
           </a:p>
         </p:txBody>
       </p:sp>
@@ -13804,7 +13783,6 @@
               <a:rPr lang="de-DE" spc="-150" dirty="0"/>
               <a:t>Sport-Artikel</a:t>
             </a:r>
-            <a:endParaRPr lang="de-DE" spc="-150" dirty="0"/>
           </a:p>
         </p:txBody>
       </p:sp>
@@ -14987,9 +14965,10 @@
           <a:lstStyle/>
           <a:p>
             <a:r>
-              <a:rPr lang="de-DE" dirty="0"/>
-              <a:t>Wikipedia-Korpus</a:t>
-            </a:r>
+              <a:rPr lang="de-DE" dirty="0" smtClean="0"/>
+              <a:t>Wikipedia-Korpus, Modelparameter, Testdaten</a:t>
+            </a:r>
+            <a:endParaRPr lang="de-DE" dirty="0"/>
           </a:p>
         </p:txBody>
       </p:sp>
@@ -15160,7 +15139,15 @@
           <a:p>
             <a:r>
               <a:rPr lang="de-DE" dirty="0" smtClean="0"/>
-              <a:t>Große Menge an Daten (2,9 Mrd. Wörter)</a:t>
+              <a:t>Große Menge an Daten </a:t>
+            </a:r>
+            <a:r>
+              <a:rPr lang="de-DE" dirty="0" smtClean="0"/>
+              <a:t>(&gt; 2,9 </a:t>
+            </a:r>
+            <a:r>
+              <a:rPr lang="de-DE" dirty="0" smtClean="0"/>
+              <a:t>Mrd. Wörter)</a:t>
             </a:r>
           </a:p>
           <a:p>
@@ -15210,7 +15197,45 @@
             </a:r>
             <a:r>
               <a:rPr lang="de-DE" dirty="0" smtClean="0"/>
-              <a:t>: niedrigdimensionale Vektoren</a:t>
+              <a:t>: niedrigdimensionale </a:t>
+            </a:r>
+            <a:r>
+              <a:rPr lang="de-DE" dirty="0" smtClean="0"/>
+              <a:t>Vektoren</a:t>
+            </a:r>
+          </a:p>
+          <a:p>
+            <a:r>
+              <a:rPr lang="en-US" dirty="0" err="1" smtClean="0"/>
+              <a:t>most_similar</a:t>
+            </a:r>
+            <a:r>
+              <a:rPr lang="en-US" dirty="0" smtClean="0"/>
+              <a:t>(positive=[‘</a:t>
+            </a:r>
+            <a:r>
+              <a:rPr lang="en-US" smtClean="0"/>
+              <a:t>koenig’, </a:t>
+            </a:r>
+            <a:r>
+              <a:rPr lang="en-US" dirty="0" smtClean="0"/>
+              <a:t>frau’], negative=[‘</a:t>
+            </a:r>
+            <a:r>
+              <a:rPr lang="en-US" dirty="0" err="1" smtClean="0"/>
+              <a:t>mann</a:t>
+            </a:r>
+            <a:r>
+              <a:rPr lang="en-US" dirty="0" smtClean="0"/>
+              <a:t>’], </a:t>
+            </a:r>
+            <a:r>
+              <a:rPr lang="en-US" dirty="0" err="1" smtClean="0"/>
+              <a:t>topn</a:t>
+            </a:r>
+            <a:r>
+              <a:rPr lang="en-US" dirty="0" smtClean="0"/>
+              <a:t>=1)</a:t>
             </a:r>
             <a:endParaRPr lang="de-DE" dirty="0"/>
           </a:p>
@@ -15339,7 +15364,7 @@
           <a:p>
             <a:r>
               <a:rPr lang="de-DE" dirty="0" smtClean="0"/>
-              <a:t>Wikipedia-Korpus</a:t>
+              <a:t>Modelparameter</a:t>
             </a:r>
             <a:endParaRPr lang="de-DE" dirty="0"/>
           </a:p>
@@ -15845,7 +15870,7 @@
         </p:nvSpPr>
         <p:spPr>
           <a:xfrm>
-            <a:off x="5432452" y="1828801"/>
+            <a:off x="4073552" y="1828801"/>
             <a:ext cx="1327094" cy="590719"/>
           </a:xfrm>
           <a:prstGeom prst="rect">
@@ -15877,7 +15902,6 @@
               <a:rPr lang="de-DE" dirty="0"/>
               <a:t>Testbegriff</a:t>
             </a:r>
-            <a:endParaRPr lang="de-DE" dirty="0"/>
           </a:p>
         </p:txBody>
       </p:sp>
@@ -15889,7 +15913,7 @@
         </p:nvSpPr>
         <p:spPr>
           <a:xfrm>
-            <a:off x="2810634" y="3738519"/>
+            <a:off x="1451734" y="3738519"/>
             <a:ext cx="550258" cy="566442"/>
           </a:xfrm>
           <a:prstGeom prst="rect">
@@ -15929,7 +15953,7 @@
         </p:nvSpPr>
         <p:spPr>
           <a:xfrm>
-            <a:off x="5820871" y="3738519"/>
+            <a:off x="4461971" y="3738519"/>
             <a:ext cx="550258" cy="566442"/>
           </a:xfrm>
           <a:prstGeom prst="rect">
@@ -15969,7 +15993,7 @@
         </p:nvSpPr>
         <p:spPr>
           <a:xfrm>
-            <a:off x="4315752" y="3738519"/>
+            <a:off x="2956852" y="3738519"/>
             <a:ext cx="550258" cy="566442"/>
           </a:xfrm>
           <a:prstGeom prst="rect">
@@ -16013,7 +16037,7 @@
         </p:nvSpPr>
         <p:spPr>
           <a:xfrm>
-            <a:off x="7325990" y="3738519"/>
+            <a:off x="5967090" y="3738519"/>
             <a:ext cx="550258" cy="566442"/>
           </a:xfrm>
           <a:prstGeom prst="rect">
@@ -16053,7 +16077,7 @@
         </p:nvSpPr>
         <p:spPr>
           <a:xfrm>
-            <a:off x="8831109" y="3738519"/>
+            <a:off x="7472209" y="3738519"/>
             <a:ext cx="550258" cy="566442"/>
           </a:xfrm>
           <a:prstGeom prst="rect">
@@ -16093,7 +16117,7 @@
         </p:nvSpPr>
         <p:spPr>
           <a:xfrm>
-            <a:off x="2136714" y="5853390"/>
+            <a:off x="777814" y="5853390"/>
             <a:ext cx="242678" cy="247091"/>
           </a:xfrm>
           <a:prstGeom prst="rect">
@@ -16133,7 +16157,7 @@
         </p:nvSpPr>
         <p:spPr>
           <a:xfrm>
-            <a:off x="2453903" y="5853390"/>
+            <a:off x="1095003" y="5853390"/>
             <a:ext cx="242678" cy="247091"/>
           </a:xfrm>
           <a:prstGeom prst="rect">
@@ -16173,7 +16197,7 @@
         </p:nvSpPr>
         <p:spPr>
           <a:xfrm>
-            <a:off x="2771092" y="5853389"/>
+            <a:off x="1412192" y="5853389"/>
             <a:ext cx="242678" cy="247091"/>
           </a:xfrm>
           <a:prstGeom prst="rect">
@@ -16213,7 +16237,7 @@
         </p:nvSpPr>
         <p:spPr>
           <a:xfrm>
-            <a:off x="3088281" y="5853389"/>
+            <a:off x="1729381" y="5853389"/>
             <a:ext cx="242678" cy="247091"/>
           </a:xfrm>
           <a:prstGeom prst="rect">
@@ -16253,7 +16277,7 @@
         </p:nvSpPr>
         <p:spPr>
           <a:xfrm>
-            <a:off x="3405470" y="5853389"/>
+            <a:off x="2046570" y="5853389"/>
             <a:ext cx="242678" cy="247091"/>
           </a:xfrm>
           <a:prstGeom prst="rect">
@@ -16293,7 +16317,7 @@
         </p:nvSpPr>
         <p:spPr>
           <a:xfrm>
-            <a:off x="3727219" y="5852478"/>
+            <a:off x="2368319" y="5852478"/>
             <a:ext cx="242678" cy="247091"/>
           </a:xfrm>
           <a:prstGeom prst="rect">
@@ -16333,7 +16357,7 @@
         </p:nvSpPr>
         <p:spPr>
           <a:xfrm>
-            <a:off x="4044408" y="5852478"/>
+            <a:off x="2685508" y="5852478"/>
             <a:ext cx="242678" cy="247091"/>
           </a:xfrm>
           <a:prstGeom prst="rect">
@@ -16373,7 +16397,7 @@
         </p:nvSpPr>
         <p:spPr>
           <a:xfrm>
-            <a:off x="4361597" y="5852477"/>
+            <a:off x="3002697" y="5852477"/>
             <a:ext cx="242678" cy="247091"/>
           </a:xfrm>
           <a:prstGeom prst="rect">
@@ -16413,7 +16437,7 @@
         </p:nvSpPr>
         <p:spPr>
           <a:xfrm>
-            <a:off x="4678786" y="5852477"/>
+            <a:off x="3319886" y="5852477"/>
             <a:ext cx="242678" cy="247091"/>
           </a:xfrm>
           <a:prstGeom prst="rect">
@@ -16453,7 +16477,7 @@
         </p:nvSpPr>
         <p:spPr>
           <a:xfrm>
-            <a:off x="4995975" y="5852477"/>
+            <a:off x="3637075" y="5852477"/>
             <a:ext cx="242678" cy="247091"/>
           </a:xfrm>
           <a:prstGeom prst="rect">
@@ -16493,7 +16517,7 @@
         </p:nvSpPr>
         <p:spPr>
           <a:xfrm>
-            <a:off x="5329031" y="5852477"/>
+            <a:off x="3970131" y="5852477"/>
             <a:ext cx="242678" cy="247091"/>
           </a:xfrm>
           <a:prstGeom prst="rect">
@@ -16533,7 +16557,7 @@
         </p:nvSpPr>
         <p:spPr>
           <a:xfrm>
-            <a:off x="5646220" y="5852477"/>
+            <a:off x="4287320" y="5852477"/>
             <a:ext cx="242678" cy="247091"/>
           </a:xfrm>
           <a:prstGeom prst="rect">
@@ -16573,7 +16597,7 @@
         </p:nvSpPr>
         <p:spPr>
           <a:xfrm>
-            <a:off x="5963409" y="5852476"/>
+            <a:off x="4604509" y="5852476"/>
             <a:ext cx="242678" cy="247091"/>
           </a:xfrm>
           <a:prstGeom prst="rect">
@@ -16613,7 +16637,7 @@
         </p:nvSpPr>
         <p:spPr>
           <a:xfrm>
-            <a:off x="6280598" y="5852476"/>
+            <a:off x="4921698" y="5852476"/>
             <a:ext cx="242678" cy="247091"/>
           </a:xfrm>
           <a:prstGeom prst="rect">
@@ -16653,7 +16677,7 @@
         </p:nvSpPr>
         <p:spPr>
           <a:xfrm>
-            <a:off x="6597787" y="5852476"/>
+            <a:off x="5238887" y="5852476"/>
             <a:ext cx="242678" cy="247091"/>
           </a:xfrm>
           <a:prstGeom prst="rect">
@@ -16693,7 +16717,7 @@
         </p:nvSpPr>
         <p:spPr>
           <a:xfrm>
-            <a:off x="6967385" y="5852477"/>
+            <a:off x="5608485" y="5852477"/>
             <a:ext cx="242678" cy="247091"/>
           </a:xfrm>
           <a:prstGeom prst="rect">
@@ -16733,7 +16757,7 @@
         </p:nvSpPr>
         <p:spPr>
           <a:xfrm>
-            <a:off x="7284574" y="5852477"/>
+            <a:off x="5925674" y="5852477"/>
             <a:ext cx="242678" cy="247091"/>
           </a:xfrm>
           <a:prstGeom prst="rect">
@@ -16773,7 +16797,7 @@
         </p:nvSpPr>
         <p:spPr>
           <a:xfrm>
-            <a:off x="7601763" y="5852476"/>
+            <a:off x="6242863" y="5852476"/>
             <a:ext cx="242678" cy="247091"/>
           </a:xfrm>
           <a:prstGeom prst="rect">
@@ -16813,7 +16837,7 @@
         </p:nvSpPr>
         <p:spPr>
           <a:xfrm>
-            <a:off x="7918952" y="5852476"/>
+            <a:off x="6560052" y="5852476"/>
             <a:ext cx="242678" cy="247091"/>
           </a:xfrm>
           <a:prstGeom prst="rect">
@@ -16853,7 +16877,7 @@
         </p:nvSpPr>
         <p:spPr>
           <a:xfrm>
-            <a:off x="8236141" y="5852476"/>
+            <a:off x="6877241" y="5852476"/>
             <a:ext cx="242678" cy="247091"/>
           </a:xfrm>
           <a:prstGeom prst="rect">
@@ -16893,7 +16917,7 @@
         </p:nvSpPr>
         <p:spPr>
           <a:xfrm>
-            <a:off x="8558724" y="5852476"/>
+            <a:off x="7199824" y="5852476"/>
             <a:ext cx="242678" cy="247091"/>
           </a:xfrm>
           <a:prstGeom prst="rect">
@@ -16933,7 +16957,7 @@
         </p:nvSpPr>
         <p:spPr>
           <a:xfrm>
-            <a:off x="8875913" y="5852476"/>
+            <a:off x="7517013" y="5852476"/>
             <a:ext cx="242678" cy="247091"/>
           </a:xfrm>
           <a:prstGeom prst="rect">
@@ -16973,7 +16997,7 @@
         </p:nvSpPr>
         <p:spPr>
           <a:xfrm>
-            <a:off x="9193102" y="5852475"/>
+            <a:off x="7834202" y="5852475"/>
             <a:ext cx="242678" cy="247091"/>
           </a:xfrm>
           <a:prstGeom prst="rect">
@@ -17013,7 +17037,7 @@
         </p:nvSpPr>
         <p:spPr>
           <a:xfrm>
-            <a:off x="9510291" y="5852475"/>
+            <a:off x="8151391" y="5852475"/>
             <a:ext cx="242678" cy="247091"/>
           </a:xfrm>
           <a:prstGeom prst="rect">
@@ -17053,7 +17077,7 @@
         </p:nvSpPr>
         <p:spPr>
           <a:xfrm>
-            <a:off x="9827480" y="5852475"/>
+            <a:off x="8468580" y="5852475"/>
             <a:ext cx="242678" cy="247091"/>
           </a:xfrm>
           <a:prstGeom prst="rect">
@@ -17093,7 +17117,7 @@
         </p:nvSpPr>
         <p:spPr>
           <a:xfrm>
-            <a:off x="2810633" y="2629913"/>
+            <a:off x="1451733" y="2629913"/>
             <a:ext cx="6570734" cy="857755"/>
           </a:xfrm>
           <a:prstGeom prst="rect">
@@ -17146,13 +17170,6 @@
               </a:rPr>
               <a:t>()</a:t>
             </a:r>
-            <a:endParaRPr lang="de-DE" spc="600" dirty="0">
-              <a:solidFill>
-                <a:schemeClr val="bg2">
-                  <a:lumMod val="25000"/>
-                </a:schemeClr>
-              </a:solidFill>
-            </a:endParaRPr>
           </a:p>
         </p:txBody>
       </p:sp>
@@ -17164,7 +17181,7 @@
         </p:nvSpPr>
         <p:spPr>
           <a:xfrm>
-            <a:off x="2810633" y="4551193"/>
+            <a:off x="1451733" y="4551193"/>
             <a:ext cx="6570734" cy="857755"/>
           </a:xfrm>
           <a:prstGeom prst="rect">
@@ -17217,13 +17234,6 @@
               </a:rPr>
               <a:t>()</a:t>
             </a:r>
-            <a:endParaRPr lang="de-DE" spc="600" dirty="0">
-              <a:solidFill>
-                <a:schemeClr val="bg2">
-                  <a:lumMod val="25000"/>
-                </a:schemeClr>
-              </a:solidFill>
-            </a:endParaRPr>
           </a:p>
         </p:txBody>
       </p:sp>
@@ -17238,7 +17248,7 @@
         </p:nvCxnSpPr>
         <p:spPr>
           <a:xfrm flipH="1">
-            <a:off x="3085763" y="2419519"/>
+            <a:off x="1726863" y="2419519"/>
             <a:ext cx="3010236" cy="1319000"/>
           </a:xfrm>
           <a:prstGeom prst="straightConnector1">
@@ -17274,7 +17284,7 @@
         </p:nvCxnSpPr>
         <p:spPr>
           <a:xfrm flipH="1">
-            <a:off x="4590881" y="2419519"/>
+            <a:off x="3231981" y="2419519"/>
             <a:ext cx="1505118" cy="1319000"/>
           </a:xfrm>
           <a:prstGeom prst="straightConnector1">
@@ -17310,7 +17320,7 @@
         </p:nvCxnSpPr>
         <p:spPr>
           <a:xfrm>
-            <a:off x="6096000" y="2419519"/>
+            <a:off x="4737100" y="2419519"/>
             <a:ext cx="1" cy="1319000"/>
           </a:xfrm>
           <a:prstGeom prst="straightConnector1">
@@ -17346,7 +17356,7 @@
         </p:nvCxnSpPr>
         <p:spPr>
           <a:xfrm>
-            <a:off x="6095999" y="2419519"/>
+            <a:off x="4737099" y="2419519"/>
             <a:ext cx="1505120" cy="1319000"/>
           </a:xfrm>
           <a:prstGeom prst="straightConnector1">
@@ -17382,7 +17392,7 @@
         </p:nvCxnSpPr>
         <p:spPr>
           <a:xfrm>
-            <a:off x="6096000" y="2419519"/>
+            <a:off x="4737100" y="2419519"/>
             <a:ext cx="3010239" cy="1319000"/>
           </a:xfrm>
           <a:prstGeom prst="straightConnector1">
@@ -17418,7 +17428,7 @@
         </p:nvCxnSpPr>
         <p:spPr>
           <a:xfrm flipH="1">
-            <a:off x="2258053" y="4304961"/>
+            <a:off x="899153" y="4304961"/>
             <a:ext cx="827710" cy="1548428"/>
           </a:xfrm>
           <a:prstGeom prst="straightConnector1">
@@ -17454,7 +17464,7 @@
         </p:nvCxnSpPr>
         <p:spPr>
           <a:xfrm flipH="1">
-            <a:off x="2575243" y="4304961"/>
+            <a:off x="1216343" y="4304961"/>
             <a:ext cx="510521" cy="1548428"/>
           </a:xfrm>
           <a:prstGeom prst="straightConnector1">
@@ -17490,7 +17500,7 @@
         </p:nvCxnSpPr>
         <p:spPr>
           <a:xfrm flipH="1">
-            <a:off x="2892431" y="4304962"/>
+            <a:off x="1533531" y="4304962"/>
             <a:ext cx="193332" cy="1548427"/>
           </a:xfrm>
           <a:prstGeom prst="straightConnector1">
@@ -17526,7 +17536,7 @@
         </p:nvCxnSpPr>
         <p:spPr>
           <a:xfrm>
-            <a:off x="3085764" y="4304962"/>
+            <a:off x="1726864" y="4304962"/>
             <a:ext cx="123857" cy="1548427"/>
           </a:xfrm>
           <a:prstGeom prst="straightConnector1">
@@ -17562,7 +17572,7 @@
         </p:nvCxnSpPr>
         <p:spPr>
           <a:xfrm>
-            <a:off x="3085763" y="4304962"/>
+            <a:off x="1726863" y="4304962"/>
             <a:ext cx="441046" cy="1548427"/>
           </a:xfrm>
           <a:prstGeom prst="straightConnector1">
@@ -17598,7 +17608,7 @@
         </p:nvCxnSpPr>
         <p:spPr>
           <a:xfrm flipH="1">
-            <a:off x="3848559" y="4304961"/>
+            <a:off x="2489659" y="4304961"/>
             <a:ext cx="742323" cy="1547516"/>
           </a:xfrm>
           <a:prstGeom prst="straightConnector1">
@@ -17634,7 +17644,7 @@
         </p:nvCxnSpPr>
         <p:spPr>
           <a:xfrm flipH="1">
-            <a:off x="4165747" y="4304961"/>
+            <a:off x="2806847" y="4304961"/>
             <a:ext cx="425134" cy="1547516"/>
           </a:xfrm>
           <a:prstGeom prst="straightConnector1">
@@ -17670,7 +17680,7 @@
         </p:nvCxnSpPr>
         <p:spPr>
           <a:xfrm flipH="1">
-            <a:off x="4482937" y="4304962"/>
+            <a:off x="3124037" y="4304962"/>
             <a:ext cx="107945" cy="1547515"/>
           </a:xfrm>
           <a:prstGeom prst="straightConnector1">
@@ -17706,7 +17716,7 @@
         </p:nvCxnSpPr>
         <p:spPr>
           <a:xfrm>
-            <a:off x="4590881" y="4304962"/>
+            <a:off x="3231981" y="4304962"/>
             <a:ext cx="209244" cy="1547515"/>
           </a:xfrm>
           <a:prstGeom prst="straightConnector1">
@@ -17742,7 +17752,7 @@
         </p:nvCxnSpPr>
         <p:spPr>
           <a:xfrm>
-            <a:off x="4590882" y="4304962"/>
+            <a:off x="3231982" y="4304962"/>
             <a:ext cx="526433" cy="1547515"/>
           </a:xfrm>
           <a:prstGeom prst="straightConnector1">
@@ -17778,7 +17788,7 @@
         </p:nvCxnSpPr>
         <p:spPr>
           <a:xfrm flipH="1">
-            <a:off x="5450370" y="4304962"/>
+            <a:off x="4091470" y="4304962"/>
             <a:ext cx="645630" cy="1547515"/>
           </a:xfrm>
           <a:prstGeom prst="straightConnector1">
@@ -17814,7 +17824,7 @@
         </p:nvCxnSpPr>
         <p:spPr>
           <a:xfrm flipH="1">
-            <a:off x="5767560" y="4304962"/>
+            <a:off x="4408660" y="4304962"/>
             <a:ext cx="328441" cy="1547515"/>
           </a:xfrm>
           <a:prstGeom prst="straightConnector1">
@@ -17850,7 +17860,7 @@
         </p:nvCxnSpPr>
         <p:spPr>
           <a:xfrm flipH="1">
-            <a:off x="6084748" y="4304961"/>
+            <a:off x="4725848" y="4304961"/>
             <a:ext cx="11252" cy="1547514"/>
           </a:xfrm>
           <a:prstGeom prst="straightConnector1">
@@ -17886,7 +17896,7 @@
         </p:nvCxnSpPr>
         <p:spPr>
           <a:xfrm>
-            <a:off x="6096001" y="4304961"/>
+            <a:off x="4737101" y="4304961"/>
             <a:ext cx="305937" cy="1547514"/>
           </a:xfrm>
           <a:prstGeom prst="straightConnector1">
@@ -17922,7 +17932,7 @@
         </p:nvCxnSpPr>
         <p:spPr>
           <a:xfrm>
-            <a:off x="6096000" y="4304961"/>
+            <a:off x="4737100" y="4304961"/>
             <a:ext cx="623126" cy="1547514"/>
           </a:xfrm>
           <a:prstGeom prst="straightConnector1">
@@ -17958,7 +17968,7 @@
         </p:nvCxnSpPr>
         <p:spPr>
           <a:xfrm flipH="1">
-            <a:off x="7088725" y="4304962"/>
+            <a:off x="5729825" y="4304962"/>
             <a:ext cx="512395" cy="1547515"/>
           </a:xfrm>
           <a:prstGeom prst="straightConnector1">
@@ -17994,7 +18004,7 @@
         </p:nvCxnSpPr>
         <p:spPr>
           <a:xfrm flipH="1">
-            <a:off x="7405913" y="4304962"/>
+            <a:off x="6047013" y="4304962"/>
             <a:ext cx="195206" cy="1547515"/>
           </a:xfrm>
           <a:prstGeom prst="straightConnector1">
@@ -18030,7 +18040,7 @@
         </p:nvCxnSpPr>
         <p:spPr>
           <a:xfrm>
-            <a:off x="7601120" y="4304961"/>
+            <a:off x="6242220" y="4304961"/>
             <a:ext cx="121983" cy="1547514"/>
           </a:xfrm>
           <a:prstGeom prst="straightConnector1">
@@ -18066,7 +18076,7 @@
         </p:nvCxnSpPr>
         <p:spPr>
           <a:xfrm>
-            <a:off x="7601119" y="4304961"/>
+            <a:off x="6242219" y="4304961"/>
             <a:ext cx="439172" cy="1547514"/>
           </a:xfrm>
           <a:prstGeom prst="straightConnector1">
@@ -18102,7 +18112,7 @@
         </p:nvCxnSpPr>
         <p:spPr>
           <a:xfrm>
-            <a:off x="7601120" y="4304961"/>
+            <a:off x="6242220" y="4304961"/>
             <a:ext cx="756361" cy="1547514"/>
           </a:xfrm>
           <a:prstGeom prst="straightConnector1">
@@ -18138,7 +18148,7 @@
         </p:nvCxnSpPr>
         <p:spPr>
           <a:xfrm flipH="1">
-            <a:off x="8680064" y="4304961"/>
+            <a:off x="7321164" y="4304961"/>
             <a:ext cx="426175" cy="1547514"/>
           </a:xfrm>
           <a:prstGeom prst="straightConnector1">
@@ -18174,7 +18184,7 @@
         </p:nvCxnSpPr>
         <p:spPr>
           <a:xfrm flipH="1">
-            <a:off x="8997252" y="4304961"/>
+            <a:off x="7638352" y="4304961"/>
             <a:ext cx="108986" cy="1547514"/>
           </a:xfrm>
           <a:prstGeom prst="straightConnector1">
@@ -18210,7 +18220,7 @@
         </p:nvCxnSpPr>
         <p:spPr>
           <a:xfrm>
-            <a:off x="9106239" y="4304962"/>
+            <a:off x="7747339" y="4304962"/>
             <a:ext cx="208203" cy="1547513"/>
           </a:xfrm>
           <a:prstGeom prst="straightConnector1">
@@ -18246,7 +18256,7 @@
         </p:nvCxnSpPr>
         <p:spPr>
           <a:xfrm>
-            <a:off x="9106238" y="4304962"/>
+            <a:off x="7747338" y="4304962"/>
             <a:ext cx="525392" cy="1547513"/>
           </a:xfrm>
           <a:prstGeom prst="straightConnector1">
@@ -18282,7 +18292,7 @@
         </p:nvCxnSpPr>
         <p:spPr>
           <a:xfrm>
-            <a:off x="9106239" y="4304962"/>
+            <a:off x="7747339" y="4304962"/>
             <a:ext cx="842581" cy="1547513"/>
           </a:xfrm>
           <a:prstGeom prst="straightConnector1">
@@ -18315,7 +18325,7 @@
         </p:nvSpPr>
         <p:spPr>
           <a:xfrm>
-            <a:off x="1560508" y="3658631"/>
+            <a:off x="201608" y="3658631"/>
             <a:ext cx="979755" cy="646331"/>
           </a:xfrm>
           <a:prstGeom prst="rect">
@@ -18339,7 +18349,6 @@
               <a:rPr lang="de-DE" dirty="0"/>
               <a:t>Wörter</a:t>
             </a:r>
-            <a:endParaRPr lang="de-DE" dirty="0"/>
           </a:p>
         </p:txBody>
       </p:sp>
@@ -18351,7 +18360,7 @@
         </p:nvCxnSpPr>
         <p:spPr>
           <a:xfrm>
-            <a:off x="1654483" y="3410858"/>
+            <a:off x="295583" y="3410858"/>
             <a:ext cx="8332104" cy="918381"/>
           </a:xfrm>
           <a:prstGeom prst="line">
@@ -18381,7 +18390,7 @@
         </p:nvCxnSpPr>
         <p:spPr>
           <a:xfrm flipH="1">
-            <a:off x="1742485" y="3414073"/>
+            <a:off x="383585" y="3414073"/>
             <a:ext cx="8206334" cy="1056547"/>
           </a:xfrm>
           <a:prstGeom prst="line">
@@ -18411,7 +18420,7 @@
         </p:nvSpPr>
         <p:spPr>
           <a:xfrm>
-            <a:off x="1766761" y="5605383"/>
+            <a:off x="407861" y="5605383"/>
             <a:ext cx="8618018" cy="837810"/>
           </a:xfrm>
           <a:prstGeom prst="rect">
@@ -18444,6 +18453,315 @@
           </a:p>
         </p:txBody>
       </p:sp>
+      <p:sp>
+        <p:nvSpPr>
+          <p:cNvPr id="75" name="Rechteck 74"/>
+          <p:cNvSpPr/>
+          <p:nvPr/>
+        </p:nvSpPr>
+        <p:spPr>
+          <a:xfrm>
+            <a:off x="5986022" y="1805430"/>
+            <a:ext cx="2046934" cy="648258"/>
+          </a:xfrm>
+          <a:prstGeom prst="rect">
+            <a:avLst/>
+          </a:prstGeom>
+          <a:solidFill>
+            <a:srgbClr val="FFC000">
+              <a:alpha val="34118"/>
+            </a:srgbClr>
+          </a:solidFill>
+        </p:spPr>
+        <p:style>
+          <a:lnRef idx="2">
+            <a:schemeClr val="accent4">
+              <a:shade val="50000"/>
+            </a:schemeClr>
+          </a:lnRef>
+          <a:fillRef idx="1">
+            <a:schemeClr val="accent4"/>
+          </a:fillRef>
+          <a:effectRef idx="0">
+            <a:schemeClr val="accent4"/>
+          </a:effectRef>
+          <a:fontRef idx="minor">
+            <a:schemeClr val="lt1"/>
+          </a:fontRef>
+        </p:style>
+        <p:txBody>
+          <a:bodyPr vert="horz" rtlCol="0" anchor="ctr"/>
+          <a:lstStyle/>
+          <a:p>
+            <a:pPr algn="ctr"/>
+            <a:r>
+              <a:rPr lang="de-DE" spc="600" dirty="0" smtClean="0">
+                <a:solidFill>
+                  <a:schemeClr val="bg2">
+                    <a:lumMod val="25000"/>
+                  </a:schemeClr>
+                </a:solidFill>
+              </a:rPr>
+              <a:t>Webservice</a:t>
+            </a:r>
+            <a:endParaRPr lang="de-DE" spc="600" dirty="0">
+              <a:solidFill>
+                <a:schemeClr val="bg2">
+                  <a:lumMod val="25000"/>
+                </a:schemeClr>
+              </a:solidFill>
+            </a:endParaRPr>
+          </a:p>
+        </p:txBody>
+      </p:sp>
+      <p:sp>
+        <p:nvSpPr>
+          <p:cNvPr id="19" name="Rechteck 18"/>
+          <p:cNvSpPr/>
+          <p:nvPr/>
+        </p:nvSpPr>
+        <p:spPr>
+          <a:xfrm>
+            <a:off x="9601200" y="1828802"/>
+            <a:ext cx="1587500" cy="2500438"/>
+          </a:xfrm>
+          <a:prstGeom prst="rect">
+            <a:avLst/>
+          </a:prstGeom>
+        </p:spPr>
+        <p:style>
+          <a:lnRef idx="2">
+            <a:schemeClr val="accent1">
+              <a:shade val="50000"/>
+            </a:schemeClr>
+          </a:lnRef>
+          <a:fillRef idx="1">
+            <a:schemeClr val="accent1"/>
+          </a:fillRef>
+          <a:effectRef idx="0">
+            <a:schemeClr val="accent1"/>
+          </a:effectRef>
+          <a:fontRef idx="minor">
+            <a:schemeClr val="lt1"/>
+          </a:fontRef>
+        </p:style>
+        <p:txBody>
+          <a:bodyPr vert="vert270" rtlCol="0" anchor="ctr"/>
+          <a:lstStyle/>
+          <a:p>
+            <a:pPr algn="ctr"/>
+            <a:r>
+              <a:rPr lang="en-US" spc="600" dirty="0" err="1" smtClean="0"/>
+              <a:t>Synonymliste</a:t>
+            </a:r>
+            <a:endParaRPr lang="de-DE" spc="600" dirty="0"/>
+          </a:p>
+        </p:txBody>
+      </p:sp>
+      <p:cxnSp>
+        <p:nvCxnSpPr>
+          <p:cNvPr id="21" name="Gerade Verbindung mit Pfeil 20"/>
+          <p:cNvCxnSpPr>
+            <a:stCxn id="4" idx="3"/>
+            <a:endCxn id="75" idx="1"/>
+          </p:cNvCxnSpPr>
+          <p:nvPr/>
+        </p:nvCxnSpPr>
+        <p:spPr>
+          <a:xfrm>
+            <a:off x="5400646" y="2124161"/>
+            <a:ext cx="585376" cy="5398"/>
+          </a:xfrm>
+          <a:prstGeom prst="straightConnector1">
+            <a:avLst/>
+          </a:prstGeom>
+          <a:ln>
+            <a:tailEnd type="triangle"/>
+          </a:ln>
+        </p:spPr>
+        <p:style>
+          <a:lnRef idx="1">
+            <a:schemeClr val="accent1"/>
+          </a:lnRef>
+          <a:fillRef idx="0">
+            <a:schemeClr val="accent1"/>
+          </a:fillRef>
+          <a:effectRef idx="0">
+            <a:schemeClr val="accent1"/>
+          </a:effectRef>
+          <a:fontRef idx="minor">
+            <a:schemeClr val="tx1"/>
+          </a:fontRef>
+        </p:style>
+      </p:cxnSp>
+      <p:cxnSp>
+        <p:nvCxnSpPr>
+          <p:cNvPr id="23" name="Gerade Verbindung mit Pfeil 22"/>
+          <p:cNvCxnSpPr>
+            <a:stCxn id="75" idx="3"/>
+          </p:cNvCxnSpPr>
+          <p:nvPr/>
+        </p:nvCxnSpPr>
+        <p:spPr>
+          <a:xfrm flipV="1">
+            <a:off x="8032956" y="2126040"/>
+            <a:ext cx="1568244" cy="3519"/>
+          </a:xfrm>
+          <a:prstGeom prst="straightConnector1">
+            <a:avLst/>
+          </a:prstGeom>
+          <a:ln>
+            <a:tailEnd type="triangle"/>
+          </a:ln>
+        </p:spPr>
+        <p:style>
+          <a:lnRef idx="1">
+            <a:schemeClr val="accent1"/>
+          </a:lnRef>
+          <a:fillRef idx="0">
+            <a:schemeClr val="accent1"/>
+          </a:fillRef>
+          <a:effectRef idx="0">
+            <a:schemeClr val="accent1"/>
+          </a:effectRef>
+          <a:fontRef idx="minor">
+            <a:schemeClr val="tx1"/>
+          </a:fontRef>
+        </p:style>
+      </p:cxnSp>
+      <p:sp>
+        <p:nvSpPr>
+          <p:cNvPr id="82" name="Rechteck 81"/>
+          <p:cNvSpPr/>
+          <p:nvPr/>
+        </p:nvSpPr>
+        <p:spPr>
+          <a:xfrm>
+            <a:off x="9601200" y="5605383"/>
+            <a:ext cx="1587500" cy="648258"/>
+          </a:xfrm>
+          <a:prstGeom prst="rect">
+            <a:avLst/>
+          </a:prstGeom>
+          <a:solidFill>
+            <a:srgbClr val="FFC000">
+              <a:alpha val="34118"/>
+            </a:srgbClr>
+          </a:solidFill>
+        </p:spPr>
+        <p:style>
+          <a:lnRef idx="2">
+            <a:schemeClr val="accent4">
+              <a:shade val="50000"/>
+            </a:schemeClr>
+          </a:lnRef>
+          <a:fillRef idx="1">
+            <a:schemeClr val="accent4"/>
+          </a:fillRef>
+          <a:effectRef idx="0">
+            <a:schemeClr val="accent4"/>
+          </a:effectRef>
+          <a:fontRef idx="minor">
+            <a:schemeClr val="lt1"/>
+          </a:fontRef>
+        </p:style>
+        <p:txBody>
+          <a:bodyPr vert="horz" rtlCol="0" anchor="ctr"/>
+          <a:lstStyle/>
+          <a:p>
+            <a:pPr algn="ctr"/>
+            <a:r>
+              <a:rPr lang="de-DE" spc="300" dirty="0" smtClean="0">
+                <a:solidFill>
+                  <a:schemeClr val="bg2">
+                    <a:lumMod val="25000"/>
+                  </a:schemeClr>
+                </a:solidFill>
+              </a:rPr>
+              <a:t>Vergleich</a:t>
+            </a:r>
+            <a:endParaRPr lang="de-DE" spc="300" dirty="0">
+              <a:solidFill>
+                <a:schemeClr val="bg2">
+                  <a:lumMod val="25000"/>
+                </a:schemeClr>
+              </a:solidFill>
+            </a:endParaRPr>
+          </a:p>
+        </p:txBody>
+      </p:sp>
+      <p:cxnSp>
+        <p:nvCxnSpPr>
+          <p:cNvPr id="26" name="Gerade Verbindung mit Pfeil 25"/>
+          <p:cNvCxnSpPr>
+            <a:stCxn id="19" idx="2"/>
+            <a:endCxn id="82" idx="0"/>
+          </p:cNvCxnSpPr>
+          <p:nvPr/>
+        </p:nvCxnSpPr>
+        <p:spPr>
+          <a:xfrm>
+            <a:off x="10394950" y="4329240"/>
+            <a:ext cx="0" cy="1276143"/>
+          </a:xfrm>
+          <a:prstGeom prst="straightConnector1">
+            <a:avLst/>
+          </a:prstGeom>
+          <a:ln>
+            <a:tailEnd type="triangle"/>
+          </a:ln>
+        </p:spPr>
+        <p:style>
+          <a:lnRef idx="1">
+            <a:schemeClr val="accent1"/>
+          </a:lnRef>
+          <a:fillRef idx="0">
+            <a:schemeClr val="accent1"/>
+          </a:fillRef>
+          <a:effectRef idx="0">
+            <a:schemeClr val="accent1"/>
+          </a:effectRef>
+          <a:fontRef idx="minor">
+            <a:schemeClr val="tx1"/>
+          </a:fontRef>
+        </p:style>
+      </p:cxnSp>
+      <p:cxnSp>
+        <p:nvCxnSpPr>
+          <p:cNvPr id="28" name="Gerade Verbindung mit Pfeil 27"/>
+          <p:cNvCxnSpPr>
+            <a:stCxn id="148" idx="3"/>
+            <a:endCxn id="82" idx="1"/>
+          </p:cNvCxnSpPr>
+          <p:nvPr/>
+        </p:nvCxnSpPr>
+        <p:spPr>
+          <a:xfrm flipV="1">
+            <a:off x="9025879" y="5929512"/>
+            <a:ext cx="575321" cy="94776"/>
+          </a:xfrm>
+          <a:prstGeom prst="straightConnector1">
+            <a:avLst/>
+          </a:prstGeom>
+          <a:ln>
+            <a:tailEnd type="triangle"/>
+          </a:ln>
+        </p:spPr>
+        <p:style>
+          <a:lnRef idx="1">
+            <a:schemeClr val="accent1"/>
+          </a:lnRef>
+          <a:fillRef idx="0">
+            <a:schemeClr val="accent1"/>
+          </a:fillRef>
+          <a:effectRef idx="0">
+            <a:schemeClr val="accent1"/>
+          </a:effectRef>
+          <a:fontRef idx="minor">
+            <a:schemeClr val="tx1"/>
+          </a:fontRef>
+        </p:style>
+      </p:cxnSp>
     </p:spTree>
     <p:extLst>
       <p:ext uri="{BB962C8B-B14F-4D97-AF65-F5344CB8AC3E}">
@@ -20379,6 +20697,249 @@
                       </p:childTnLst>
                     </p:cTn>
                   </p:par>
+                  <p:par>
+                    <p:cTn id="149" fill="hold">
+                      <p:stCondLst>
+                        <p:cond delay="indefinite"/>
+                      </p:stCondLst>
+                      <p:childTnLst>
+                        <p:par>
+                          <p:cTn id="150" fill="hold">
+                            <p:stCondLst>
+                              <p:cond delay="0"/>
+                            </p:stCondLst>
+                            <p:childTnLst>
+                              <p:par>
+                                <p:cTn id="151" presetID="1" presetClass="entr" presetSubtype="0" fill="hold" grpId="0" nodeType="clickEffect">
+                                  <p:stCondLst>
+                                    <p:cond delay="0"/>
+                                  </p:stCondLst>
+                                  <p:childTnLst>
+                                    <p:set>
+                                      <p:cBhvr>
+                                        <p:cTn id="152" dur="1" fill="hold">
+                                          <p:stCondLst>
+                                            <p:cond delay="0"/>
+                                          </p:stCondLst>
+                                        </p:cTn>
+                                        <p:tgtEl>
+                                          <p:spTgt spid="75"/>
+                                        </p:tgtEl>
+                                        <p:attrNameLst>
+                                          <p:attrName>style.visibility</p:attrName>
+                                        </p:attrNameLst>
+                                      </p:cBhvr>
+                                      <p:to>
+                                        <p:strVal val="visible"/>
+                                      </p:to>
+                                    </p:set>
+                                  </p:childTnLst>
+                                </p:cTn>
+                              </p:par>
+                              <p:par>
+                                <p:cTn id="153" presetID="1" presetClass="entr" presetSubtype="0" fill="hold" nodeType="withEffect">
+                                  <p:stCondLst>
+                                    <p:cond delay="0"/>
+                                  </p:stCondLst>
+                                  <p:childTnLst>
+                                    <p:set>
+                                      <p:cBhvr>
+                                        <p:cTn id="154" dur="1" fill="hold">
+                                          <p:stCondLst>
+                                            <p:cond delay="0"/>
+                                          </p:stCondLst>
+                                        </p:cTn>
+                                        <p:tgtEl>
+                                          <p:spTgt spid="21"/>
+                                        </p:tgtEl>
+                                        <p:attrNameLst>
+                                          <p:attrName>style.visibility</p:attrName>
+                                        </p:attrNameLst>
+                                      </p:cBhvr>
+                                      <p:to>
+                                        <p:strVal val="visible"/>
+                                      </p:to>
+                                    </p:set>
+                                  </p:childTnLst>
+                                </p:cTn>
+                              </p:par>
+                            </p:childTnLst>
+                          </p:cTn>
+                        </p:par>
+                      </p:childTnLst>
+                    </p:cTn>
+                  </p:par>
+                  <p:par>
+                    <p:cTn id="155" fill="hold">
+                      <p:stCondLst>
+                        <p:cond delay="indefinite"/>
+                      </p:stCondLst>
+                      <p:childTnLst>
+                        <p:par>
+                          <p:cTn id="156" fill="hold">
+                            <p:stCondLst>
+                              <p:cond delay="0"/>
+                            </p:stCondLst>
+                            <p:childTnLst>
+                              <p:par>
+                                <p:cTn id="157" presetID="1" presetClass="entr" presetSubtype="0" fill="hold" grpId="0" nodeType="clickEffect">
+                                  <p:stCondLst>
+                                    <p:cond delay="0"/>
+                                  </p:stCondLst>
+                                  <p:childTnLst>
+                                    <p:set>
+                                      <p:cBhvr>
+                                        <p:cTn id="158" dur="1" fill="hold">
+                                          <p:stCondLst>
+                                            <p:cond delay="0"/>
+                                          </p:stCondLst>
+                                        </p:cTn>
+                                        <p:tgtEl>
+                                          <p:spTgt spid="19"/>
+                                        </p:tgtEl>
+                                        <p:attrNameLst>
+                                          <p:attrName>style.visibility</p:attrName>
+                                        </p:attrNameLst>
+                                      </p:cBhvr>
+                                      <p:to>
+                                        <p:strVal val="visible"/>
+                                      </p:to>
+                                    </p:set>
+                                  </p:childTnLst>
+                                </p:cTn>
+                              </p:par>
+                              <p:par>
+                                <p:cTn id="159" presetID="1" presetClass="entr" presetSubtype="0" fill="hold" nodeType="withEffect">
+                                  <p:stCondLst>
+                                    <p:cond delay="0"/>
+                                  </p:stCondLst>
+                                  <p:childTnLst>
+                                    <p:set>
+                                      <p:cBhvr>
+                                        <p:cTn id="160" dur="1" fill="hold">
+                                          <p:stCondLst>
+                                            <p:cond delay="0"/>
+                                          </p:stCondLst>
+                                        </p:cTn>
+                                        <p:tgtEl>
+                                          <p:spTgt spid="23"/>
+                                        </p:tgtEl>
+                                        <p:attrNameLst>
+                                          <p:attrName>style.visibility</p:attrName>
+                                        </p:attrNameLst>
+                                      </p:cBhvr>
+                                      <p:to>
+                                        <p:strVal val="visible"/>
+                                      </p:to>
+                                    </p:set>
+                                  </p:childTnLst>
+                                </p:cTn>
+                              </p:par>
+                            </p:childTnLst>
+                          </p:cTn>
+                        </p:par>
+                      </p:childTnLst>
+                    </p:cTn>
+                  </p:par>
+                  <p:par>
+                    <p:cTn id="161" fill="hold">
+                      <p:stCondLst>
+                        <p:cond delay="indefinite"/>
+                      </p:stCondLst>
+                      <p:childTnLst>
+                        <p:par>
+                          <p:cTn id="162" fill="hold">
+                            <p:stCondLst>
+                              <p:cond delay="0"/>
+                            </p:stCondLst>
+                            <p:childTnLst>
+                              <p:par>
+                                <p:cTn id="163" presetID="1" presetClass="entr" presetSubtype="0" fill="hold" grpId="0" nodeType="clickEffect">
+                                  <p:stCondLst>
+                                    <p:cond delay="0"/>
+                                  </p:stCondLst>
+                                  <p:childTnLst>
+                                    <p:set>
+                                      <p:cBhvr>
+                                        <p:cTn id="164" dur="1" fill="hold">
+                                          <p:stCondLst>
+                                            <p:cond delay="0"/>
+                                          </p:stCondLst>
+                                        </p:cTn>
+                                        <p:tgtEl>
+                                          <p:spTgt spid="82"/>
+                                        </p:tgtEl>
+                                        <p:attrNameLst>
+                                          <p:attrName>style.visibility</p:attrName>
+                                        </p:attrNameLst>
+                                      </p:cBhvr>
+                                      <p:to>
+                                        <p:strVal val="visible"/>
+                                      </p:to>
+                                    </p:set>
+                                  </p:childTnLst>
+                                </p:cTn>
+                              </p:par>
+                              <p:par>
+                                <p:cTn id="165" presetID="1" presetClass="entr" presetSubtype="0" fill="hold" nodeType="withEffect">
+                                  <p:stCondLst>
+                                    <p:cond delay="0"/>
+                                  </p:stCondLst>
+                                  <p:childTnLst>
+                                    <p:set>
+                                      <p:cBhvr>
+                                        <p:cTn id="166" dur="1" fill="hold">
+                                          <p:stCondLst>
+                                            <p:cond delay="0"/>
+                                          </p:stCondLst>
+                                        </p:cTn>
+                                        <p:tgtEl>
+                                          <p:spTgt spid="26"/>
+                                        </p:tgtEl>
+                                        <p:attrNameLst>
+                                          <p:attrName>style.visibility</p:attrName>
+                                        </p:attrNameLst>
+                                      </p:cBhvr>
+                                      <p:to>
+                                        <p:strVal val="visible"/>
+                                      </p:to>
+                                    </p:set>
+                                  </p:childTnLst>
+                                </p:cTn>
+                              </p:par>
+                              <p:par>
+                                <p:cTn id="167" presetID="1" presetClass="entr" presetSubtype="0" fill="hold" nodeType="withEffect">
+                                  <p:stCondLst>
+                                    <p:cond delay="0"/>
+                                  </p:stCondLst>
+                                  <p:childTnLst>
+                                    <p:set>
+                                      <p:cBhvr>
+                                        <p:cTn id="168" dur="1" fill="hold">
+                                          <p:stCondLst>
+                                            <p:cond delay="0"/>
+                                          </p:stCondLst>
+                                        </p:cTn>
+                                        <p:tgtEl>
+                                          <p:spTgt spid="28"/>
+                                        </p:tgtEl>
+                                        <p:attrNameLst>
+                                          <p:attrName>style.visibility</p:attrName>
+                                        </p:attrNameLst>
+                                      </p:cBhvr>
+                                      <p:to>
+                                        <p:strVal val="visible"/>
+                                      </p:to>
+                                    </p:set>
+                                  </p:childTnLst>
+                                </p:cTn>
+                              </p:par>
+                            </p:childTnLst>
+                          </p:cTn>
+                        </p:par>
+                      </p:childTnLst>
+                    </p:cTn>
+                  </p:par>
                 </p:childTnLst>
               </p:cTn>
               <p:prevCondLst>
@@ -20436,6 +20997,9 @@
       <p:bldP spid="68" grpId="0" animBg="1"/>
       <p:bldP spid="139" grpId="0"/>
       <p:bldP spid="148" grpId="0" animBg="1"/>
+      <p:bldP spid="75" grpId="0" animBg="1"/>
+      <p:bldP spid="19" grpId="0" animBg="1"/>
+      <p:bldP spid="82" grpId="0" animBg="1"/>
     </p:bldLst>
   </p:timing>
 </p:sld>
